--- a/PyschRegionsUS.pptx
+++ b/PyschRegionsUS.pptx
@@ -5,7 +5,7 @@
     <p:sldMasterId id="2147483660" r:id="rId1"/>
   </p:sldMasterIdLst>
   <p:notesMasterIdLst>
-    <p:notesMasterId r:id="rId15"/>
+    <p:notesMasterId r:id="rId16"/>
   </p:notesMasterIdLst>
   <p:sldIdLst>
     <p:sldId id="256" r:id="rId2"/>
@@ -18,9 +18,10 @@
     <p:sldId id="283" r:id="rId9"/>
     <p:sldId id="286" r:id="rId10"/>
     <p:sldId id="287" r:id="rId11"/>
-    <p:sldId id="284" r:id="rId12"/>
-    <p:sldId id="285" r:id="rId13"/>
-    <p:sldId id="263" r:id="rId14"/>
+    <p:sldId id="288" r:id="rId12"/>
+    <p:sldId id="284" r:id="rId13"/>
+    <p:sldId id="285" r:id="rId14"/>
+    <p:sldId id="263" r:id="rId15"/>
   </p:sldIdLst>
   <p:sldSz cx="12192000" cy="6858000"/>
   <p:notesSz cx="6858000" cy="9144000"/>
@@ -138,6 +139,7 @@
             <p14:sldId id="283"/>
             <p14:sldId id="286"/>
             <p14:sldId id="287"/>
+            <p14:sldId id="288"/>
             <p14:sldId id="284"/>
             <p14:sldId id="285"/>
           </p14:sldIdLst>
@@ -255,7 +257,7 @@
           <a:p>
             <a:fld id="{EC13577B-6902-467D-A26C-08A0DD5E4E03}" type="datetimeFigureOut">
               <a:rPr lang="en-US" smtClean="0"/>
-              <a:t>7/22/2019</a:t>
+              <a:t>7/23/2019</a:t>
             </a:fld>
             <a:endParaRPr lang="en-US" dirty="0"/>
           </a:p>
@@ -689,7 +691,7 @@
           <a:p>
             <a:fld id="{DF61EA0F-A667-4B49-8422-0062BC55E249}" type="slidenum">
               <a:rPr lang="en-US" smtClean="0"/>
-              <a:t>13</a:t>
+              <a:t>14</a:t>
             </a:fld>
             <a:endParaRPr lang="en-US" dirty="0"/>
           </a:p>
@@ -788,7 +790,7 @@
           <a:p>
             <a:fld id="{8BEEBAAA-29B5-4AF5-BC5F-7E580C29002D}" type="datetimeFigureOut">
               <a:rPr lang="en-US" smtClean="0"/>
-              <a:t>7/22/2019</a:t>
+              <a:t>7/23/2019</a:t>
             </a:fld>
             <a:endParaRPr lang="en-US" dirty="0"/>
           </a:p>
@@ -1577,7 +1579,7 @@
           <a:p>
             <a:fld id="{8BEEBAAA-29B5-4AF5-BC5F-7E580C29002D}" type="datetimeFigureOut">
               <a:rPr lang="en-US" smtClean="0"/>
-              <a:t>7/22/2019</a:t>
+              <a:t>7/23/2019</a:t>
             </a:fld>
             <a:endParaRPr lang="en-US" dirty="0"/>
           </a:p>
@@ -2122,7 +2124,7 @@
           <a:p>
             <a:fld id="{8BEEBAAA-29B5-4AF5-BC5F-7E580C29002D}" type="datetimeFigureOut">
               <a:rPr lang="en-US" smtClean="0"/>
-              <a:t>7/22/2019</a:t>
+              <a:t>7/23/2019</a:t>
             </a:fld>
             <a:endParaRPr lang="en-US" dirty="0"/>
           </a:p>
@@ -2890,66 +2892,6 @@
           </a:p>
         </p:txBody>
       </p:sp>
-      <p:pic>
-        <p:nvPicPr>
-          <p:cNvPr id="2" name="Picture 1">
-            <a:extLst>
-              <a:ext uri="{FF2B5EF4-FFF2-40B4-BE49-F238E27FC236}">
-                <a16:creationId xmlns:a16="http://schemas.microsoft.com/office/drawing/2014/main" id="{8B200A7A-3ECC-4F17-BDAA-F5251D4B8D45}"/>
-              </a:ext>
-            </a:extLst>
-          </p:cNvPr>
-          <p:cNvPicPr>
-            <a:picLocks noChangeAspect="1"/>
-          </p:cNvPicPr>
-          <p:nvPr/>
-        </p:nvPicPr>
-        <p:blipFill>
-          <a:blip r:embed="rId2"/>
-          <a:stretch>
-            <a:fillRect/>
-          </a:stretch>
-        </p:blipFill>
-        <p:spPr>
-          <a:xfrm>
-            <a:off x="5129936" y="1432826"/>
-            <a:ext cx="2638425" cy="1647825"/>
-          </a:xfrm>
-          <a:prstGeom prst="rect">
-            <a:avLst/>
-          </a:prstGeom>
-        </p:spPr>
-      </p:pic>
-      <p:pic>
-        <p:nvPicPr>
-          <p:cNvPr id="3" name="Picture 2">
-            <a:extLst>
-              <a:ext uri="{FF2B5EF4-FFF2-40B4-BE49-F238E27FC236}">
-                <a16:creationId xmlns:a16="http://schemas.microsoft.com/office/drawing/2014/main" id="{2A129EE6-FC90-4010-8E59-FB17E15A3362}"/>
-              </a:ext>
-            </a:extLst>
-          </p:cNvPr>
-          <p:cNvPicPr>
-            <a:picLocks noChangeAspect="1"/>
-          </p:cNvPicPr>
-          <p:nvPr/>
-        </p:nvPicPr>
-        <p:blipFill>
-          <a:blip r:embed="rId3"/>
-          <a:stretch>
-            <a:fillRect/>
-          </a:stretch>
-        </p:blipFill>
-        <p:spPr>
-          <a:xfrm>
-            <a:off x="4790367" y="3162133"/>
-            <a:ext cx="3552825" cy="2505075"/>
-          </a:xfrm>
-          <a:prstGeom prst="rect">
-            <a:avLst/>
-          </a:prstGeom>
-        </p:spPr>
-      </p:pic>
       <p:sp>
         <p:nvSpPr>
           <p:cNvPr id="13" name="Content Placeholder 17">
@@ -3188,7 +3130,7 @@
                 </a:solidFill>
                 <a:cs typeface="Segoe UI"/>
               </a:rPr>
-              <a:t>Best accuracy of 0.85 when fitting on the original data</a:t>
+              <a:t>Best accuracy of 0.82 when fitting on the original data</a:t>
             </a:r>
           </a:p>
         </p:txBody>
@@ -3431,17 +3373,77 @@
                 </a:solidFill>
                 <a:cs typeface="Segoe UI"/>
               </a:rPr>
-              <a:t>Weighted average F1-Score of 0.85 when predicting on the original data</a:t>
+              <a:t>Weighted average F1-Score of 0.81 when predicting on the original data</a:t>
             </a:r>
           </a:p>
         </p:txBody>
       </p:sp>
       <p:pic>
         <p:nvPicPr>
-          <p:cNvPr id="4" name="Picture 3">
+          <p:cNvPr id="5" name="Picture 4">
             <a:extLst>
               <a:ext uri="{FF2B5EF4-FFF2-40B4-BE49-F238E27FC236}">
-                <a16:creationId xmlns:a16="http://schemas.microsoft.com/office/drawing/2014/main" id="{19BE2620-3CE9-4907-807D-706944ECB2D0}"/>
+                <a16:creationId xmlns:a16="http://schemas.microsoft.com/office/drawing/2014/main" id="{517184DD-7E81-466D-A26D-008F75E7C84C}"/>
+              </a:ext>
+            </a:extLst>
+          </p:cNvPr>
+          <p:cNvPicPr>
+            <a:picLocks noChangeAspect="1"/>
+          </p:cNvPicPr>
+          <p:nvPr/>
+        </p:nvPicPr>
+        <p:blipFill>
+          <a:blip r:embed="rId2"/>
+          <a:stretch>
+            <a:fillRect/>
+          </a:stretch>
+        </p:blipFill>
+        <p:spPr>
+          <a:xfrm>
+            <a:off x="5303094" y="1317255"/>
+            <a:ext cx="2733675" cy="1685925"/>
+          </a:xfrm>
+          <a:prstGeom prst="rect">
+            <a:avLst/>
+          </a:prstGeom>
+        </p:spPr>
+      </p:pic>
+      <p:pic>
+        <p:nvPicPr>
+          <p:cNvPr id="6" name="Picture 5">
+            <a:extLst>
+              <a:ext uri="{FF2B5EF4-FFF2-40B4-BE49-F238E27FC236}">
+                <a16:creationId xmlns:a16="http://schemas.microsoft.com/office/drawing/2014/main" id="{3A46725B-B1C1-4E8D-8A1B-9E3D42B40214}"/>
+              </a:ext>
+            </a:extLst>
+          </p:cNvPr>
+          <p:cNvPicPr>
+            <a:picLocks noChangeAspect="1"/>
+          </p:cNvPicPr>
+          <p:nvPr/>
+        </p:nvPicPr>
+        <p:blipFill>
+          <a:blip r:embed="rId3"/>
+          <a:stretch>
+            <a:fillRect/>
+          </a:stretch>
+        </p:blipFill>
+        <p:spPr>
+          <a:xfrm>
+            <a:off x="5126476" y="3235957"/>
+            <a:ext cx="3472775" cy="2639549"/>
+          </a:xfrm>
+          <a:prstGeom prst="rect">
+            <a:avLst/>
+          </a:prstGeom>
+        </p:spPr>
+      </p:pic>
+      <p:pic>
+        <p:nvPicPr>
+          <p:cNvPr id="8" name="Picture 7">
+            <a:extLst>
+              <a:ext uri="{FF2B5EF4-FFF2-40B4-BE49-F238E27FC236}">
+                <a16:creationId xmlns:a16="http://schemas.microsoft.com/office/drawing/2014/main" id="{58D98AA5-D81F-4F17-A588-C86B10B8156F}"/>
               </a:ext>
             </a:extLst>
           </p:cNvPr>
@@ -3458,8 +3460,8 @@
         </p:blipFill>
         <p:spPr>
           <a:xfrm>
-            <a:off x="609152" y="3856775"/>
-            <a:ext cx="3810000" cy="1514475"/>
+            <a:off x="653172" y="3943287"/>
+            <a:ext cx="4095750" cy="1647825"/>
           </a:xfrm>
           <a:prstGeom prst="rect">
             <a:avLst/>
@@ -3488,6 +3490,1576 @@
 </file>
 
 <file path=ppt/slides/slide11.xml><?xml version="1.0" encoding="utf-8"?>
+<p:sld xmlns:a="http://schemas.openxmlformats.org/drawingml/2006/main" xmlns:r="http://schemas.openxmlformats.org/officeDocument/2006/relationships" xmlns:p="http://schemas.openxmlformats.org/presentationml/2006/main">
+  <p:cSld>
+    <p:spTree>
+      <p:nvGrpSpPr>
+        <p:cNvPr id="1" name=""/>
+        <p:cNvGrpSpPr/>
+        <p:nvPr/>
+      </p:nvGrpSpPr>
+      <p:grpSpPr>
+        <a:xfrm>
+          <a:off x="0" y="0"/>
+          <a:ext cx="0" cy="0"/>
+          <a:chOff x="0" y="0"/>
+          <a:chExt cx="0" cy="0"/>
+        </a:xfrm>
+      </p:grpSpPr>
+      <p:sp>
+        <p:nvSpPr>
+          <p:cNvPr id="7" name="Text Placeholder 6"/>
+          <p:cNvSpPr>
+            <a:spLocks noGrp="1"/>
+          </p:cNvSpPr>
+          <p:nvPr>
+            <p:ph type="body" idx="1"/>
+          </p:nvPr>
+        </p:nvSpPr>
+        <p:spPr/>
+        <p:txBody>
+          <a:bodyPr>
+            <a:normAutofit/>
+          </a:bodyPr>
+          <a:lstStyle/>
+          <a:p>
+            <a:r>
+              <a:rPr lang="en-US" sz="2800" dirty="0"/>
+              <a:t>K-Means Clustered Regions</a:t>
+            </a:r>
+          </a:p>
+        </p:txBody>
+      </p:sp>
+      <p:sp>
+        <p:nvSpPr>
+          <p:cNvPr id="17" name="Content Placeholder 17">
+            <a:extLst>
+              <a:ext uri="{FF2B5EF4-FFF2-40B4-BE49-F238E27FC236}">
+                <a16:creationId xmlns:a16="http://schemas.microsoft.com/office/drawing/2014/main" id="{F70FBC5A-ECA3-4EA4-97A1-B1207759EC06}"/>
+              </a:ext>
+            </a:extLst>
+          </p:cNvPr>
+          <p:cNvSpPr txBox="1">
+            <a:spLocks/>
+          </p:cNvSpPr>
+          <p:nvPr/>
+        </p:nvSpPr>
+        <p:spPr>
+          <a:xfrm>
+            <a:off x="737547" y="1683945"/>
+            <a:ext cx="3766359" cy="907500"/>
+          </a:xfrm>
+          <a:prstGeom prst="rect">
+            <a:avLst/>
+          </a:prstGeom>
+        </p:spPr>
+        <p:txBody>
+          <a:bodyPr vert="horz" lIns="91440" tIns="45720" rIns="91440" bIns="45720" rtlCol="0">
+            <a:normAutofit/>
+          </a:bodyPr>
+          <a:lstStyle>
+            <a:lvl1pPr marL="228600" indent="-228600" algn="l" defTabSz="914400" rtl="0" eaLnBrk="1" latinLnBrk="0" hangingPunct="1">
+              <a:lnSpc>
+                <a:spcPts val="1800"/>
+              </a:lnSpc>
+              <a:spcBef>
+                <a:spcPts val="1000"/>
+              </a:spcBef>
+              <a:spcAft>
+                <a:spcPts val="1000"/>
+              </a:spcAft>
+              <a:buFont typeface="Arial" panose="020B0604020202020204" pitchFamily="34" charset="0"/>
+              <a:buChar char="•"/>
+              <a:defRPr lang="en-US" sz="1200" kern="1200" smtClean="0">
+                <a:solidFill>
+                  <a:schemeClr val="tx1">
+                    <a:lumMod val="75000"/>
+                    <a:lumOff val="25000"/>
+                  </a:schemeClr>
+                </a:solidFill>
+                <a:latin typeface="+mn-lt"/>
+                <a:ea typeface="+mn-ea"/>
+                <a:cs typeface="+mn-cs"/>
+              </a:defRPr>
+            </a:lvl1pPr>
+            <a:lvl2pPr marL="685800" indent="-228600" algn="l" defTabSz="914400" rtl="0" eaLnBrk="1" latinLnBrk="0" hangingPunct="1">
+              <a:lnSpc>
+                <a:spcPts val="1800"/>
+              </a:lnSpc>
+              <a:spcBef>
+                <a:spcPts val="1000"/>
+              </a:spcBef>
+              <a:spcAft>
+                <a:spcPts val="1000"/>
+              </a:spcAft>
+              <a:buFont typeface="Arial" panose="020B0604020202020204" pitchFamily="34" charset="0"/>
+              <a:buChar char="•"/>
+              <a:defRPr lang="en-US" sz="1200" kern="1200" smtClean="0">
+                <a:solidFill>
+                  <a:schemeClr val="tx1">
+                    <a:lumMod val="75000"/>
+                    <a:lumOff val="25000"/>
+                  </a:schemeClr>
+                </a:solidFill>
+                <a:latin typeface="+mn-lt"/>
+                <a:ea typeface="+mn-ea"/>
+                <a:cs typeface="+mn-cs"/>
+              </a:defRPr>
+            </a:lvl2pPr>
+            <a:lvl3pPr marL="1143000" indent="-228600" algn="l" defTabSz="914400" rtl="0" eaLnBrk="1" latinLnBrk="0" hangingPunct="1">
+              <a:lnSpc>
+                <a:spcPts val="1800"/>
+              </a:lnSpc>
+              <a:spcBef>
+                <a:spcPts val="1000"/>
+              </a:spcBef>
+              <a:spcAft>
+                <a:spcPts val="1000"/>
+              </a:spcAft>
+              <a:buFont typeface="Arial" panose="020B0604020202020204" pitchFamily="34" charset="0"/>
+              <a:buChar char="•"/>
+              <a:defRPr lang="en-US" sz="1200" kern="1200" smtClean="0">
+                <a:solidFill>
+                  <a:schemeClr val="tx1">
+                    <a:lumMod val="75000"/>
+                    <a:lumOff val="25000"/>
+                  </a:schemeClr>
+                </a:solidFill>
+                <a:latin typeface="+mn-lt"/>
+                <a:ea typeface="+mn-ea"/>
+                <a:cs typeface="+mn-cs"/>
+              </a:defRPr>
+            </a:lvl3pPr>
+            <a:lvl4pPr marL="1600200" indent="-228600" algn="l" defTabSz="914400" rtl="0" eaLnBrk="1" latinLnBrk="0" hangingPunct="1">
+              <a:lnSpc>
+                <a:spcPts val="1800"/>
+              </a:lnSpc>
+              <a:spcBef>
+                <a:spcPts val="1000"/>
+              </a:spcBef>
+              <a:spcAft>
+                <a:spcPts val="1000"/>
+              </a:spcAft>
+              <a:buFont typeface="Arial" panose="020B0604020202020204" pitchFamily="34" charset="0"/>
+              <a:buChar char="•"/>
+              <a:defRPr lang="en-US" sz="1200" kern="1200" smtClean="0">
+                <a:solidFill>
+                  <a:schemeClr val="tx1">
+                    <a:lumMod val="75000"/>
+                    <a:lumOff val="25000"/>
+                  </a:schemeClr>
+                </a:solidFill>
+                <a:latin typeface="+mn-lt"/>
+                <a:ea typeface="+mn-ea"/>
+                <a:cs typeface="+mn-cs"/>
+              </a:defRPr>
+            </a:lvl4pPr>
+            <a:lvl5pPr marL="2057400" indent="-228600" algn="l" defTabSz="914400" rtl="0" eaLnBrk="1" latinLnBrk="0" hangingPunct="1">
+              <a:lnSpc>
+                <a:spcPts val="1800"/>
+              </a:lnSpc>
+              <a:spcBef>
+                <a:spcPts val="1000"/>
+              </a:spcBef>
+              <a:spcAft>
+                <a:spcPts val="1000"/>
+              </a:spcAft>
+              <a:buFont typeface="Arial" panose="020B0604020202020204" pitchFamily="34" charset="0"/>
+              <a:buChar char="•"/>
+              <a:defRPr lang="en-US" sz="1200" kern="1200">
+                <a:solidFill>
+                  <a:schemeClr val="tx1">
+                    <a:lumMod val="75000"/>
+                    <a:lumOff val="25000"/>
+                  </a:schemeClr>
+                </a:solidFill>
+                <a:latin typeface="+mn-lt"/>
+                <a:ea typeface="+mn-ea"/>
+                <a:cs typeface="+mn-cs"/>
+              </a:defRPr>
+            </a:lvl5pPr>
+            <a:lvl6pPr marL="2514600" indent="-228600" algn="l" defTabSz="914400" rtl="0" eaLnBrk="1" latinLnBrk="0" hangingPunct="1">
+              <a:lnSpc>
+                <a:spcPct val="90000"/>
+              </a:lnSpc>
+              <a:spcBef>
+                <a:spcPct val="30000"/>
+              </a:spcBef>
+              <a:buFont typeface="Arial" panose="020B0604020202020204" pitchFamily="34" charset="0"/>
+              <a:buChar char="•"/>
+              <a:defRPr sz="1800" kern="1200">
+                <a:solidFill>
+                  <a:schemeClr val="tx1"/>
+                </a:solidFill>
+                <a:latin typeface="+mn-lt"/>
+                <a:ea typeface="+mn-ea"/>
+                <a:cs typeface="+mn-cs"/>
+              </a:defRPr>
+            </a:lvl6pPr>
+            <a:lvl7pPr marL="2971800" indent="-228600" algn="l" defTabSz="914400" rtl="0" eaLnBrk="1" latinLnBrk="0" hangingPunct="1">
+              <a:lnSpc>
+                <a:spcPct val="90000"/>
+              </a:lnSpc>
+              <a:spcBef>
+                <a:spcPct val="30000"/>
+              </a:spcBef>
+              <a:buFont typeface="Arial" panose="020B0604020202020204" pitchFamily="34" charset="0"/>
+              <a:buChar char="•"/>
+              <a:defRPr sz="1800" kern="1200">
+                <a:solidFill>
+                  <a:schemeClr val="tx1"/>
+                </a:solidFill>
+                <a:latin typeface="+mn-lt"/>
+                <a:ea typeface="+mn-ea"/>
+                <a:cs typeface="+mn-cs"/>
+              </a:defRPr>
+            </a:lvl7pPr>
+            <a:lvl8pPr marL="3429000" indent="-228600" algn="l" defTabSz="914400" rtl="0" eaLnBrk="1" latinLnBrk="0" hangingPunct="1">
+              <a:lnSpc>
+                <a:spcPct val="90000"/>
+              </a:lnSpc>
+              <a:spcBef>
+                <a:spcPct val="30000"/>
+              </a:spcBef>
+              <a:buFont typeface="Arial" panose="020B0604020202020204" pitchFamily="34" charset="0"/>
+              <a:buChar char="•"/>
+              <a:defRPr sz="1800" kern="1200">
+                <a:solidFill>
+                  <a:schemeClr val="tx1"/>
+                </a:solidFill>
+                <a:latin typeface="+mn-lt"/>
+                <a:ea typeface="+mn-ea"/>
+                <a:cs typeface="+mn-cs"/>
+              </a:defRPr>
+            </a:lvl8pPr>
+            <a:lvl9pPr marL="3886200" indent="-228600" algn="l" defTabSz="914400" rtl="0" eaLnBrk="1" latinLnBrk="0" hangingPunct="1">
+              <a:lnSpc>
+                <a:spcPct val="90000"/>
+              </a:lnSpc>
+              <a:spcBef>
+                <a:spcPct val="30000"/>
+              </a:spcBef>
+              <a:buFont typeface="Arial" panose="020B0604020202020204" pitchFamily="34" charset="0"/>
+              <a:buChar char="•"/>
+              <a:defRPr sz="1800" kern="1200">
+                <a:solidFill>
+                  <a:schemeClr val="tx1"/>
+                </a:solidFill>
+                <a:latin typeface="+mn-lt"/>
+                <a:ea typeface="+mn-ea"/>
+                <a:cs typeface="+mn-cs"/>
+              </a:defRPr>
+            </a:lvl9pPr>
+          </a:lstStyle>
+          <a:p>
+            <a:pPr marL="0" indent="0">
+              <a:spcAft>
+                <a:spcPts val="2000"/>
+              </a:spcAft>
+              <a:buNone/>
+            </a:pPr>
+            <a:r>
+              <a:rPr lang="en-US" sz="1800" dirty="0">
+                <a:solidFill>
+                  <a:prstClr val="black">
+                    <a:lumMod val="75000"/>
+                    <a:lumOff val="25000"/>
+                  </a:prstClr>
+                </a:solidFill>
+                <a:cs typeface="Segoe UI"/>
+              </a:rPr>
+              <a:t>AL,UT,TX,TN,SD,SC,OK,ND,NC,NH,NE,WI,MO,MS,MN,MI,WY,ID,KY,KS,IA,IN,AR,FL,CO,GA,AZ</a:t>
+            </a:r>
+            <a:endParaRPr lang="en-US" dirty="0">
+              <a:solidFill>
+                <a:prstClr val="black">
+                  <a:lumMod val="75000"/>
+                  <a:lumOff val="25000"/>
+                </a:prstClr>
+              </a:solidFill>
+              <a:cs typeface="Segoe UI"/>
+            </a:endParaRPr>
+          </a:p>
+        </p:txBody>
+      </p:sp>
+      <p:sp>
+        <p:nvSpPr>
+          <p:cNvPr id="15" name="Content Placeholder 17">
+            <a:extLst>
+              <a:ext uri="{FF2B5EF4-FFF2-40B4-BE49-F238E27FC236}">
+                <a16:creationId xmlns:a16="http://schemas.microsoft.com/office/drawing/2014/main" id="{2AA47883-B99B-40F5-8C1F-1ED564021CBB}"/>
+              </a:ext>
+            </a:extLst>
+          </p:cNvPr>
+          <p:cNvSpPr txBox="1">
+            <a:spLocks/>
+          </p:cNvSpPr>
+          <p:nvPr/>
+        </p:nvSpPr>
+        <p:spPr>
+          <a:xfrm>
+            <a:off x="737547" y="1308746"/>
+            <a:ext cx="1118413" cy="375199"/>
+          </a:xfrm>
+          <a:prstGeom prst="rect">
+            <a:avLst/>
+          </a:prstGeom>
+        </p:spPr>
+        <p:txBody>
+          <a:bodyPr vert="horz" lIns="91440" tIns="45720" rIns="91440" bIns="45720" rtlCol="0">
+            <a:noAutofit/>
+          </a:bodyPr>
+          <a:lstStyle>
+            <a:lvl1pPr marL="228600" indent="-228600" algn="l" defTabSz="914400" rtl="0" eaLnBrk="1" latinLnBrk="0" hangingPunct="1">
+              <a:lnSpc>
+                <a:spcPts val="1800"/>
+              </a:lnSpc>
+              <a:spcBef>
+                <a:spcPts val="1000"/>
+              </a:spcBef>
+              <a:spcAft>
+                <a:spcPts val="1000"/>
+              </a:spcAft>
+              <a:buFont typeface="Arial" panose="020B0604020202020204" pitchFamily="34" charset="0"/>
+              <a:buChar char="•"/>
+              <a:defRPr lang="en-US" sz="1200" kern="1200" smtClean="0">
+                <a:solidFill>
+                  <a:schemeClr val="tx1">
+                    <a:lumMod val="75000"/>
+                    <a:lumOff val="25000"/>
+                  </a:schemeClr>
+                </a:solidFill>
+                <a:latin typeface="+mn-lt"/>
+                <a:ea typeface="+mn-ea"/>
+                <a:cs typeface="+mn-cs"/>
+              </a:defRPr>
+            </a:lvl1pPr>
+            <a:lvl2pPr marL="685800" indent="-228600" algn="l" defTabSz="914400" rtl="0" eaLnBrk="1" latinLnBrk="0" hangingPunct="1">
+              <a:lnSpc>
+                <a:spcPts val="1800"/>
+              </a:lnSpc>
+              <a:spcBef>
+                <a:spcPts val="1000"/>
+              </a:spcBef>
+              <a:spcAft>
+                <a:spcPts val="1000"/>
+              </a:spcAft>
+              <a:buFont typeface="Arial" panose="020B0604020202020204" pitchFamily="34" charset="0"/>
+              <a:buChar char="•"/>
+              <a:defRPr lang="en-US" sz="1200" kern="1200" smtClean="0">
+                <a:solidFill>
+                  <a:schemeClr val="tx1">
+                    <a:lumMod val="75000"/>
+                    <a:lumOff val="25000"/>
+                  </a:schemeClr>
+                </a:solidFill>
+                <a:latin typeface="+mn-lt"/>
+                <a:ea typeface="+mn-ea"/>
+                <a:cs typeface="+mn-cs"/>
+              </a:defRPr>
+            </a:lvl2pPr>
+            <a:lvl3pPr marL="1143000" indent="-228600" algn="l" defTabSz="914400" rtl="0" eaLnBrk="1" latinLnBrk="0" hangingPunct="1">
+              <a:lnSpc>
+                <a:spcPts val="1800"/>
+              </a:lnSpc>
+              <a:spcBef>
+                <a:spcPts val="1000"/>
+              </a:spcBef>
+              <a:spcAft>
+                <a:spcPts val="1000"/>
+              </a:spcAft>
+              <a:buFont typeface="Arial" panose="020B0604020202020204" pitchFamily="34" charset="0"/>
+              <a:buChar char="•"/>
+              <a:defRPr lang="en-US" sz="1200" kern="1200" smtClean="0">
+                <a:solidFill>
+                  <a:schemeClr val="tx1">
+                    <a:lumMod val="75000"/>
+                    <a:lumOff val="25000"/>
+                  </a:schemeClr>
+                </a:solidFill>
+                <a:latin typeface="+mn-lt"/>
+                <a:ea typeface="+mn-ea"/>
+                <a:cs typeface="+mn-cs"/>
+              </a:defRPr>
+            </a:lvl3pPr>
+            <a:lvl4pPr marL="1600200" indent="-228600" algn="l" defTabSz="914400" rtl="0" eaLnBrk="1" latinLnBrk="0" hangingPunct="1">
+              <a:lnSpc>
+                <a:spcPts val="1800"/>
+              </a:lnSpc>
+              <a:spcBef>
+                <a:spcPts val="1000"/>
+              </a:spcBef>
+              <a:spcAft>
+                <a:spcPts val="1000"/>
+              </a:spcAft>
+              <a:buFont typeface="Arial" panose="020B0604020202020204" pitchFamily="34" charset="0"/>
+              <a:buChar char="•"/>
+              <a:defRPr lang="en-US" sz="1200" kern="1200" smtClean="0">
+                <a:solidFill>
+                  <a:schemeClr val="tx1">
+                    <a:lumMod val="75000"/>
+                    <a:lumOff val="25000"/>
+                  </a:schemeClr>
+                </a:solidFill>
+                <a:latin typeface="+mn-lt"/>
+                <a:ea typeface="+mn-ea"/>
+                <a:cs typeface="+mn-cs"/>
+              </a:defRPr>
+            </a:lvl4pPr>
+            <a:lvl5pPr marL="2057400" indent="-228600" algn="l" defTabSz="914400" rtl="0" eaLnBrk="1" latinLnBrk="0" hangingPunct="1">
+              <a:lnSpc>
+                <a:spcPts val="1800"/>
+              </a:lnSpc>
+              <a:spcBef>
+                <a:spcPts val="1000"/>
+              </a:spcBef>
+              <a:spcAft>
+                <a:spcPts val="1000"/>
+              </a:spcAft>
+              <a:buFont typeface="Arial" panose="020B0604020202020204" pitchFamily="34" charset="0"/>
+              <a:buChar char="•"/>
+              <a:defRPr lang="en-US" sz="1200" kern="1200">
+                <a:solidFill>
+                  <a:schemeClr val="tx1">
+                    <a:lumMod val="75000"/>
+                    <a:lumOff val="25000"/>
+                  </a:schemeClr>
+                </a:solidFill>
+                <a:latin typeface="+mn-lt"/>
+                <a:ea typeface="+mn-ea"/>
+                <a:cs typeface="+mn-cs"/>
+              </a:defRPr>
+            </a:lvl5pPr>
+            <a:lvl6pPr marL="2514600" indent="-228600" algn="l" defTabSz="914400" rtl="0" eaLnBrk="1" latinLnBrk="0" hangingPunct="1">
+              <a:lnSpc>
+                <a:spcPct val="90000"/>
+              </a:lnSpc>
+              <a:spcBef>
+                <a:spcPct val="30000"/>
+              </a:spcBef>
+              <a:buFont typeface="Arial" panose="020B0604020202020204" pitchFamily="34" charset="0"/>
+              <a:buChar char="•"/>
+              <a:defRPr sz="1800" kern="1200">
+                <a:solidFill>
+                  <a:schemeClr val="tx1"/>
+                </a:solidFill>
+                <a:latin typeface="+mn-lt"/>
+                <a:ea typeface="+mn-ea"/>
+                <a:cs typeface="+mn-cs"/>
+              </a:defRPr>
+            </a:lvl6pPr>
+            <a:lvl7pPr marL="2971800" indent="-228600" algn="l" defTabSz="914400" rtl="0" eaLnBrk="1" latinLnBrk="0" hangingPunct="1">
+              <a:lnSpc>
+                <a:spcPct val="90000"/>
+              </a:lnSpc>
+              <a:spcBef>
+                <a:spcPct val="30000"/>
+              </a:spcBef>
+              <a:buFont typeface="Arial" panose="020B0604020202020204" pitchFamily="34" charset="0"/>
+              <a:buChar char="•"/>
+              <a:defRPr sz="1800" kern="1200">
+                <a:solidFill>
+                  <a:schemeClr val="tx1"/>
+                </a:solidFill>
+                <a:latin typeface="+mn-lt"/>
+                <a:ea typeface="+mn-ea"/>
+                <a:cs typeface="+mn-cs"/>
+              </a:defRPr>
+            </a:lvl7pPr>
+            <a:lvl8pPr marL="3429000" indent="-228600" algn="l" defTabSz="914400" rtl="0" eaLnBrk="1" latinLnBrk="0" hangingPunct="1">
+              <a:lnSpc>
+                <a:spcPct val="90000"/>
+              </a:lnSpc>
+              <a:spcBef>
+                <a:spcPct val="30000"/>
+              </a:spcBef>
+              <a:buFont typeface="Arial" panose="020B0604020202020204" pitchFamily="34" charset="0"/>
+              <a:buChar char="•"/>
+              <a:defRPr sz="1800" kern="1200">
+                <a:solidFill>
+                  <a:schemeClr val="tx1"/>
+                </a:solidFill>
+                <a:latin typeface="+mn-lt"/>
+                <a:ea typeface="+mn-ea"/>
+                <a:cs typeface="+mn-cs"/>
+              </a:defRPr>
+            </a:lvl8pPr>
+            <a:lvl9pPr marL="3886200" indent="-228600" algn="l" defTabSz="914400" rtl="0" eaLnBrk="1" latinLnBrk="0" hangingPunct="1">
+              <a:lnSpc>
+                <a:spcPct val="90000"/>
+              </a:lnSpc>
+              <a:spcBef>
+                <a:spcPct val="30000"/>
+              </a:spcBef>
+              <a:buFont typeface="Arial" panose="020B0604020202020204" pitchFamily="34" charset="0"/>
+              <a:buChar char="•"/>
+              <a:defRPr sz="1800" kern="1200">
+                <a:solidFill>
+                  <a:schemeClr val="tx1"/>
+                </a:solidFill>
+                <a:latin typeface="+mn-lt"/>
+                <a:ea typeface="+mn-ea"/>
+                <a:cs typeface="+mn-cs"/>
+              </a:defRPr>
+            </a:lvl9pPr>
+          </a:lstStyle>
+          <a:p>
+            <a:pPr marL="0" indent="0">
+              <a:spcAft>
+                <a:spcPts val="2000"/>
+              </a:spcAft>
+              <a:buNone/>
+            </a:pPr>
+            <a:r>
+              <a:rPr lang="en-US" sz="1800" dirty="0">
+                <a:solidFill>
+                  <a:schemeClr val="bg1">
+                    <a:lumMod val="50000"/>
+                  </a:schemeClr>
+                </a:solidFill>
+                <a:cs typeface="Segoe UI"/>
+              </a:rPr>
+              <a:t>Cluster 1</a:t>
+            </a:r>
+          </a:p>
+        </p:txBody>
+      </p:sp>
+      <p:sp>
+        <p:nvSpPr>
+          <p:cNvPr id="16" name="Content Placeholder 17">
+            <a:extLst>
+              <a:ext uri="{FF2B5EF4-FFF2-40B4-BE49-F238E27FC236}">
+                <a16:creationId xmlns:a16="http://schemas.microsoft.com/office/drawing/2014/main" id="{184267C5-667A-4D0F-A046-F8120C886C7A}"/>
+              </a:ext>
+            </a:extLst>
+          </p:cNvPr>
+          <p:cNvSpPr txBox="1">
+            <a:spLocks/>
+          </p:cNvSpPr>
+          <p:nvPr/>
+        </p:nvSpPr>
+        <p:spPr>
+          <a:xfrm>
+            <a:off x="737547" y="2966644"/>
+            <a:ext cx="3348070" cy="641350"/>
+          </a:xfrm>
+          <a:prstGeom prst="rect">
+            <a:avLst/>
+          </a:prstGeom>
+        </p:spPr>
+        <p:txBody>
+          <a:bodyPr vert="horz" lIns="91440" tIns="45720" rIns="91440" bIns="45720" rtlCol="0">
+            <a:normAutofit/>
+          </a:bodyPr>
+          <a:lstStyle>
+            <a:lvl1pPr marL="228600" indent="-228600" algn="l" defTabSz="914400" rtl="0" eaLnBrk="1" latinLnBrk="0" hangingPunct="1">
+              <a:lnSpc>
+                <a:spcPts val="1800"/>
+              </a:lnSpc>
+              <a:spcBef>
+                <a:spcPts val="1000"/>
+              </a:spcBef>
+              <a:spcAft>
+                <a:spcPts val="1000"/>
+              </a:spcAft>
+              <a:buFont typeface="Arial" panose="020B0604020202020204" pitchFamily="34" charset="0"/>
+              <a:buChar char="•"/>
+              <a:defRPr lang="en-US" sz="1200" kern="1200" smtClean="0">
+                <a:solidFill>
+                  <a:schemeClr val="tx1">
+                    <a:lumMod val="75000"/>
+                    <a:lumOff val="25000"/>
+                  </a:schemeClr>
+                </a:solidFill>
+                <a:latin typeface="+mn-lt"/>
+                <a:ea typeface="+mn-ea"/>
+                <a:cs typeface="+mn-cs"/>
+              </a:defRPr>
+            </a:lvl1pPr>
+            <a:lvl2pPr marL="685800" indent="-228600" algn="l" defTabSz="914400" rtl="0" eaLnBrk="1" latinLnBrk="0" hangingPunct="1">
+              <a:lnSpc>
+                <a:spcPts val="1800"/>
+              </a:lnSpc>
+              <a:spcBef>
+                <a:spcPts val="1000"/>
+              </a:spcBef>
+              <a:spcAft>
+                <a:spcPts val="1000"/>
+              </a:spcAft>
+              <a:buFont typeface="Arial" panose="020B0604020202020204" pitchFamily="34" charset="0"/>
+              <a:buChar char="•"/>
+              <a:defRPr lang="en-US" sz="1200" kern="1200" smtClean="0">
+                <a:solidFill>
+                  <a:schemeClr val="tx1">
+                    <a:lumMod val="75000"/>
+                    <a:lumOff val="25000"/>
+                  </a:schemeClr>
+                </a:solidFill>
+                <a:latin typeface="+mn-lt"/>
+                <a:ea typeface="+mn-ea"/>
+                <a:cs typeface="+mn-cs"/>
+              </a:defRPr>
+            </a:lvl2pPr>
+            <a:lvl3pPr marL="1143000" indent="-228600" algn="l" defTabSz="914400" rtl="0" eaLnBrk="1" latinLnBrk="0" hangingPunct="1">
+              <a:lnSpc>
+                <a:spcPts val="1800"/>
+              </a:lnSpc>
+              <a:spcBef>
+                <a:spcPts val="1000"/>
+              </a:spcBef>
+              <a:spcAft>
+                <a:spcPts val="1000"/>
+              </a:spcAft>
+              <a:buFont typeface="Arial" panose="020B0604020202020204" pitchFamily="34" charset="0"/>
+              <a:buChar char="•"/>
+              <a:defRPr lang="en-US" sz="1200" kern="1200" smtClean="0">
+                <a:solidFill>
+                  <a:schemeClr val="tx1">
+                    <a:lumMod val="75000"/>
+                    <a:lumOff val="25000"/>
+                  </a:schemeClr>
+                </a:solidFill>
+                <a:latin typeface="+mn-lt"/>
+                <a:ea typeface="+mn-ea"/>
+                <a:cs typeface="+mn-cs"/>
+              </a:defRPr>
+            </a:lvl3pPr>
+            <a:lvl4pPr marL="1600200" indent="-228600" algn="l" defTabSz="914400" rtl="0" eaLnBrk="1" latinLnBrk="0" hangingPunct="1">
+              <a:lnSpc>
+                <a:spcPts val="1800"/>
+              </a:lnSpc>
+              <a:spcBef>
+                <a:spcPts val="1000"/>
+              </a:spcBef>
+              <a:spcAft>
+                <a:spcPts val="1000"/>
+              </a:spcAft>
+              <a:buFont typeface="Arial" panose="020B0604020202020204" pitchFamily="34" charset="0"/>
+              <a:buChar char="•"/>
+              <a:defRPr lang="en-US" sz="1200" kern="1200" smtClean="0">
+                <a:solidFill>
+                  <a:schemeClr val="tx1">
+                    <a:lumMod val="75000"/>
+                    <a:lumOff val="25000"/>
+                  </a:schemeClr>
+                </a:solidFill>
+                <a:latin typeface="+mn-lt"/>
+                <a:ea typeface="+mn-ea"/>
+                <a:cs typeface="+mn-cs"/>
+              </a:defRPr>
+            </a:lvl4pPr>
+            <a:lvl5pPr marL="2057400" indent="-228600" algn="l" defTabSz="914400" rtl="0" eaLnBrk="1" latinLnBrk="0" hangingPunct="1">
+              <a:lnSpc>
+                <a:spcPts val="1800"/>
+              </a:lnSpc>
+              <a:spcBef>
+                <a:spcPts val="1000"/>
+              </a:spcBef>
+              <a:spcAft>
+                <a:spcPts val="1000"/>
+              </a:spcAft>
+              <a:buFont typeface="Arial" panose="020B0604020202020204" pitchFamily="34" charset="0"/>
+              <a:buChar char="•"/>
+              <a:defRPr lang="en-US" sz="1200" kern="1200">
+                <a:solidFill>
+                  <a:schemeClr val="tx1">
+                    <a:lumMod val="75000"/>
+                    <a:lumOff val="25000"/>
+                  </a:schemeClr>
+                </a:solidFill>
+                <a:latin typeface="+mn-lt"/>
+                <a:ea typeface="+mn-ea"/>
+                <a:cs typeface="+mn-cs"/>
+              </a:defRPr>
+            </a:lvl5pPr>
+            <a:lvl6pPr marL="2514600" indent="-228600" algn="l" defTabSz="914400" rtl="0" eaLnBrk="1" latinLnBrk="0" hangingPunct="1">
+              <a:lnSpc>
+                <a:spcPct val="90000"/>
+              </a:lnSpc>
+              <a:spcBef>
+                <a:spcPct val="30000"/>
+              </a:spcBef>
+              <a:buFont typeface="Arial" panose="020B0604020202020204" pitchFamily="34" charset="0"/>
+              <a:buChar char="•"/>
+              <a:defRPr sz="1800" kern="1200">
+                <a:solidFill>
+                  <a:schemeClr val="tx1"/>
+                </a:solidFill>
+                <a:latin typeface="+mn-lt"/>
+                <a:ea typeface="+mn-ea"/>
+                <a:cs typeface="+mn-cs"/>
+              </a:defRPr>
+            </a:lvl6pPr>
+            <a:lvl7pPr marL="2971800" indent="-228600" algn="l" defTabSz="914400" rtl="0" eaLnBrk="1" latinLnBrk="0" hangingPunct="1">
+              <a:lnSpc>
+                <a:spcPct val="90000"/>
+              </a:lnSpc>
+              <a:spcBef>
+                <a:spcPct val="30000"/>
+              </a:spcBef>
+              <a:buFont typeface="Arial" panose="020B0604020202020204" pitchFamily="34" charset="0"/>
+              <a:buChar char="•"/>
+              <a:defRPr sz="1800" kern="1200">
+                <a:solidFill>
+                  <a:schemeClr val="tx1"/>
+                </a:solidFill>
+                <a:latin typeface="+mn-lt"/>
+                <a:ea typeface="+mn-ea"/>
+                <a:cs typeface="+mn-cs"/>
+              </a:defRPr>
+            </a:lvl7pPr>
+            <a:lvl8pPr marL="3429000" indent="-228600" algn="l" defTabSz="914400" rtl="0" eaLnBrk="1" latinLnBrk="0" hangingPunct="1">
+              <a:lnSpc>
+                <a:spcPct val="90000"/>
+              </a:lnSpc>
+              <a:spcBef>
+                <a:spcPct val="30000"/>
+              </a:spcBef>
+              <a:buFont typeface="Arial" panose="020B0604020202020204" pitchFamily="34" charset="0"/>
+              <a:buChar char="•"/>
+              <a:defRPr sz="1800" kern="1200">
+                <a:solidFill>
+                  <a:schemeClr val="tx1"/>
+                </a:solidFill>
+                <a:latin typeface="+mn-lt"/>
+                <a:ea typeface="+mn-ea"/>
+                <a:cs typeface="+mn-cs"/>
+              </a:defRPr>
+            </a:lvl8pPr>
+            <a:lvl9pPr marL="3886200" indent="-228600" algn="l" defTabSz="914400" rtl="0" eaLnBrk="1" latinLnBrk="0" hangingPunct="1">
+              <a:lnSpc>
+                <a:spcPct val="90000"/>
+              </a:lnSpc>
+              <a:spcBef>
+                <a:spcPct val="30000"/>
+              </a:spcBef>
+              <a:buFont typeface="Arial" panose="020B0604020202020204" pitchFamily="34" charset="0"/>
+              <a:buChar char="•"/>
+              <a:defRPr sz="1800" kern="1200">
+                <a:solidFill>
+                  <a:schemeClr val="tx1"/>
+                </a:solidFill>
+                <a:latin typeface="+mn-lt"/>
+                <a:ea typeface="+mn-ea"/>
+                <a:cs typeface="+mn-cs"/>
+              </a:defRPr>
+            </a:lvl9pPr>
+          </a:lstStyle>
+          <a:p>
+            <a:pPr marL="0" indent="0">
+              <a:spcAft>
+                <a:spcPts val="2000"/>
+              </a:spcAft>
+              <a:buNone/>
+            </a:pPr>
+            <a:r>
+              <a:rPr lang="en-US" sz="1800" dirty="0">
+                <a:solidFill>
+                  <a:prstClr val="black">
+                    <a:lumMod val="75000"/>
+                    <a:lumOff val="25000"/>
+                  </a:prstClr>
+                </a:solidFill>
+                <a:cs typeface="Segoe UI"/>
+              </a:rPr>
+              <a:t>OR,CA,MT,NV,VA,WA,NM</a:t>
+            </a:r>
+            <a:endParaRPr lang="en-US" dirty="0">
+              <a:solidFill>
+                <a:prstClr val="black">
+                  <a:lumMod val="75000"/>
+                  <a:lumOff val="25000"/>
+                </a:prstClr>
+              </a:solidFill>
+              <a:cs typeface="Segoe UI"/>
+            </a:endParaRPr>
+          </a:p>
+        </p:txBody>
+      </p:sp>
+      <p:sp>
+        <p:nvSpPr>
+          <p:cNvPr id="23" name="Content Placeholder 17">
+            <a:extLst>
+              <a:ext uri="{FF2B5EF4-FFF2-40B4-BE49-F238E27FC236}">
+                <a16:creationId xmlns:a16="http://schemas.microsoft.com/office/drawing/2014/main" id="{62E2D9CC-3542-48C0-B090-23F79CA18539}"/>
+              </a:ext>
+            </a:extLst>
+          </p:cNvPr>
+          <p:cNvSpPr txBox="1">
+            <a:spLocks/>
+          </p:cNvSpPr>
+          <p:nvPr/>
+        </p:nvSpPr>
+        <p:spPr>
+          <a:xfrm>
+            <a:off x="737547" y="2591445"/>
+            <a:ext cx="1118413" cy="375199"/>
+          </a:xfrm>
+          <a:prstGeom prst="rect">
+            <a:avLst/>
+          </a:prstGeom>
+        </p:spPr>
+        <p:txBody>
+          <a:bodyPr vert="horz" lIns="91440" tIns="45720" rIns="91440" bIns="45720" rtlCol="0">
+            <a:noAutofit/>
+          </a:bodyPr>
+          <a:lstStyle>
+            <a:lvl1pPr marL="228600" indent="-228600" algn="l" defTabSz="914400" rtl="0" eaLnBrk="1" latinLnBrk="0" hangingPunct="1">
+              <a:lnSpc>
+                <a:spcPts val="1800"/>
+              </a:lnSpc>
+              <a:spcBef>
+                <a:spcPts val="1000"/>
+              </a:spcBef>
+              <a:spcAft>
+                <a:spcPts val="1000"/>
+              </a:spcAft>
+              <a:buFont typeface="Arial" panose="020B0604020202020204" pitchFamily="34" charset="0"/>
+              <a:buChar char="•"/>
+              <a:defRPr lang="en-US" sz="1200" kern="1200" smtClean="0">
+                <a:solidFill>
+                  <a:schemeClr val="tx1">
+                    <a:lumMod val="75000"/>
+                    <a:lumOff val="25000"/>
+                  </a:schemeClr>
+                </a:solidFill>
+                <a:latin typeface="+mn-lt"/>
+                <a:ea typeface="+mn-ea"/>
+                <a:cs typeface="+mn-cs"/>
+              </a:defRPr>
+            </a:lvl1pPr>
+            <a:lvl2pPr marL="685800" indent="-228600" algn="l" defTabSz="914400" rtl="0" eaLnBrk="1" latinLnBrk="0" hangingPunct="1">
+              <a:lnSpc>
+                <a:spcPts val="1800"/>
+              </a:lnSpc>
+              <a:spcBef>
+                <a:spcPts val="1000"/>
+              </a:spcBef>
+              <a:spcAft>
+                <a:spcPts val="1000"/>
+              </a:spcAft>
+              <a:buFont typeface="Arial" panose="020B0604020202020204" pitchFamily="34" charset="0"/>
+              <a:buChar char="•"/>
+              <a:defRPr lang="en-US" sz="1200" kern="1200" smtClean="0">
+                <a:solidFill>
+                  <a:schemeClr val="tx1">
+                    <a:lumMod val="75000"/>
+                    <a:lumOff val="25000"/>
+                  </a:schemeClr>
+                </a:solidFill>
+                <a:latin typeface="+mn-lt"/>
+                <a:ea typeface="+mn-ea"/>
+                <a:cs typeface="+mn-cs"/>
+              </a:defRPr>
+            </a:lvl2pPr>
+            <a:lvl3pPr marL="1143000" indent="-228600" algn="l" defTabSz="914400" rtl="0" eaLnBrk="1" latinLnBrk="0" hangingPunct="1">
+              <a:lnSpc>
+                <a:spcPts val="1800"/>
+              </a:lnSpc>
+              <a:spcBef>
+                <a:spcPts val="1000"/>
+              </a:spcBef>
+              <a:spcAft>
+                <a:spcPts val="1000"/>
+              </a:spcAft>
+              <a:buFont typeface="Arial" panose="020B0604020202020204" pitchFamily="34" charset="0"/>
+              <a:buChar char="•"/>
+              <a:defRPr lang="en-US" sz="1200" kern="1200" smtClean="0">
+                <a:solidFill>
+                  <a:schemeClr val="tx1">
+                    <a:lumMod val="75000"/>
+                    <a:lumOff val="25000"/>
+                  </a:schemeClr>
+                </a:solidFill>
+                <a:latin typeface="+mn-lt"/>
+                <a:ea typeface="+mn-ea"/>
+                <a:cs typeface="+mn-cs"/>
+              </a:defRPr>
+            </a:lvl3pPr>
+            <a:lvl4pPr marL="1600200" indent="-228600" algn="l" defTabSz="914400" rtl="0" eaLnBrk="1" latinLnBrk="0" hangingPunct="1">
+              <a:lnSpc>
+                <a:spcPts val="1800"/>
+              </a:lnSpc>
+              <a:spcBef>
+                <a:spcPts val="1000"/>
+              </a:spcBef>
+              <a:spcAft>
+                <a:spcPts val="1000"/>
+              </a:spcAft>
+              <a:buFont typeface="Arial" panose="020B0604020202020204" pitchFamily="34" charset="0"/>
+              <a:buChar char="•"/>
+              <a:defRPr lang="en-US" sz="1200" kern="1200" smtClean="0">
+                <a:solidFill>
+                  <a:schemeClr val="tx1">
+                    <a:lumMod val="75000"/>
+                    <a:lumOff val="25000"/>
+                  </a:schemeClr>
+                </a:solidFill>
+                <a:latin typeface="+mn-lt"/>
+                <a:ea typeface="+mn-ea"/>
+                <a:cs typeface="+mn-cs"/>
+              </a:defRPr>
+            </a:lvl4pPr>
+            <a:lvl5pPr marL="2057400" indent="-228600" algn="l" defTabSz="914400" rtl="0" eaLnBrk="1" latinLnBrk="0" hangingPunct="1">
+              <a:lnSpc>
+                <a:spcPts val="1800"/>
+              </a:lnSpc>
+              <a:spcBef>
+                <a:spcPts val="1000"/>
+              </a:spcBef>
+              <a:spcAft>
+                <a:spcPts val="1000"/>
+              </a:spcAft>
+              <a:buFont typeface="Arial" panose="020B0604020202020204" pitchFamily="34" charset="0"/>
+              <a:buChar char="•"/>
+              <a:defRPr lang="en-US" sz="1200" kern="1200">
+                <a:solidFill>
+                  <a:schemeClr val="tx1">
+                    <a:lumMod val="75000"/>
+                    <a:lumOff val="25000"/>
+                  </a:schemeClr>
+                </a:solidFill>
+                <a:latin typeface="+mn-lt"/>
+                <a:ea typeface="+mn-ea"/>
+                <a:cs typeface="+mn-cs"/>
+              </a:defRPr>
+            </a:lvl5pPr>
+            <a:lvl6pPr marL="2514600" indent="-228600" algn="l" defTabSz="914400" rtl="0" eaLnBrk="1" latinLnBrk="0" hangingPunct="1">
+              <a:lnSpc>
+                <a:spcPct val="90000"/>
+              </a:lnSpc>
+              <a:spcBef>
+                <a:spcPct val="30000"/>
+              </a:spcBef>
+              <a:buFont typeface="Arial" panose="020B0604020202020204" pitchFamily="34" charset="0"/>
+              <a:buChar char="•"/>
+              <a:defRPr sz="1800" kern="1200">
+                <a:solidFill>
+                  <a:schemeClr val="tx1"/>
+                </a:solidFill>
+                <a:latin typeface="+mn-lt"/>
+                <a:ea typeface="+mn-ea"/>
+                <a:cs typeface="+mn-cs"/>
+              </a:defRPr>
+            </a:lvl6pPr>
+            <a:lvl7pPr marL="2971800" indent="-228600" algn="l" defTabSz="914400" rtl="0" eaLnBrk="1" latinLnBrk="0" hangingPunct="1">
+              <a:lnSpc>
+                <a:spcPct val="90000"/>
+              </a:lnSpc>
+              <a:spcBef>
+                <a:spcPct val="30000"/>
+              </a:spcBef>
+              <a:buFont typeface="Arial" panose="020B0604020202020204" pitchFamily="34" charset="0"/>
+              <a:buChar char="•"/>
+              <a:defRPr sz="1800" kern="1200">
+                <a:solidFill>
+                  <a:schemeClr val="tx1"/>
+                </a:solidFill>
+                <a:latin typeface="+mn-lt"/>
+                <a:ea typeface="+mn-ea"/>
+                <a:cs typeface="+mn-cs"/>
+              </a:defRPr>
+            </a:lvl7pPr>
+            <a:lvl8pPr marL="3429000" indent="-228600" algn="l" defTabSz="914400" rtl="0" eaLnBrk="1" latinLnBrk="0" hangingPunct="1">
+              <a:lnSpc>
+                <a:spcPct val="90000"/>
+              </a:lnSpc>
+              <a:spcBef>
+                <a:spcPct val="30000"/>
+              </a:spcBef>
+              <a:buFont typeface="Arial" panose="020B0604020202020204" pitchFamily="34" charset="0"/>
+              <a:buChar char="•"/>
+              <a:defRPr sz="1800" kern="1200">
+                <a:solidFill>
+                  <a:schemeClr val="tx1"/>
+                </a:solidFill>
+                <a:latin typeface="+mn-lt"/>
+                <a:ea typeface="+mn-ea"/>
+                <a:cs typeface="+mn-cs"/>
+              </a:defRPr>
+            </a:lvl8pPr>
+            <a:lvl9pPr marL="3886200" indent="-228600" algn="l" defTabSz="914400" rtl="0" eaLnBrk="1" latinLnBrk="0" hangingPunct="1">
+              <a:lnSpc>
+                <a:spcPct val="90000"/>
+              </a:lnSpc>
+              <a:spcBef>
+                <a:spcPct val="30000"/>
+              </a:spcBef>
+              <a:buFont typeface="Arial" panose="020B0604020202020204" pitchFamily="34" charset="0"/>
+              <a:buChar char="•"/>
+              <a:defRPr sz="1800" kern="1200">
+                <a:solidFill>
+                  <a:schemeClr val="tx1"/>
+                </a:solidFill>
+                <a:latin typeface="+mn-lt"/>
+                <a:ea typeface="+mn-ea"/>
+                <a:cs typeface="+mn-cs"/>
+              </a:defRPr>
+            </a:lvl9pPr>
+          </a:lstStyle>
+          <a:p>
+            <a:pPr marL="0" indent="0">
+              <a:spcAft>
+                <a:spcPts val="2000"/>
+              </a:spcAft>
+              <a:buNone/>
+            </a:pPr>
+            <a:r>
+              <a:rPr lang="en-US" sz="1800" dirty="0">
+                <a:solidFill>
+                  <a:srgbClr val="FF0000"/>
+                </a:solidFill>
+                <a:cs typeface="Segoe UI"/>
+              </a:rPr>
+              <a:t>Cluster 2</a:t>
+            </a:r>
+          </a:p>
+        </p:txBody>
+      </p:sp>
+      <p:sp>
+        <p:nvSpPr>
+          <p:cNvPr id="26" name="Content Placeholder 17">
+            <a:extLst>
+              <a:ext uri="{FF2B5EF4-FFF2-40B4-BE49-F238E27FC236}">
+                <a16:creationId xmlns:a16="http://schemas.microsoft.com/office/drawing/2014/main" id="{D43529F9-0CA5-4D99-BBEF-5EE84B555188}"/>
+              </a:ext>
+            </a:extLst>
+          </p:cNvPr>
+          <p:cNvSpPr txBox="1">
+            <a:spLocks/>
+          </p:cNvSpPr>
+          <p:nvPr/>
+        </p:nvSpPr>
+        <p:spPr>
+          <a:xfrm>
+            <a:off x="737547" y="3891356"/>
+            <a:ext cx="3532896" cy="515274"/>
+          </a:xfrm>
+          <a:prstGeom prst="rect">
+            <a:avLst/>
+          </a:prstGeom>
+        </p:spPr>
+        <p:txBody>
+          <a:bodyPr vert="horz" lIns="91440" tIns="45720" rIns="91440" bIns="45720" rtlCol="0">
+            <a:noAutofit/>
+          </a:bodyPr>
+          <a:lstStyle>
+            <a:lvl1pPr marL="228600" indent="-228600" algn="l" defTabSz="914400" rtl="0" eaLnBrk="1" latinLnBrk="0" hangingPunct="1">
+              <a:lnSpc>
+                <a:spcPts val="1800"/>
+              </a:lnSpc>
+              <a:spcBef>
+                <a:spcPts val="1000"/>
+              </a:spcBef>
+              <a:spcAft>
+                <a:spcPts val="1000"/>
+              </a:spcAft>
+              <a:buFont typeface="Arial" panose="020B0604020202020204" pitchFamily="34" charset="0"/>
+              <a:buChar char="•"/>
+              <a:defRPr lang="en-US" sz="1200" kern="1200" smtClean="0">
+                <a:solidFill>
+                  <a:schemeClr val="tx1">
+                    <a:lumMod val="75000"/>
+                    <a:lumOff val="25000"/>
+                  </a:schemeClr>
+                </a:solidFill>
+                <a:latin typeface="+mn-lt"/>
+                <a:ea typeface="+mn-ea"/>
+                <a:cs typeface="+mn-cs"/>
+              </a:defRPr>
+            </a:lvl1pPr>
+            <a:lvl2pPr marL="685800" indent="-228600" algn="l" defTabSz="914400" rtl="0" eaLnBrk="1" latinLnBrk="0" hangingPunct="1">
+              <a:lnSpc>
+                <a:spcPts val="1800"/>
+              </a:lnSpc>
+              <a:spcBef>
+                <a:spcPts val="1000"/>
+              </a:spcBef>
+              <a:spcAft>
+                <a:spcPts val="1000"/>
+              </a:spcAft>
+              <a:buFont typeface="Arial" panose="020B0604020202020204" pitchFamily="34" charset="0"/>
+              <a:buChar char="•"/>
+              <a:defRPr lang="en-US" sz="1200" kern="1200" smtClean="0">
+                <a:solidFill>
+                  <a:schemeClr val="tx1">
+                    <a:lumMod val="75000"/>
+                    <a:lumOff val="25000"/>
+                  </a:schemeClr>
+                </a:solidFill>
+                <a:latin typeface="+mn-lt"/>
+                <a:ea typeface="+mn-ea"/>
+                <a:cs typeface="+mn-cs"/>
+              </a:defRPr>
+            </a:lvl2pPr>
+            <a:lvl3pPr marL="1143000" indent="-228600" algn="l" defTabSz="914400" rtl="0" eaLnBrk="1" latinLnBrk="0" hangingPunct="1">
+              <a:lnSpc>
+                <a:spcPts val="1800"/>
+              </a:lnSpc>
+              <a:spcBef>
+                <a:spcPts val="1000"/>
+              </a:spcBef>
+              <a:spcAft>
+                <a:spcPts val="1000"/>
+              </a:spcAft>
+              <a:buFont typeface="Arial" panose="020B0604020202020204" pitchFamily="34" charset="0"/>
+              <a:buChar char="•"/>
+              <a:defRPr lang="en-US" sz="1200" kern="1200" smtClean="0">
+                <a:solidFill>
+                  <a:schemeClr val="tx1">
+                    <a:lumMod val="75000"/>
+                    <a:lumOff val="25000"/>
+                  </a:schemeClr>
+                </a:solidFill>
+                <a:latin typeface="+mn-lt"/>
+                <a:ea typeface="+mn-ea"/>
+                <a:cs typeface="+mn-cs"/>
+              </a:defRPr>
+            </a:lvl3pPr>
+            <a:lvl4pPr marL="1600200" indent="-228600" algn="l" defTabSz="914400" rtl="0" eaLnBrk="1" latinLnBrk="0" hangingPunct="1">
+              <a:lnSpc>
+                <a:spcPts val="1800"/>
+              </a:lnSpc>
+              <a:spcBef>
+                <a:spcPts val="1000"/>
+              </a:spcBef>
+              <a:spcAft>
+                <a:spcPts val="1000"/>
+              </a:spcAft>
+              <a:buFont typeface="Arial" panose="020B0604020202020204" pitchFamily="34" charset="0"/>
+              <a:buChar char="•"/>
+              <a:defRPr lang="en-US" sz="1200" kern="1200" smtClean="0">
+                <a:solidFill>
+                  <a:schemeClr val="tx1">
+                    <a:lumMod val="75000"/>
+                    <a:lumOff val="25000"/>
+                  </a:schemeClr>
+                </a:solidFill>
+                <a:latin typeface="+mn-lt"/>
+                <a:ea typeface="+mn-ea"/>
+                <a:cs typeface="+mn-cs"/>
+              </a:defRPr>
+            </a:lvl4pPr>
+            <a:lvl5pPr marL="2057400" indent="-228600" algn="l" defTabSz="914400" rtl="0" eaLnBrk="1" latinLnBrk="0" hangingPunct="1">
+              <a:lnSpc>
+                <a:spcPts val="1800"/>
+              </a:lnSpc>
+              <a:spcBef>
+                <a:spcPts val="1000"/>
+              </a:spcBef>
+              <a:spcAft>
+                <a:spcPts val="1000"/>
+              </a:spcAft>
+              <a:buFont typeface="Arial" panose="020B0604020202020204" pitchFamily="34" charset="0"/>
+              <a:buChar char="•"/>
+              <a:defRPr lang="en-US" sz="1200" kern="1200">
+                <a:solidFill>
+                  <a:schemeClr val="tx1">
+                    <a:lumMod val="75000"/>
+                    <a:lumOff val="25000"/>
+                  </a:schemeClr>
+                </a:solidFill>
+                <a:latin typeface="+mn-lt"/>
+                <a:ea typeface="+mn-ea"/>
+                <a:cs typeface="+mn-cs"/>
+              </a:defRPr>
+            </a:lvl5pPr>
+            <a:lvl6pPr marL="2514600" indent="-228600" algn="l" defTabSz="914400" rtl="0" eaLnBrk="1" latinLnBrk="0" hangingPunct="1">
+              <a:lnSpc>
+                <a:spcPct val="90000"/>
+              </a:lnSpc>
+              <a:spcBef>
+                <a:spcPct val="30000"/>
+              </a:spcBef>
+              <a:buFont typeface="Arial" panose="020B0604020202020204" pitchFamily="34" charset="0"/>
+              <a:buChar char="•"/>
+              <a:defRPr sz="1800" kern="1200">
+                <a:solidFill>
+                  <a:schemeClr val="tx1"/>
+                </a:solidFill>
+                <a:latin typeface="+mn-lt"/>
+                <a:ea typeface="+mn-ea"/>
+                <a:cs typeface="+mn-cs"/>
+              </a:defRPr>
+            </a:lvl6pPr>
+            <a:lvl7pPr marL="2971800" indent="-228600" algn="l" defTabSz="914400" rtl="0" eaLnBrk="1" latinLnBrk="0" hangingPunct="1">
+              <a:lnSpc>
+                <a:spcPct val="90000"/>
+              </a:lnSpc>
+              <a:spcBef>
+                <a:spcPct val="30000"/>
+              </a:spcBef>
+              <a:buFont typeface="Arial" panose="020B0604020202020204" pitchFamily="34" charset="0"/>
+              <a:buChar char="•"/>
+              <a:defRPr sz="1800" kern="1200">
+                <a:solidFill>
+                  <a:schemeClr val="tx1"/>
+                </a:solidFill>
+                <a:latin typeface="+mn-lt"/>
+                <a:ea typeface="+mn-ea"/>
+                <a:cs typeface="+mn-cs"/>
+              </a:defRPr>
+            </a:lvl7pPr>
+            <a:lvl8pPr marL="3429000" indent="-228600" algn="l" defTabSz="914400" rtl="0" eaLnBrk="1" latinLnBrk="0" hangingPunct="1">
+              <a:lnSpc>
+                <a:spcPct val="90000"/>
+              </a:lnSpc>
+              <a:spcBef>
+                <a:spcPct val="30000"/>
+              </a:spcBef>
+              <a:buFont typeface="Arial" panose="020B0604020202020204" pitchFamily="34" charset="0"/>
+              <a:buChar char="•"/>
+              <a:defRPr sz="1800" kern="1200">
+                <a:solidFill>
+                  <a:schemeClr val="tx1"/>
+                </a:solidFill>
+                <a:latin typeface="+mn-lt"/>
+                <a:ea typeface="+mn-ea"/>
+                <a:cs typeface="+mn-cs"/>
+              </a:defRPr>
+            </a:lvl8pPr>
+            <a:lvl9pPr marL="3886200" indent="-228600" algn="l" defTabSz="914400" rtl="0" eaLnBrk="1" latinLnBrk="0" hangingPunct="1">
+              <a:lnSpc>
+                <a:spcPct val="90000"/>
+              </a:lnSpc>
+              <a:spcBef>
+                <a:spcPct val="30000"/>
+              </a:spcBef>
+              <a:buFont typeface="Arial" panose="020B0604020202020204" pitchFamily="34" charset="0"/>
+              <a:buChar char="•"/>
+              <a:defRPr sz="1800" kern="1200">
+                <a:solidFill>
+                  <a:schemeClr val="tx1"/>
+                </a:solidFill>
+                <a:latin typeface="+mn-lt"/>
+                <a:ea typeface="+mn-ea"/>
+                <a:cs typeface="+mn-cs"/>
+              </a:defRPr>
+            </a:lvl9pPr>
+          </a:lstStyle>
+          <a:p>
+            <a:pPr marL="0" indent="0">
+              <a:spcAft>
+                <a:spcPts val="2000"/>
+              </a:spcAft>
+              <a:buNone/>
+            </a:pPr>
+            <a:r>
+              <a:rPr lang="it-IT" sz="1800" dirty="0">
+                <a:solidFill>
+                  <a:prstClr val="black">
+                    <a:lumMod val="75000"/>
+                    <a:lumOff val="25000"/>
+                  </a:prstClr>
+                </a:solidFill>
+                <a:cs typeface="Segoe UI"/>
+              </a:rPr>
+              <a:t>VT,WV,CT,MD,PA,DE,ME,NY,NJ,IL,LA,MA,RI,OH</a:t>
+            </a:r>
+            <a:endParaRPr lang="en-US" sz="1800" dirty="0">
+              <a:solidFill>
+                <a:prstClr val="black">
+                  <a:lumMod val="75000"/>
+                  <a:lumOff val="25000"/>
+                </a:prstClr>
+              </a:solidFill>
+              <a:cs typeface="Segoe UI"/>
+            </a:endParaRPr>
+          </a:p>
+        </p:txBody>
+      </p:sp>
+      <p:sp>
+        <p:nvSpPr>
+          <p:cNvPr id="27" name="Content Placeholder 17">
+            <a:extLst>
+              <a:ext uri="{FF2B5EF4-FFF2-40B4-BE49-F238E27FC236}">
+                <a16:creationId xmlns:a16="http://schemas.microsoft.com/office/drawing/2014/main" id="{7ADD7735-1BCD-496A-95B2-FE50995FDEF3}"/>
+              </a:ext>
+            </a:extLst>
+          </p:cNvPr>
+          <p:cNvSpPr txBox="1">
+            <a:spLocks/>
+          </p:cNvSpPr>
+          <p:nvPr/>
+        </p:nvSpPr>
+        <p:spPr>
+          <a:xfrm>
+            <a:off x="737547" y="3516157"/>
+            <a:ext cx="1118413" cy="375199"/>
+          </a:xfrm>
+          <a:prstGeom prst="rect">
+            <a:avLst/>
+          </a:prstGeom>
+        </p:spPr>
+        <p:txBody>
+          <a:bodyPr vert="horz" lIns="91440" tIns="45720" rIns="91440" bIns="45720" rtlCol="0">
+            <a:noAutofit/>
+          </a:bodyPr>
+          <a:lstStyle>
+            <a:lvl1pPr marL="228600" indent="-228600" algn="l" defTabSz="914400" rtl="0" eaLnBrk="1" latinLnBrk="0" hangingPunct="1">
+              <a:lnSpc>
+                <a:spcPts val="1800"/>
+              </a:lnSpc>
+              <a:spcBef>
+                <a:spcPts val="1000"/>
+              </a:spcBef>
+              <a:spcAft>
+                <a:spcPts val="1000"/>
+              </a:spcAft>
+              <a:buFont typeface="Arial" panose="020B0604020202020204" pitchFamily="34" charset="0"/>
+              <a:buChar char="•"/>
+              <a:defRPr lang="en-US" sz="1200" kern="1200" smtClean="0">
+                <a:solidFill>
+                  <a:schemeClr val="tx1">
+                    <a:lumMod val="75000"/>
+                    <a:lumOff val="25000"/>
+                  </a:schemeClr>
+                </a:solidFill>
+                <a:latin typeface="+mn-lt"/>
+                <a:ea typeface="+mn-ea"/>
+                <a:cs typeface="+mn-cs"/>
+              </a:defRPr>
+            </a:lvl1pPr>
+            <a:lvl2pPr marL="685800" indent="-228600" algn="l" defTabSz="914400" rtl="0" eaLnBrk="1" latinLnBrk="0" hangingPunct="1">
+              <a:lnSpc>
+                <a:spcPts val="1800"/>
+              </a:lnSpc>
+              <a:spcBef>
+                <a:spcPts val="1000"/>
+              </a:spcBef>
+              <a:spcAft>
+                <a:spcPts val="1000"/>
+              </a:spcAft>
+              <a:buFont typeface="Arial" panose="020B0604020202020204" pitchFamily="34" charset="0"/>
+              <a:buChar char="•"/>
+              <a:defRPr lang="en-US" sz="1200" kern="1200" smtClean="0">
+                <a:solidFill>
+                  <a:schemeClr val="tx1">
+                    <a:lumMod val="75000"/>
+                    <a:lumOff val="25000"/>
+                  </a:schemeClr>
+                </a:solidFill>
+                <a:latin typeface="+mn-lt"/>
+                <a:ea typeface="+mn-ea"/>
+                <a:cs typeface="+mn-cs"/>
+              </a:defRPr>
+            </a:lvl2pPr>
+            <a:lvl3pPr marL="1143000" indent="-228600" algn="l" defTabSz="914400" rtl="0" eaLnBrk="1" latinLnBrk="0" hangingPunct="1">
+              <a:lnSpc>
+                <a:spcPts val="1800"/>
+              </a:lnSpc>
+              <a:spcBef>
+                <a:spcPts val="1000"/>
+              </a:spcBef>
+              <a:spcAft>
+                <a:spcPts val="1000"/>
+              </a:spcAft>
+              <a:buFont typeface="Arial" panose="020B0604020202020204" pitchFamily="34" charset="0"/>
+              <a:buChar char="•"/>
+              <a:defRPr lang="en-US" sz="1200" kern="1200" smtClean="0">
+                <a:solidFill>
+                  <a:schemeClr val="tx1">
+                    <a:lumMod val="75000"/>
+                    <a:lumOff val="25000"/>
+                  </a:schemeClr>
+                </a:solidFill>
+                <a:latin typeface="+mn-lt"/>
+                <a:ea typeface="+mn-ea"/>
+                <a:cs typeface="+mn-cs"/>
+              </a:defRPr>
+            </a:lvl3pPr>
+            <a:lvl4pPr marL="1600200" indent="-228600" algn="l" defTabSz="914400" rtl="0" eaLnBrk="1" latinLnBrk="0" hangingPunct="1">
+              <a:lnSpc>
+                <a:spcPts val="1800"/>
+              </a:lnSpc>
+              <a:spcBef>
+                <a:spcPts val="1000"/>
+              </a:spcBef>
+              <a:spcAft>
+                <a:spcPts val="1000"/>
+              </a:spcAft>
+              <a:buFont typeface="Arial" panose="020B0604020202020204" pitchFamily="34" charset="0"/>
+              <a:buChar char="•"/>
+              <a:defRPr lang="en-US" sz="1200" kern="1200" smtClean="0">
+                <a:solidFill>
+                  <a:schemeClr val="tx1">
+                    <a:lumMod val="75000"/>
+                    <a:lumOff val="25000"/>
+                  </a:schemeClr>
+                </a:solidFill>
+                <a:latin typeface="+mn-lt"/>
+                <a:ea typeface="+mn-ea"/>
+                <a:cs typeface="+mn-cs"/>
+              </a:defRPr>
+            </a:lvl4pPr>
+            <a:lvl5pPr marL="2057400" indent="-228600" algn="l" defTabSz="914400" rtl="0" eaLnBrk="1" latinLnBrk="0" hangingPunct="1">
+              <a:lnSpc>
+                <a:spcPts val="1800"/>
+              </a:lnSpc>
+              <a:spcBef>
+                <a:spcPts val="1000"/>
+              </a:spcBef>
+              <a:spcAft>
+                <a:spcPts val="1000"/>
+              </a:spcAft>
+              <a:buFont typeface="Arial" panose="020B0604020202020204" pitchFamily="34" charset="0"/>
+              <a:buChar char="•"/>
+              <a:defRPr lang="en-US" sz="1200" kern="1200">
+                <a:solidFill>
+                  <a:schemeClr val="tx1">
+                    <a:lumMod val="75000"/>
+                    <a:lumOff val="25000"/>
+                  </a:schemeClr>
+                </a:solidFill>
+                <a:latin typeface="+mn-lt"/>
+                <a:ea typeface="+mn-ea"/>
+                <a:cs typeface="+mn-cs"/>
+              </a:defRPr>
+            </a:lvl5pPr>
+            <a:lvl6pPr marL="2514600" indent="-228600" algn="l" defTabSz="914400" rtl="0" eaLnBrk="1" latinLnBrk="0" hangingPunct="1">
+              <a:lnSpc>
+                <a:spcPct val="90000"/>
+              </a:lnSpc>
+              <a:spcBef>
+                <a:spcPct val="30000"/>
+              </a:spcBef>
+              <a:buFont typeface="Arial" panose="020B0604020202020204" pitchFamily="34" charset="0"/>
+              <a:buChar char="•"/>
+              <a:defRPr sz="1800" kern="1200">
+                <a:solidFill>
+                  <a:schemeClr val="tx1"/>
+                </a:solidFill>
+                <a:latin typeface="+mn-lt"/>
+                <a:ea typeface="+mn-ea"/>
+                <a:cs typeface="+mn-cs"/>
+              </a:defRPr>
+            </a:lvl6pPr>
+            <a:lvl7pPr marL="2971800" indent="-228600" algn="l" defTabSz="914400" rtl="0" eaLnBrk="1" latinLnBrk="0" hangingPunct="1">
+              <a:lnSpc>
+                <a:spcPct val="90000"/>
+              </a:lnSpc>
+              <a:spcBef>
+                <a:spcPct val="30000"/>
+              </a:spcBef>
+              <a:buFont typeface="Arial" panose="020B0604020202020204" pitchFamily="34" charset="0"/>
+              <a:buChar char="•"/>
+              <a:defRPr sz="1800" kern="1200">
+                <a:solidFill>
+                  <a:schemeClr val="tx1"/>
+                </a:solidFill>
+                <a:latin typeface="+mn-lt"/>
+                <a:ea typeface="+mn-ea"/>
+                <a:cs typeface="+mn-cs"/>
+              </a:defRPr>
+            </a:lvl7pPr>
+            <a:lvl8pPr marL="3429000" indent="-228600" algn="l" defTabSz="914400" rtl="0" eaLnBrk="1" latinLnBrk="0" hangingPunct="1">
+              <a:lnSpc>
+                <a:spcPct val="90000"/>
+              </a:lnSpc>
+              <a:spcBef>
+                <a:spcPct val="30000"/>
+              </a:spcBef>
+              <a:buFont typeface="Arial" panose="020B0604020202020204" pitchFamily="34" charset="0"/>
+              <a:buChar char="•"/>
+              <a:defRPr sz="1800" kern="1200">
+                <a:solidFill>
+                  <a:schemeClr val="tx1"/>
+                </a:solidFill>
+                <a:latin typeface="+mn-lt"/>
+                <a:ea typeface="+mn-ea"/>
+                <a:cs typeface="+mn-cs"/>
+              </a:defRPr>
+            </a:lvl8pPr>
+            <a:lvl9pPr marL="3886200" indent="-228600" algn="l" defTabSz="914400" rtl="0" eaLnBrk="1" latinLnBrk="0" hangingPunct="1">
+              <a:lnSpc>
+                <a:spcPct val="90000"/>
+              </a:lnSpc>
+              <a:spcBef>
+                <a:spcPct val="30000"/>
+              </a:spcBef>
+              <a:buFont typeface="Arial" panose="020B0604020202020204" pitchFamily="34" charset="0"/>
+              <a:buChar char="•"/>
+              <a:defRPr sz="1800" kern="1200">
+                <a:solidFill>
+                  <a:schemeClr val="tx1"/>
+                </a:solidFill>
+                <a:latin typeface="+mn-lt"/>
+                <a:ea typeface="+mn-ea"/>
+                <a:cs typeface="+mn-cs"/>
+              </a:defRPr>
+            </a:lvl9pPr>
+          </a:lstStyle>
+          <a:p>
+            <a:pPr marL="0" indent="0">
+              <a:spcAft>
+                <a:spcPts val="2000"/>
+              </a:spcAft>
+              <a:buNone/>
+            </a:pPr>
+            <a:r>
+              <a:rPr lang="en-US" sz="1800" dirty="0">
+                <a:solidFill>
+                  <a:srgbClr val="D24726"/>
+                </a:solidFill>
+                <a:cs typeface="Segoe UI"/>
+              </a:rPr>
+              <a:t>Cluster 3</a:t>
+            </a:r>
+          </a:p>
+        </p:txBody>
+      </p:sp>
+      <p:pic>
+        <p:nvPicPr>
+          <p:cNvPr id="3" name="Picture 2">
+            <a:extLst>
+              <a:ext uri="{FF2B5EF4-FFF2-40B4-BE49-F238E27FC236}">
+                <a16:creationId xmlns:a16="http://schemas.microsoft.com/office/drawing/2014/main" id="{1EEBC0A0-5BDC-4B2E-878E-84767CEFA0B4}"/>
+              </a:ext>
+            </a:extLst>
+          </p:cNvPr>
+          <p:cNvPicPr>
+            <a:picLocks noChangeAspect="1"/>
+          </p:cNvPicPr>
+          <p:nvPr/>
+        </p:nvPicPr>
+        <p:blipFill>
+          <a:blip r:embed="rId2"/>
+          <a:stretch>
+            <a:fillRect/>
+          </a:stretch>
+        </p:blipFill>
+        <p:spPr>
+          <a:xfrm>
+            <a:off x="4503906" y="1439707"/>
+            <a:ext cx="5419725" cy="4152900"/>
+          </a:xfrm>
+          <a:prstGeom prst="rect">
+            <a:avLst/>
+          </a:prstGeom>
+        </p:spPr>
+      </p:pic>
+    </p:spTree>
+    <p:extLst>
+      <p:ext uri="{BB962C8B-B14F-4D97-AF65-F5344CB8AC3E}">
+        <p14:creationId xmlns:p14="http://schemas.microsoft.com/office/powerpoint/2010/main" val="1824625379"/>
+      </p:ext>
+    </p:extLst>
+  </p:cSld>
+  <p:clrMapOvr>
+    <a:masterClrMapping/>
+  </p:clrMapOvr>
+  <mc:AlternateContent xmlns:mc="http://schemas.openxmlformats.org/markup-compatibility/2006" xmlns:p14="http://schemas.microsoft.com/office/powerpoint/2010/main">
+    <mc:Choice Requires="p14">
+      <p:transition p14:dur="10"/>
+    </mc:Choice>
+    <mc:Fallback xmlns="">
+      <p:transition/>
+    </mc:Fallback>
+  </mc:AlternateContent>
+</p:sld>
+</file>
+
+<file path=ppt/slides/slide12.xml><?xml version="1.0" encoding="utf-8"?>
 <p:sld xmlns:a="http://schemas.openxmlformats.org/drawingml/2006/main" xmlns:r="http://schemas.openxmlformats.org/officeDocument/2006/relationships" xmlns:p="http://schemas.openxmlformats.org/presentationml/2006/main">
   <p:cSld>
     <p:spTree>
@@ -3577,7 +5149,7 @@
 </p:sld>
 </file>
 
-<file path=ppt/slides/slide12.xml><?xml version="1.0" encoding="utf-8"?>
+<file path=ppt/slides/slide13.xml><?xml version="1.0" encoding="utf-8"?>
 <p:sld xmlns:a="http://schemas.openxmlformats.org/drawingml/2006/main" xmlns:r="http://schemas.openxmlformats.org/officeDocument/2006/relationships" xmlns:p="http://schemas.openxmlformats.org/presentationml/2006/main">
   <p:cSld>
     <p:spTree>
@@ -3658,7 +5230,7 @@
 </p:sld>
 </file>
 
-<file path=ppt/slides/slide13.xml><?xml version="1.0" encoding="utf-8"?>
+<file path=ppt/slides/slide14.xml><?xml version="1.0" encoding="utf-8"?>
 <p:sld xmlns:a="http://schemas.openxmlformats.org/drawingml/2006/main" xmlns:r="http://schemas.openxmlformats.org/officeDocument/2006/relationships" xmlns:p="http://schemas.openxmlformats.org/presentationml/2006/main">
   <p:cSld>
     <p:spTree>
@@ -3850,12 +5422,6 @@
           <a:p>
             <a:r>
               <a:rPr lang="en-US" sz="1800" dirty="0"/>
-              <a:t>Additional factors from education, entrepreneurship, arts, sports, automotive are included in the dataset</a:t>
-            </a:r>
-          </a:p>
-          <a:p>
-            <a:r>
-              <a:rPr lang="en-US" sz="1800" dirty="0"/>
               <a:t>Data includes all the states in United States.</a:t>
             </a:r>
           </a:p>
@@ -3938,7 +5504,7 @@
             <a:pPr fontAlgn="base"/>
             <a:r>
               <a:rPr lang="en-US" sz="1800" dirty="0"/>
-              <a:t>What are the correlations among all the features?</a:t>
+              <a:t>What are the correlations among the features?</a:t>
             </a:r>
           </a:p>
           <a:p>
@@ -4294,10 +5860,10 @@
       </p:sp>
       <p:pic>
         <p:nvPicPr>
-          <p:cNvPr id="5" name="Picture 4">
+          <p:cNvPr id="9" name="Picture 8">
             <a:extLst>
               <a:ext uri="{FF2B5EF4-FFF2-40B4-BE49-F238E27FC236}">
-                <a16:creationId xmlns:a16="http://schemas.microsoft.com/office/drawing/2014/main" id="{FDD76CE2-49C1-4B81-ABE2-C9B27DABF66E}"/>
+                <a16:creationId xmlns:a16="http://schemas.microsoft.com/office/drawing/2014/main" id="{786D69F0-5164-4135-B08F-40959859F1ED}"/>
               </a:ext>
             </a:extLst>
           </p:cNvPr>
@@ -4314,8 +5880,8 @@
         </p:blipFill>
         <p:spPr>
           <a:xfrm>
-            <a:off x="3766840" y="1407393"/>
-            <a:ext cx="1633020" cy="4953000"/>
+            <a:off x="3886147" y="3086100"/>
+            <a:ext cx="7020391" cy="1075083"/>
           </a:xfrm>
           <a:prstGeom prst="rect">
             <a:avLst/>
@@ -4324,10 +5890,10 @@
       </p:pic>
       <p:pic>
         <p:nvPicPr>
-          <p:cNvPr id="9" name="Picture 8">
+          <p:cNvPr id="4" name="Picture 3">
             <a:extLst>
               <a:ext uri="{FF2B5EF4-FFF2-40B4-BE49-F238E27FC236}">
-                <a16:creationId xmlns:a16="http://schemas.microsoft.com/office/drawing/2014/main" id="{786D69F0-5164-4135-B08F-40959859F1ED}"/>
+                <a16:creationId xmlns:a16="http://schemas.microsoft.com/office/drawing/2014/main" id="{0334D546-0DB7-4DBA-B8F3-D80FE94316B9}"/>
               </a:ext>
             </a:extLst>
           </p:cNvPr>
@@ -4344,8 +5910,8 @@
         </p:blipFill>
         <p:spPr>
           <a:xfrm>
-            <a:off x="5747113" y="3060735"/>
-            <a:ext cx="5295900" cy="685800"/>
+            <a:off x="984070" y="2402091"/>
+            <a:ext cx="2543360" cy="2699995"/>
           </a:xfrm>
           <a:prstGeom prst="rect">
             <a:avLst/>
@@ -4412,36 +5978,6 @@
           </a:p>
         </p:txBody>
       </p:sp>
-      <p:pic>
-        <p:nvPicPr>
-          <p:cNvPr id="3" name="Picture 2">
-            <a:extLst>
-              <a:ext uri="{FF2B5EF4-FFF2-40B4-BE49-F238E27FC236}">
-                <a16:creationId xmlns:a16="http://schemas.microsoft.com/office/drawing/2014/main" id="{01D62EE1-0E9E-4BCC-9968-56C030E189A3}"/>
-              </a:ext>
-            </a:extLst>
-          </p:cNvPr>
-          <p:cNvPicPr>
-            <a:picLocks noChangeAspect="1"/>
-          </p:cNvPicPr>
-          <p:nvPr/>
-        </p:nvPicPr>
-        <p:blipFill>
-          <a:blip r:embed="rId2"/>
-          <a:stretch>
-            <a:fillRect/>
-          </a:stretch>
-        </p:blipFill>
-        <p:spPr>
-          <a:xfrm>
-            <a:off x="4258491" y="1465525"/>
-            <a:ext cx="6492239" cy="4843836"/>
-          </a:xfrm>
-          <a:prstGeom prst="rect">
-            <a:avLst/>
-          </a:prstGeom>
-        </p:spPr>
-      </p:pic>
       <p:sp>
         <p:nvSpPr>
           <p:cNvPr id="10" name="Content Placeholder 2">
@@ -4903,6 +6439,36 @@
           </a:p>
         </p:txBody>
       </p:sp>
+      <p:pic>
+        <p:nvPicPr>
+          <p:cNvPr id="4" name="Picture 3">
+            <a:extLst>
+              <a:ext uri="{FF2B5EF4-FFF2-40B4-BE49-F238E27FC236}">
+                <a16:creationId xmlns:a16="http://schemas.microsoft.com/office/drawing/2014/main" id="{28502ECF-4033-488C-B025-04B33834789E}"/>
+              </a:ext>
+            </a:extLst>
+          </p:cNvPr>
+          <p:cNvPicPr>
+            <a:picLocks noChangeAspect="1"/>
+          </p:cNvPicPr>
+          <p:nvPr/>
+        </p:nvPicPr>
+        <p:blipFill>
+          <a:blip r:embed="rId2"/>
+          <a:stretch>
+            <a:fillRect/>
+          </a:stretch>
+        </p:blipFill>
+        <p:spPr>
+          <a:xfrm>
+            <a:off x="4955237" y="1528554"/>
+            <a:ext cx="5395747" cy="4381915"/>
+          </a:xfrm>
+          <a:prstGeom prst="rect">
+            <a:avLst/>
+          </a:prstGeom>
+        </p:spPr>
+      </p:pic>
     </p:spTree>
     <p:extLst>
       <p:ext uri="{BB962C8B-B14F-4D97-AF65-F5344CB8AC3E}">
@@ -5690,36 +7256,6 @@
           </a:p>
         </p:txBody>
       </p:sp>
-      <p:pic>
-        <p:nvPicPr>
-          <p:cNvPr id="6" name="Picture 5">
-            <a:extLst>
-              <a:ext uri="{FF2B5EF4-FFF2-40B4-BE49-F238E27FC236}">
-                <a16:creationId xmlns:a16="http://schemas.microsoft.com/office/drawing/2014/main" id="{BF24425A-1191-4C9F-8F51-26A07B36A632}"/>
-              </a:ext>
-            </a:extLst>
-          </p:cNvPr>
-          <p:cNvPicPr>
-            <a:picLocks noChangeAspect="1"/>
-          </p:cNvPicPr>
-          <p:nvPr/>
-        </p:nvPicPr>
-        <p:blipFill>
-          <a:blip r:embed="rId2"/>
-          <a:stretch>
-            <a:fillRect/>
-          </a:stretch>
-        </p:blipFill>
-        <p:spPr>
-          <a:xfrm>
-            <a:off x="5856249" y="1828845"/>
-            <a:ext cx="4855791" cy="3539988"/>
-          </a:xfrm>
-          <a:prstGeom prst="rect">
-            <a:avLst/>
-          </a:prstGeom>
-        </p:spPr>
-      </p:pic>
       <p:sp>
         <p:nvSpPr>
           <p:cNvPr id="17" name="Content Placeholder 17">
@@ -5972,6 +7508,36 @@
           </a:p>
         </p:txBody>
       </p:sp>
+      <p:pic>
+        <p:nvPicPr>
+          <p:cNvPr id="5" name="Picture 4">
+            <a:extLst>
+              <a:ext uri="{FF2B5EF4-FFF2-40B4-BE49-F238E27FC236}">
+                <a16:creationId xmlns:a16="http://schemas.microsoft.com/office/drawing/2014/main" id="{F8EF2394-180E-49FF-BBA5-FF8166E6BF90}"/>
+              </a:ext>
+            </a:extLst>
+          </p:cNvPr>
+          <p:cNvPicPr>
+            <a:picLocks noChangeAspect="1"/>
+          </p:cNvPicPr>
+          <p:nvPr/>
+        </p:nvPicPr>
+        <p:blipFill>
+          <a:blip r:embed="rId2"/>
+          <a:stretch>
+            <a:fillRect/>
+          </a:stretch>
+        </p:blipFill>
+        <p:spPr>
+          <a:xfrm>
+            <a:off x="5420139" y="2057887"/>
+            <a:ext cx="5112735" cy="3521277"/>
+          </a:xfrm>
+          <a:prstGeom prst="rect">
+            <a:avLst/>
+          </a:prstGeom>
+        </p:spPr>
+      </p:pic>
     </p:spTree>
     <p:extLst>
       <p:ext uri="{BB962C8B-B14F-4D97-AF65-F5344CB8AC3E}">
@@ -6044,7 +7610,7 @@
         </p:nvSpPr>
         <p:spPr>
           <a:xfrm>
-            <a:off x="5486400" y="1391733"/>
+            <a:off x="5427372" y="1391733"/>
             <a:ext cx="1514947" cy="307255"/>
           </a:xfrm>
         </p:spPr>
@@ -6064,100 +7630,6 @@
           </a:p>
         </p:txBody>
       </p:sp>
-      <p:pic>
-        <p:nvPicPr>
-          <p:cNvPr id="1028" name="Picture 4">
-            <a:extLst>
-              <a:ext uri="{FF2B5EF4-FFF2-40B4-BE49-F238E27FC236}">
-                <a16:creationId xmlns:a16="http://schemas.microsoft.com/office/drawing/2014/main" id="{A342954A-85FB-4157-82AD-D06CAC4F0021}"/>
-              </a:ext>
-            </a:extLst>
-          </p:cNvPr>
-          <p:cNvPicPr>
-            <a:picLocks noChangeAspect="1" noChangeArrowheads="1"/>
-          </p:cNvPicPr>
-          <p:nvPr/>
-        </p:nvPicPr>
-        <p:blipFill>
-          <a:blip r:embed="rId2">
-            <a:extLst>
-              <a:ext uri="{28A0092B-C50C-407E-A947-70E740481C1C}">
-                <a14:useLocalDpi xmlns:a14="http://schemas.microsoft.com/office/drawing/2010/main" val="0"/>
-              </a:ext>
-            </a:extLst>
-          </a:blip>
-          <a:srcRect/>
-          <a:stretch>
-            <a:fillRect/>
-          </a:stretch>
-        </p:blipFill>
-        <p:spPr bwMode="auto">
-          <a:xfrm>
-            <a:off x="5354468" y="1698988"/>
-            <a:ext cx="2557792" cy="1365376"/>
-          </a:xfrm>
-          <a:prstGeom prst="rect">
-            <a:avLst/>
-          </a:prstGeom>
-          <a:noFill/>
-          <a:extLst>
-            <a:ext uri="{909E8E84-426E-40DD-AFC4-6F175D3DCCD1}">
-              <a14:hiddenFill xmlns:a14="http://schemas.microsoft.com/office/drawing/2010/main">
-                <a:solidFill>
-                  <a:srgbClr val="FFFFFF"/>
-                </a:solidFill>
-              </a14:hiddenFill>
-            </a:ext>
-          </a:extLst>
-        </p:spPr>
-      </p:pic>
-      <p:pic>
-        <p:nvPicPr>
-          <p:cNvPr id="1030" name="Picture 6">
-            <a:extLst>
-              <a:ext uri="{FF2B5EF4-FFF2-40B4-BE49-F238E27FC236}">
-                <a16:creationId xmlns:a16="http://schemas.microsoft.com/office/drawing/2014/main" id="{BB87E7D9-4F71-4FC2-84F9-EA63BC5B7668}"/>
-              </a:ext>
-            </a:extLst>
-          </p:cNvPr>
-          <p:cNvPicPr>
-            <a:picLocks noChangeAspect="1" noChangeArrowheads="1"/>
-          </p:cNvPicPr>
-          <p:nvPr/>
-        </p:nvPicPr>
-        <p:blipFill>
-          <a:blip r:embed="rId3">
-            <a:extLst>
-              <a:ext uri="{28A0092B-C50C-407E-A947-70E740481C1C}">
-                <a14:useLocalDpi xmlns:a14="http://schemas.microsoft.com/office/drawing/2010/main" val="0"/>
-              </a:ext>
-            </a:extLst>
-          </a:blip>
-          <a:srcRect/>
-          <a:stretch>
-            <a:fillRect/>
-          </a:stretch>
-        </p:blipFill>
-        <p:spPr bwMode="auto">
-          <a:xfrm>
-            <a:off x="2707650" y="1545361"/>
-            <a:ext cx="2557792" cy="1448676"/>
-          </a:xfrm>
-          <a:prstGeom prst="rect">
-            <a:avLst/>
-          </a:prstGeom>
-          <a:noFill/>
-          <a:extLst>
-            <a:ext uri="{909E8E84-426E-40DD-AFC4-6F175D3DCCD1}">
-              <a14:hiddenFill xmlns:a14="http://schemas.microsoft.com/office/drawing/2010/main">
-                <a:solidFill>
-                  <a:srgbClr val="FFFFFF"/>
-                </a:solidFill>
-              </a14:hiddenFill>
-            </a:ext>
-          </a:extLst>
-        </p:spPr>
-      </p:pic>
       <p:sp>
         <p:nvSpPr>
           <p:cNvPr id="9" name="Content Placeholder 2">
@@ -6391,53 +7863,6 @@
           </a:p>
         </p:txBody>
       </p:sp>
-      <p:pic>
-        <p:nvPicPr>
-          <p:cNvPr id="1034" name="Picture 10">
-            <a:extLst>
-              <a:ext uri="{FF2B5EF4-FFF2-40B4-BE49-F238E27FC236}">
-                <a16:creationId xmlns:a16="http://schemas.microsoft.com/office/drawing/2014/main" id="{DA661368-FB2F-4D95-BB60-AAF8B9ABC3CB}"/>
-              </a:ext>
-            </a:extLst>
-          </p:cNvPr>
-          <p:cNvPicPr>
-            <a:picLocks noChangeAspect="1" noChangeArrowheads="1"/>
-          </p:cNvPicPr>
-          <p:nvPr/>
-        </p:nvPicPr>
-        <p:blipFill>
-          <a:blip r:embed="rId4">
-            <a:extLst>
-              <a:ext uri="{28A0092B-C50C-407E-A947-70E740481C1C}">
-                <a14:useLocalDpi xmlns:a14="http://schemas.microsoft.com/office/drawing/2010/main" val="0"/>
-              </a:ext>
-            </a:extLst>
-          </a:blip>
-          <a:srcRect/>
-          <a:stretch>
-            <a:fillRect/>
-          </a:stretch>
-        </p:blipFill>
-        <p:spPr bwMode="auto">
-          <a:xfrm>
-            <a:off x="2774699" y="3339887"/>
-            <a:ext cx="2403884" cy="1448676"/>
-          </a:xfrm>
-          <a:prstGeom prst="rect">
-            <a:avLst/>
-          </a:prstGeom>
-          <a:noFill/>
-          <a:extLst>
-            <a:ext uri="{909E8E84-426E-40DD-AFC4-6F175D3DCCD1}">
-              <a14:hiddenFill xmlns:a14="http://schemas.microsoft.com/office/drawing/2010/main">
-                <a:solidFill>
-                  <a:srgbClr val="FFFFFF"/>
-                </a:solidFill>
-              </a14:hiddenFill>
-            </a:ext>
-          </a:extLst>
-        </p:spPr>
-      </p:pic>
       <p:sp>
         <p:nvSpPr>
           <p:cNvPr id="12" name="Content Placeholder 2">
@@ -6671,53 +8096,6 @@
           </a:p>
         </p:txBody>
       </p:sp>
-      <p:pic>
-        <p:nvPicPr>
-          <p:cNvPr id="1036" name="Picture 12">
-            <a:extLst>
-              <a:ext uri="{FF2B5EF4-FFF2-40B4-BE49-F238E27FC236}">
-                <a16:creationId xmlns:a16="http://schemas.microsoft.com/office/drawing/2014/main" id="{862F2C34-70CA-42B7-8FC5-921E72C1CFCA}"/>
-              </a:ext>
-            </a:extLst>
-          </p:cNvPr>
-          <p:cNvPicPr>
-            <a:picLocks noChangeAspect="1" noChangeArrowheads="1"/>
-          </p:cNvPicPr>
-          <p:nvPr/>
-        </p:nvPicPr>
-        <p:blipFill>
-          <a:blip r:embed="rId5">
-            <a:extLst>
-              <a:ext uri="{28A0092B-C50C-407E-A947-70E740481C1C}">
-                <a14:useLocalDpi xmlns:a14="http://schemas.microsoft.com/office/drawing/2010/main" val="0"/>
-              </a:ext>
-            </a:extLst>
-          </a:blip>
-          <a:srcRect/>
-          <a:stretch>
-            <a:fillRect/>
-          </a:stretch>
-        </p:blipFill>
-        <p:spPr bwMode="auto">
-          <a:xfrm>
-            <a:off x="5236393" y="3790179"/>
-            <a:ext cx="2557792" cy="1566250"/>
-          </a:xfrm>
-          <a:prstGeom prst="rect">
-            <a:avLst/>
-          </a:prstGeom>
-          <a:noFill/>
-          <a:extLst>
-            <a:ext uri="{909E8E84-426E-40DD-AFC4-6F175D3DCCD1}">
-              <a14:hiddenFill xmlns:a14="http://schemas.microsoft.com/office/drawing/2010/main">
-                <a:solidFill>
-                  <a:srgbClr val="FFFFFF"/>
-                </a:solidFill>
-              </a14:hiddenFill>
-            </a:ext>
-          </a:extLst>
-        </p:spPr>
-      </p:pic>
       <p:sp>
         <p:nvSpPr>
           <p:cNvPr id="14" name="Content Placeholder 2">
@@ -6951,53 +8329,6 @@
           </a:p>
         </p:txBody>
       </p:sp>
-      <p:pic>
-        <p:nvPicPr>
-          <p:cNvPr id="1038" name="Picture 14">
-            <a:extLst>
-              <a:ext uri="{FF2B5EF4-FFF2-40B4-BE49-F238E27FC236}">
-                <a16:creationId xmlns:a16="http://schemas.microsoft.com/office/drawing/2014/main" id="{5076D16A-CB93-4FF5-8AD0-42CED3709487}"/>
-              </a:ext>
-            </a:extLst>
-          </p:cNvPr>
-          <p:cNvPicPr>
-            <a:picLocks noChangeAspect="1" noChangeArrowheads="1"/>
-          </p:cNvPicPr>
-          <p:nvPr/>
-        </p:nvPicPr>
-        <p:blipFill>
-          <a:blip r:embed="rId6">
-            <a:extLst>
-              <a:ext uri="{28A0092B-C50C-407E-A947-70E740481C1C}">
-                <a14:useLocalDpi xmlns:a14="http://schemas.microsoft.com/office/drawing/2010/main" val="0"/>
-              </a:ext>
-            </a:extLst>
-          </a:blip>
-          <a:srcRect/>
-          <a:stretch>
-            <a:fillRect/>
-          </a:stretch>
-        </p:blipFill>
-        <p:spPr bwMode="auto">
-          <a:xfrm>
-            <a:off x="7794185" y="2958558"/>
-            <a:ext cx="2655872" cy="1630590"/>
-          </a:xfrm>
-          <a:prstGeom prst="rect">
-            <a:avLst/>
-          </a:prstGeom>
-          <a:noFill/>
-          <a:extLst>
-            <a:ext uri="{909E8E84-426E-40DD-AFC4-6F175D3DCCD1}">
-              <a14:hiddenFill xmlns:a14="http://schemas.microsoft.com/office/drawing/2010/main">
-                <a:solidFill>
-                  <a:srgbClr val="FFFFFF"/>
-                </a:solidFill>
-              </a14:hiddenFill>
-            </a:ext>
-          </a:extLst>
-        </p:spPr>
-      </p:pic>
       <p:sp>
         <p:nvSpPr>
           <p:cNvPr id="16" name="Content Placeholder 2">
@@ -7459,11 +8790,161 @@
             </a:pPr>
             <a:r>
               <a:rPr lang="en-US" sz="1800" dirty="0"/>
-              <a:t>Big Five personalities helping in these clusters</a:t>
+              <a:t>Big Five personalities in the clusters</a:t>
             </a:r>
           </a:p>
         </p:txBody>
       </p:sp>
+      <p:pic>
+        <p:nvPicPr>
+          <p:cNvPr id="4" name="Picture 3">
+            <a:extLst>
+              <a:ext uri="{FF2B5EF4-FFF2-40B4-BE49-F238E27FC236}">
+                <a16:creationId xmlns:a16="http://schemas.microsoft.com/office/drawing/2014/main" id="{F0984C4C-D684-45E3-A84B-F6BC49F1EF7F}"/>
+              </a:ext>
+            </a:extLst>
+          </p:cNvPr>
+          <p:cNvPicPr>
+            <a:picLocks noChangeAspect="1"/>
+          </p:cNvPicPr>
+          <p:nvPr/>
+        </p:nvPicPr>
+        <p:blipFill>
+          <a:blip r:embed="rId2"/>
+          <a:stretch>
+            <a:fillRect/>
+          </a:stretch>
+        </p:blipFill>
+        <p:spPr>
+          <a:xfrm>
+            <a:off x="5413774" y="1742270"/>
+            <a:ext cx="2380411" cy="1280628"/>
+          </a:xfrm>
+          <a:prstGeom prst="rect">
+            <a:avLst/>
+          </a:prstGeom>
+        </p:spPr>
+      </p:pic>
+      <p:pic>
+        <p:nvPicPr>
+          <p:cNvPr id="5" name="Picture 4">
+            <a:extLst>
+              <a:ext uri="{FF2B5EF4-FFF2-40B4-BE49-F238E27FC236}">
+                <a16:creationId xmlns:a16="http://schemas.microsoft.com/office/drawing/2014/main" id="{DF996EBD-6A7F-4001-A6A0-6F1382D68927}"/>
+              </a:ext>
+            </a:extLst>
+          </p:cNvPr>
+          <p:cNvPicPr>
+            <a:picLocks noChangeAspect="1"/>
+          </p:cNvPicPr>
+          <p:nvPr/>
+        </p:nvPicPr>
+        <p:blipFill>
+          <a:blip r:embed="rId3"/>
+          <a:stretch>
+            <a:fillRect/>
+          </a:stretch>
+        </p:blipFill>
+        <p:spPr>
+          <a:xfrm>
+            <a:off x="2863725" y="1587892"/>
+            <a:ext cx="2388874" cy="1479929"/>
+          </a:xfrm>
+          <a:prstGeom prst="rect">
+            <a:avLst/>
+          </a:prstGeom>
+        </p:spPr>
+      </p:pic>
+      <p:pic>
+        <p:nvPicPr>
+          <p:cNvPr id="6" name="Picture 5">
+            <a:extLst>
+              <a:ext uri="{FF2B5EF4-FFF2-40B4-BE49-F238E27FC236}">
+                <a16:creationId xmlns:a16="http://schemas.microsoft.com/office/drawing/2014/main" id="{62EE9725-7A37-4201-9A56-CD81A161FC60}"/>
+              </a:ext>
+            </a:extLst>
+          </p:cNvPr>
+          <p:cNvPicPr>
+            <a:picLocks noChangeAspect="1"/>
+          </p:cNvPicPr>
+          <p:nvPr/>
+        </p:nvPicPr>
+        <p:blipFill>
+          <a:blip r:embed="rId4"/>
+          <a:stretch>
+            <a:fillRect/>
+          </a:stretch>
+        </p:blipFill>
+        <p:spPr>
+          <a:xfrm>
+            <a:off x="2951746" y="3339887"/>
+            <a:ext cx="2165003" cy="1726352"/>
+          </a:xfrm>
+          <a:prstGeom prst="rect">
+            <a:avLst/>
+          </a:prstGeom>
+        </p:spPr>
+      </p:pic>
+      <p:pic>
+        <p:nvPicPr>
+          <p:cNvPr id="7" name="Picture 6">
+            <a:extLst>
+              <a:ext uri="{FF2B5EF4-FFF2-40B4-BE49-F238E27FC236}">
+                <a16:creationId xmlns:a16="http://schemas.microsoft.com/office/drawing/2014/main" id="{759ED629-9B5B-4594-9CA6-9CDBBFB28018}"/>
+              </a:ext>
+            </a:extLst>
+          </p:cNvPr>
+          <p:cNvPicPr>
+            <a:picLocks noChangeAspect="1"/>
+          </p:cNvPicPr>
+          <p:nvPr/>
+        </p:nvPicPr>
+        <p:blipFill>
+          <a:blip r:embed="rId5"/>
+          <a:stretch>
+            <a:fillRect/>
+          </a:stretch>
+        </p:blipFill>
+        <p:spPr>
+          <a:xfrm>
+            <a:off x="5413774" y="3860506"/>
+            <a:ext cx="2380411" cy="1402451"/>
+          </a:xfrm>
+          <a:prstGeom prst="rect">
+            <a:avLst/>
+          </a:prstGeom>
+        </p:spPr>
+      </p:pic>
+      <p:pic>
+        <p:nvPicPr>
+          <p:cNvPr id="8" name="Picture 7">
+            <a:extLst>
+              <a:ext uri="{FF2B5EF4-FFF2-40B4-BE49-F238E27FC236}">
+                <a16:creationId xmlns:a16="http://schemas.microsoft.com/office/drawing/2014/main" id="{F2699EA4-2A72-4C3B-B901-77694428E166}"/>
+              </a:ext>
+            </a:extLst>
+          </p:cNvPr>
+          <p:cNvPicPr>
+            <a:picLocks noChangeAspect="1"/>
+          </p:cNvPicPr>
+          <p:nvPr/>
+        </p:nvPicPr>
+        <p:blipFill>
+          <a:blip r:embed="rId6"/>
+          <a:stretch>
+            <a:fillRect/>
+          </a:stretch>
+        </p:blipFill>
+        <p:spPr>
+          <a:xfrm>
+            <a:off x="8037860" y="2994037"/>
+            <a:ext cx="2195512" cy="1681589"/>
+          </a:xfrm>
+          <a:prstGeom prst="rect">
+            <a:avLst/>
+          </a:prstGeom>
+        </p:spPr>
+      </p:pic>
     </p:spTree>
     <p:extLst>
       <p:ext uri="{BB962C8B-B14F-4D97-AF65-F5344CB8AC3E}">
@@ -7756,7 +9237,7 @@
                 </a:solidFill>
                 <a:cs typeface="Segoe UI"/>
               </a:rPr>
-              <a:t>MT,MD,NM,OK,OR,VT,ID,WA,CO,CA,AZ,VA,NV</a:t>
+              <a:t>PA,WV,AR,OH,CT,DE,MA,RI,NY,ME,IN,NJ,NH,KY,LA</a:t>
             </a:r>
             <a:endParaRPr lang="en-US" dirty="0">
               <a:solidFill>
@@ -8001,7 +9482,9 @@
             <a:r>
               <a:rPr lang="en-US" sz="1800" dirty="0">
                 <a:solidFill>
-                  <a:srgbClr val="FF0000"/>
+                  <a:schemeClr val="bg1">
+                    <a:lumMod val="50000"/>
+                  </a:schemeClr>
                 </a:solidFill>
                 <a:cs typeface="Segoe UI"/>
               </a:rPr>
@@ -8027,7 +9510,7 @@
         <p:spPr>
           <a:xfrm>
             <a:off x="737547" y="2787650"/>
-            <a:ext cx="3191657" cy="641350"/>
+            <a:ext cx="3348070" cy="641350"/>
           </a:xfrm>
           <a:prstGeom prst="rect">
             <a:avLst/>
@@ -8248,7 +9731,7 @@
                 </a:solidFill>
                 <a:cs typeface="Segoe UI"/>
               </a:rPr>
-              <a:t>RI,NH,PA,OH,NY,WV,NJ,WY,IN,AR,CT,DE,MA,ME,LA,KY,KS</a:t>
+              <a:t>TN,SD,NC,ND,SC,NE,WI,AL,MS,MN,MI,UT,IA,IL,GA,FL,MO,TX</a:t>
             </a:r>
             <a:endParaRPr lang="en-US" dirty="0">
               <a:solidFill>
@@ -8740,7 +10223,7 @@
                 </a:solidFill>
                 <a:cs typeface="Segoe UI"/>
               </a:rPr>
-              <a:t>FL,UT,TX,TN,SD,SC,MS,IL,MN,IA,ND,NC,MI,NE,WI,MO,GA,AL</a:t>
+              <a:t>VT,VA,WA,MT,OK,NM,NV,MD,KS,ID,CO,CA,AZ,OR,WY</a:t>
             </a:r>
           </a:p>
         </p:txBody>
@@ -8976,7 +10459,7 @@
             <a:r>
               <a:rPr lang="en-US" sz="1800" dirty="0">
                 <a:solidFill>
-                  <a:srgbClr val="FF0000"/>
+                  <a:srgbClr val="D24726"/>
                 </a:solidFill>
                 <a:cs typeface="Segoe UI"/>
               </a:rPr>
@@ -8987,10 +10470,10 @@
       </p:sp>
       <p:pic>
         <p:nvPicPr>
-          <p:cNvPr id="10" name="Picture 9">
+          <p:cNvPr id="2" name="Picture 1">
             <a:extLst>
               <a:ext uri="{FF2B5EF4-FFF2-40B4-BE49-F238E27FC236}">
-                <a16:creationId xmlns:a16="http://schemas.microsoft.com/office/drawing/2014/main" id="{7B004396-5D31-4355-B6B5-AA23A03B3520}"/>
+                <a16:creationId xmlns:a16="http://schemas.microsoft.com/office/drawing/2014/main" id="{1DA2A535-4B29-44E3-BE39-F6EFA370D726}"/>
               </a:ext>
             </a:extLst>
           </p:cNvPr>
@@ -9007,8 +10490,8 @@
         </p:blipFill>
         <p:spPr>
           <a:xfrm>
-            <a:off x="4378323" y="1410800"/>
-            <a:ext cx="4438526" cy="3395050"/>
+            <a:off x="4731501" y="1419174"/>
+            <a:ext cx="5457825" cy="4019651"/>
           </a:xfrm>
           <a:prstGeom prst="rect">
             <a:avLst/>
@@ -9084,489 +10567,6 @@
       </p:sp>
       <p:sp>
         <p:nvSpPr>
-          <p:cNvPr id="17" name="Content Placeholder 17">
-            <a:extLst>
-              <a:ext uri="{FF2B5EF4-FFF2-40B4-BE49-F238E27FC236}">
-                <a16:creationId xmlns:a16="http://schemas.microsoft.com/office/drawing/2014/main" id="{F70FBC5A-ECA3-4EA4-97A1-B1207759EC06}"/>
-              </a:ext>
-            </a:extLst>
-          </p:cNvPr>
-          <p:cNvSpPr txBox="1">
-            <a:spLocks/>
-          </p:cNvSpPr>
-          <p:nvPr/>
-        </p:nvSpPr>
-        <p:spPr>
-          <a:xfrm>
-            <a:off x="737547" y="1683945"/>
-            <a:ext cx="3121671" cy="641350"/>
-          </a:xfrm>
-          <a:prstGeom prst="rect">
-            <a:avLst/>
-          </a:prstGeom>
-        </p:spPr>
-        <p:txBody>
-          <a:bodyPr vert="horz" lIns="91440" tIns="45720" rIns="91440" bIns="45720" rtlCol="0">
-            <a:normAutofit/>
-          </a:bodyPr>
-          <a:lstStyle>
-            <a:lvl1pPr marL="228600" indent="-228600" algn="l" defTabSz="914400" rtl="0" eaLnBrk="1" latinLnBrk="0" hangingPunct="1">
-              <a:lnSpc>
-                <a:spcPts val="1800"/>
-              </a:lnSpc>
-              <a:spcBef>
-                <a:spcPts val="1000"/>
-              </a:spcBef>
-              <a:spcAft>
-                <a:spcPts val="1000"/>
-              </a:spcAft>
-              <a:buFont typeface="Arial" panose="020B0604020202020204" pitchFamily="34" charset="0"/>
-              <a:buChar char="•"/>
-              <a:defRPr lang="en-US" sz="1200" kern="1200" smtClean="0">
-                <a:solidFill>
-                  <a:schemeClr val="tx1">
-                    <a:lumMod val="75000"/>
-                    <a:lumOff val="25000"/>
-                  </a:schemeClr>
-                </a:solidFill>
-                <a:latin typeface="+mn-lt"/>
-                <a:ea typeface="+mn-ea"/>
-                <a:cs typeface="+mn-cs"/>
-              </a:defRPr>
-            </a:lvl1pPr>
-            <a:lvl2pPr marL="685800" indent="-228600" algn="l" defTabSz="914400" rtl="0" eaLnBrk="1" latinLnBrk="0" hangingPunct="1">
-              <a:lnSpc>
-                <a:spcPts val="1800"/>
-              </a:lnSpc>
-              <a:spcBef>
-                <a:spcPts val="1000"/>
-              </a:spcBef>
-              <a:spcAft>
-                <a:spcPts val="1000"/>
-              </a:spcAft>
-              <a:buFont typeface="Arial" panose="020B0604020202020204" pitchFamily="34" charset="0"/>
-              <a:buChar char="•"/>
-              <a:defRPr lang="en-US" sz="1200" kern="1200" smtClean="0">
-                <a:solidFill>
-                  <a:schemeClr val="tx1">
-                    <a:lumMod val="75000"/>
-                    <a:lumOff val="25000"/>
-                  </a:schemeClr>
-                </a:solidFill>
-                <a:latin typeface="+mn-lt"/>
-                <a:ea typeface="+mn-ea"/>
-                <a:cs typeface="+mn-cs"/>
-              </a:defRPr>
-            </a:lvl2pPr>
-            <a:lvl3pPr marL="1143000" indent="-228600" algn="l" defTabSz="914400" rtl="0" eaLnBrk="1" latinLnBrk="0" hangingPunct="1">
-              <a:lnSpc>
-                <a:spcPts val="1800"/>
-              </a:lnSpc>
-              <a:spcBef>
-                <a:spcPts val="1000"/>
-              </a:spcBef>
-              <a:spcAft>
-                <a:spcPts val="1000"/>
-              </a:spcAft>
-              <a:buFont typeface="Arial" panose="020B0604020202020204" pitchFamily="34" charset="0"/>
-              <a:buChar char="•"/>
-              <a:defRPr lang="en-US" sz="1200" kern="1200" smtClean="0">
-                <a:solidFill>
-                  <a:schemeClr val="tx1">
-                    <a:lumMod val="75000"/>
-                    <a:lumOff val="25000"/>
-                  </a:schemeClr>
-                </a:solidFill>
-                <a:latin typeface="+mn-lt"/>
-                <a:ea typeface="+mn-ea"/>
-                <a:cs typeface="+mn-cs"/>
-              </a:defRPr>
-            </a:lvl3pPr>
-            <a:lvl4pPr marL="1600200" indent="-228600" algn="l" defTabSz="914400" rtl="0" eaLnBrk="1" latinLnBrk="0" hangingPunct="1">
-              <a:lnSpc>
-                <a:spcPts val="1800"/>
-              </a:lnSpc>
-              <a:spcBef>
-                <a:spcPts val="1000"/>
-              </a:spcBef>
-              <a:spcAft>
-                <a:spcPts val="1000"/>
-              </a:spcAft>
-              <a:buFont typeface="Arial" panose="020B0604020202020204" pitchFamily="34" charset="0"/>
-              <a:buChar char="•"/>
-              <a:defRPr lang="en-US" sz="1200" kern="1200" smtClean="0">
-                <a:solidFill>
-                  <a:schemeClr val="tx1">
-                    <a:lumMod val="75000"/>
-                    <a:lumOff val="25000"/>
-                  </a:schemeClr>
-                </a:solidFill>
-                <a:latin typeface="+mn-lt"/>
-                <a:ea typeface="+mn-ea"/>
-                <a:cs typeface="+mn-cs"/>
-              </a:defRPr>
-            </a:lvl4pPr>
-            <a:lvl5pPr marL="2057400" indent="-228600" algn="l" defTabSz="914400" rtl="0" eaLnBrk="1" latinLnBrk="0" hangingPunct="1">
-              <a:lnSpc>
-                <a:spcPts val="1800"/>
-              </a:lnSpc>
-              <a:spcBef>
-                <a:spcPts val="1000"/>
-              </a:spcBef>
-              <a:spcAft>
-                <a:spcPts val="1000"/>
-              </a:spcAft>
-              <a:buFont typeface="Arial" panose="020B0604020202020204" pitchFamily="34" charset="0"/>
-              <a:buChar char="•"/>
-              <a:defRPr lang="en-US" sz="1200" kern="1200">
-                <a:solidFill>
-                  <a:schemeClr val="tx1">
-                    <a:lumMod val="75000"/>
-                    <a:lumOff val="25000"/>
-                  </a:schemeClr>
-                </a:solidFill>
-                <a:latin typeface="+mn-lt"/>
-                <a:ea typeface="+mn-ea"/>
-                <a:cs typeface="+mn-cs"/>
-              </a:defRPr>
-            </a:lvl5pPr>
-            <a:lvl6pPr marL="2514600" indent="-228600" algn="l" defTabSz="914400" rtl="0" eaLnBrk="1" latinLnBrk="0" hangingPunct="1">
-              <a:lnSpc>
-                <a:spcPct val="90000"/>
-              </a:lnSpc>
-              <a:spcBef>
-                <a:spcPct val="30000"/>
-              </a:spcBef>
-              <a:buFont typeface="Arial" panose="020B0604020202020204" pitchFamily="34" charset="0"/>
-              <a:buChar char="•"/>
-              <a:defRPr sz="1800" kern="1200">
-                <a:solidFill>
-                  <a:schemeClr val="tx1"/>
-                </a:solidFill>
-                <a:latin typeface="+mn-lt"/>
-                <a:ea typeface="+mn-ea"/>
-                <a:cs typeface="+mn-cs"/>
-              </a:defRPr>
-            </a:lvl6pPr>
-            <a:lvl7pPr marL="2971800" indent="-228600" algn="l" defTabSz="914400" rtl="0" eaLnBrk="1" latinLnBrk="0" hangingPunct="1">
-              <a:lnSpc>
-                <a:spcPct val="90000"/>
-              </a:lnSpc>
-              <a:spcBef>
-                <a:spcPct val="30000"/>
-              </a:spcBef>
-              <a:buFont typeface="Arial" panose="020B0604020202020204" pitchFamily="34" charset="0"/>
-              <a:buChar char="•"/>
-              <a:defRPr sz="1800" kern="1200">
-                <a:solidFill>
-                  <a:schemeClr val="tx1"/>
-                </a:solidFill>
-                <a:latin typeface="+mn-lt"/>
-                <a:ea typeface="+mn-ea"/>
-                <a:cs typeface="+mn-cs"/>
-              </a:defRPr>
-            </a:lvl7pPr>
-            <a:lvl8pPr marL="3429000" indent="-228600" algn="l" defTabSz="914400" rtl="0" eaLnBrk="1" latinLnBrk="0" hangingPunct="1">
-              <a:lnSpc>
-                <a:spcPct val="90000"/>
-              </a:lnSpc>
-              <a:spcBef>
-                <a:spcPct val="30000"/>
-              </a:spcBef>
-              <a:buFont typeface="Arial" panose="020B0604020202020204" pitchFamily="34" charset="0"/>
-              <a:buChar char="•"/>
-              <a:defRPr sz="1800" kern="1200">
-                <a:solidFill>
-                  <a:schemeClr val="tx1"/>
-                </a:solidFill>
-                <a:latin typeface="+mn-lt"/>
-                <a:ea typeface="+mn-ea"/>
-                <a:cs typeface="+mn-cs"/>
-              </a:defRPr>
-            </a:lvl8pPr>
-            <a:lvl9pPr marL="3886200" indent="-228600" algn="l" defTabSz="914400" rtl="0" eaLnBrk="1" latinLnBrk="0" hangingPunct="1">
-              <a:lnSpc>
-                <a:spcPct val="90000"/>
-              </a:lnSpc>
-              <a:spcBef>
-                <a:spcPct val="30000"/>
-              </a:spcBef>
-              <a:buFont typeface="Arial" panose="020B0604020202020204" pitchFamily="34" charset="0"/>
-              <a:buChar char="•"/>
-              <a:defRPr sz="1800" kern="1200">
-                <a:solidFill>
-                  <a:schemeClr val="tx1"/>
-                </a:solidFill>
-                <a:latin typeface="+mn-lt"/>
-                <a:ea typeface="+mn-ea"/>
-                <a:cs typeface="+mn-cs"/>
-              </a:defRPr>
-            </a:lvl9pPr>
-          </a:lstStyle>
-          <a:p>
-            <a:pPr marL="0" indent="0">
-              <a:spcAft>
-                <a:spcPts val="2000"/>
-              </a:spcAft>
-              <a:buNone/>
-            </a:pPr>
-            <a:r>
-              <a:rPr lang="en-US" sz="1800" dirty="0">
-                <a:solidFill>
-                  <a:prstClr val="black">
-                    <a:lumMod val="75000"/>
-                    <a:lumOff val="25000"/>
-                  </a:prstClr>
-                </a:solidFill>
-                <a:cs typeface="Segoe UI"/>
-              </a:rPr>
-              <a:t>MT,NM,OR,VT,WA,CO,CA,AZ,VA,NV</a:t>
-            </a:r>
-          </a:p>
-        </p:txBody>
-      </p:sp>
-      <p:sp>
-        <p:nvSpPr>
-          <p:cNvPr id="15" name="Content Placeholder 17">
-            <a:extLst>
-              <a:ext uri="{FF2B5EF4-FFF2-40B4-BE49-F238E27FC236}">
-                <a16:creationId xmlns:a16="http://schemas.microsoft.com/office/drawing/2014/main" id="{2AA47883-B99B-40F5-8C1F-1ED564021CBB}"/>
-              </a:ext>
-            </a:extLst>
-          </p:cNvPr>
-          <p:cNvSpPr txBox="1">
-            <a:spLocks/>
-          </p:cNvSpPr>
-          <p:nvPr/>
-        </p:nvSpPr>
-        <p:spPr>
-          <a:xfrm>
-            <a:off x="737547" y="1308746"/>
-            <a:ext cx="1118413" cy="375199"/>
-          </a:xfrm>
-          <a:prstGeom prst="rect">
-            <a:avLst/>
-          </a:prstGeom>
-        </p:spPr>
-        <p:txBody>
-          <a:bodyPr vert="horz" lIns="91440" tIns="45720" rIns="91440" bIns="45720" rtlCol="0">
-            <a:noAutofit/>
-          </a:bodyPr>
-          <a:lstStyle>
-            <a:lvl1pPr marL="228600" indent="-228600" algn="l" defTabSz="914400" rtl="0" eaLnBrk="1" latinLnBrk="0" hangingPunct="1">
-              <a:lnSpc>
-                <a:spcPts val="1800"/>
-              </a:lnSpc>
-              <a:spcBef>
-                <a:spcPts val="1000"/>
-              </a:spcBef>
-              <a:spcAft>
-                <a:spcPts val="1000"/>
-              </a:spcAft>
-              <a:buFont typeface="Arial" panose="020B0604020202020204" pitchFamily="34" charset="0"/>
-              <a:buChar char="•"/>
-              <a:defRPr lang="en-US" sz="1200" kern="1200" smtClean="0">
-                <a:solidFill>
-                  <a:schemeClr val="tx1">
-                    <a:lumMod val="75000"/>
-                    <a:lumOff val="25000"/>
-                  </a:schemeClr>
-                </a:solidFill>
-                <a:latin typeface="+mn-lt"/>
-                <a:ea typeface="+mn-ea"/>
-                <a:cs typeface="+mn-cs"/>
-              </a:defRPr>
-            </a:lvl1pPr>
-            <a:lvl2pPr marL="685800" indent="-228600" algn="l" defTabSz="914400" rtl="0" eaLnBrk="1" latinLnBrk="0" hangingPunct="1">
-              <a:lnSpc>
-                <a:spcPts val="1800"/>
-              </a:lnSpc>
-              <a:spcBef>
-                <a:spcPts val="1000"/>
-              </a:spcBef>
-              <a:spcAft>
-                <a:spcPts val="1000"/>
-              </a:spcAft>
-              <a:buFont typeface="Arial" panose="020B0604020202020204" pitchFamily="34" charset="0"/>
-              <a:buChar char="•"/>
-              <a:defRPr lang="en-US" sz="1200" kern="1200" smtClean="0">
-                <a:solidFill>
-                  <a:schemeClr val="tx1">
-                    <a:lumMod val="75000"/>
-                    <a:lumOff val="25000"/>
-                  </a:schemeClr>
-                </a:solidFill>
-                <a:latin typeface="+mn-lt"/>
-                <a:ea typeface="+mn-ea"/>
-                <a:cs typeface="+mn-cs"/>
-              </a:defRPr>
-            </a:lvl2pPr>
-            <a:lvl3pPr marL="1143000" indent="-228600" algn="l" defTabSz="914400" rtl="0" eaLnBrk="1" latinLnBrk="0" hangingPunct="1">
-              <a:lnSpc>
-                <a:spcPts val="1800"/>
-              </a:lnSpc>
-              <a:spcBef>
-                <a:spcPts val="1000"/>
-              </a:spcBef>
-              <a:spcAft>
-                <a:spcPts val="1000"/>
-              </a:spcAft>
-              <a:buFont typeface="Arial" panose="020B0604020202020204" pitchFamily="34" charset="0"/>
-              <a:buChar char="•"/>
-              <a:defRPr lang="en-US" sz="1200" kern="1200" smtClean="0">
-                <a:solidFill>
-                  <a:schemeClr val="tx1">
-                    <a:lumMod val="75000"/>
-                    <a:lumOff val="25000"/>
-                  </a:schemeClr>
-                </a:solidFill>
-                <a:latin typeface="+mn-lt"/>
-                <a:ea typeface="+mn-ea"/>
-                <a:cs typeface="+mn-cs"/>
-              </a:defRPr>
-            </a:lvl3pPr>
-            <a:lvl4pPr marL="1600200" indent="-228600" algn="l" defTabSz="914400" rtl="0" eaLnBrk="1" latinLnBrk="0" hangingPunct="1">
-              <a:lnSpc>
-                <a:spcPts val="1800"/>
-              </a:lnSpc>
-              <a:spcBef>
-                <a:spcPts val="1000"/>
-              </a:spcBef>
-              <a:spcAft>
-                <a:spcPts val="1000"/>
-              </a:spcAft>
-              <a:buFont typeface="Arial" panose="020B0604020202020204" pitchFamily="34" charset="0"/>
-              <a:buChar char="•"/>
-              <a:defRPr lang="en-US" sz="1200" kern="1200" smtClean="0">
-                <a:solidFill>
-                  <a:schemeClr val="tx1">
-                    <a:lumMod val="75000"/>
-                    <a:lumOff val="25000"/>
-                  </a:schemeClr>
-                </a:solidFill>
-                <a:latin typeface="+mn-lt"/>
-                <a:ea typeface="+mn-ea"/>
-                <a:cs typeface="+mn-cs"/>
-              </a:defRPr>
-            </a:lvl4pPr>
-            <a:lvl5pPr marL="2057400" indent="-228600" algn="l" defTabSz="914400" rtl="0" eaLnBrk="1" latinLnBrk="0" hangingPunct="1">
-              <a:lnSpc>
-                <a:spcPts val="1800"/>
-              </a:lnSpc>
-              <a:spcBef>
-                <a:spcPts val="1000"/>
-              </a:spcBef>
-              <a:spcAft>
-                <a:spcPts val="1000"/>
-              </a:spcAft>
-              <a:buFont typeface="Arial" panose="020B0604020202020204" pitchFamily="34" charset="0"/>
-              <a:buChar char="•"/>
-              <a:defRPr lang="en-US" sz="1200" kern="1200">
-                <a:solidFill>
-                  <a:schemeClr val="tx1">
-                    <a:lumMod val="75000"/>
-                    <a:lumOff val="25000"/>
-                  </a:schemeClr>
-                </a:solidFill>
-                <a:latin typeface="+mn-lt"/>
-                <a:ea typeface="+mn-ea"/>
-                <a:cs typeface="+mn-cs"/>
-              </a:defRPr>
-            </a:lvl5pPr>
-            <a:lvl6pPr marL="2514600" indent="-228600" algn="l" defTabSz="914400" rtl="0" eaLnBrk="1" latinLnBrk="0" hangingPunct="1">
-              <a:lnSpc>
-                <a:spcPct val="90000"/>
-              </a:lnSpc>
-              <a:spcBef>
-                <a:spcPct val="30000"/>
-              </a:spcBef>
-              <a:buFont typeface="Arial" panose="020B0604020202020204" pitchFamily="34" charset="0"/>
-              <a:buChar char="•"/>
-              <a:defRPr sz="1800" kern="1200">
-                <a:solidFill>
-                  <a:schemeClr val="tx1"/>
-                </a:solidFill>
-                <a:latin typeface="+mn-lt"/>
-                <a:ea typeface="+mn-ea"/>
-                <a:cs typeface="+mn-cs"/>
-              </a:defRPr>
-            </a:lvl6pPr>
-            <a:lvl7pPr marL="2971800" indent="-228600" algn="l" defTabSz="914400" rtl="0" eaLnBrk="1" latinLnBrk="0" hangingPunct="1">
-              <a:lnSpc>
-                <a:spcPct val="90000"/>
-              </a:lnSpc>
-              <a:spcBef>
-                <a:spcPct val="30000"/>
-              </a:spcBef>
-              <a:buFont typeface="Arial" panose="020B0604020202020204" pitchFamily="34" charset="0"/>
-              <a:buChar char="•"/>
-              <a:defRPr sz="1800" kern="1200">
-                <a:solidFill>
-                  <a:schemeClr val="tx1"/>
-                </a:solidFill>
-                <a:latin typeface="+mn-lt"/>
-                <a:ea typeface="+mn-ea"/>
-                <a:cs typeface="+mn-cs"/>
-              </a:defRPr>
-            </a:lvl7pPr>
-            <a:lvl8pPr marL="3429000" indent="-228600" algn="l" defTabSz="914400" rtl="0" eaLnBrk="1" latinLnBrk="0" hangingPunct="1">
-              <a:lnSpc>
-                <a:spcPct val="90000"/>
-              </a:lnSpc>
-              <a:spcBef>
-                <a:spcPct val="30000"/>
-              </a:spcBef>
-              <a:buFont typeface="Arial" panose="020B0604020202020204" pitchFamily="34" charset="0"/>
-              <a:buChar char="•"/>
-              <a:defRPr sz="1800" kern="1200">
-                <a:solidFill>
-                  <a:schemeClr val="tx1"/>
-                </a:solidFill>
-                <a:latin typeface="+mn-lt"/>
-                <a:ea typeface="+mn-ea"/>
-                <a:cs typeface="+mn-cs"/>
-              </a:defRPr>
-            </a:lvl8pPr>
-            <a:lvl9pPr marL="3886200" indent="-228600" algn="l" defTabSz="914400" rtl="0" eaLnBrk="1" latinLnBrk="0" hangingPunct="1">
-              <a:lnSpc>
-                <a:spcPct val="90000"/>
-              </a:lnSpc>
-              <a:spcBef>
-                <a:spcPct val="30000"/>
-              </a:spcBef>
-              <a:buFont typeface="Arial" panose="020B0604020202020204" pitchFamily="34" charset="0"/>
-              <a:buChar char="•"/>
-              <a:defRPr sz="1800" kern="1200">
-                <a:solidFill>
-                  <a:schemeClr val="tx1"/>
-                </a:solidFill>
-                <a:latin typeface="+mn-lt"/>
-                <a:ea typeface="+mn-ea"/>
-                <a:cs typeface="+mn-cs"/>
-              </a:defRPr>
-            </a:lvl9pPr>
-          </a:lstStyle>
-          <a:p>
-            <a:pPr marL="0" indent="0">
-              <a:spcAft>
-                <a:spcPts val="2000"/>
-              </a:spcAft>
-              <a:buNone/>
-            </a:pPr>
-            <a:r>
-              <a:rPr lang="en-US" sz="1800" dirty="0">
-                <a:solidFill>
-                  <a:srgbClr val="FF0000"/>
-                </a:solidFill>
-                <a:cs typeface="Segoe UI"/>
-              </a:rPr>
-              <a:t>Cluster 1</a:t>
-            </a:r>
-          </a:p>
-        </p:txBody>
-      </p:sp>
-      <p:sp>
-        <p:nvSpPr>
           <p:cNvPr id="16" name="Content Placeholder 17">
             <a:extLst>
               <a:ext uri="{FF2B5EF4-FFF2-40B4-BE49-F238E27FC236}">
@@ -9581,8 +10581,8 @@
         </p:nvSpPr>
         <p:spPr>
           <a:xfrm>
-            <a:off x="737547" y="2787650"/>
-            <a:ext cx="3562849" cy="641350"/>
+            <a:off x="737547" y="3863957"/>
+            <a:ext cx="3180945" cy="641350"/>
           </a:xfrm>
           <a:prstGeom prst="rect">
             <a:avLst/>
@@ -9803,16 +10803,7 @@
                 </a:solidFill>
                 <a:cs typeface="Segoe UI"/>
               </a:rPr>
-              <a:t>RI,NH,PA,OH,NY,WV,NJ,WY,IN,AR,CT,DE,MA,ME,LA,KY,KS,</a:t>
-            </a:r>
-            <a:r>
-              <a:rPr lang="sv-SE" sz="1800" dirty="0">
-                <a:solidFill>
-                  <a:srgbClr val="00B0F0"/>
-                </a:solidFill>
-                <a:cs typeface="Segoe UI"/>
-              </a:rPr>
-              <a:t>MD,ID,OK</a:t>
+              <a:t>PA,WV,AR,OH,CT,DE,MA,RI, ME,NY,LA,KY,IN,NJ,NH, OK,KS,ID,WY, MD</a:t>
             </a:r>
             <a:endParaRPr lang="en-US" sz="1800" dirty="0">
               <a:solidFill>
@@ -9839,7 +10830,7 @@
         </p:nvSpPr>
         <p:spPr>
           <a:xfrm>
-            <a:off x="737547" y="2412451"/>
+            <a:off x="737547" y="3488758"/>
             <a:ext cx="1118413" cy="375199"/>
           </a:xfrm>
           <a:prstGeom prst="rect">
@@ -10058,7 +11049,7 @@
                 </a:solidFill>
                 <a:cs typeface="Segoe UI"/>
               </a:rPr>
-              <a:t>Cluster 2</a:t>
+              <a:t>Cluster 3</a:t>
             </a:r>
           </a:p>
         </p:txBody>
@@ -10079,8 +11070,8 @@
         </p:nvSpPr>
         <p:spPr>
           <a:xfrm>
-            <a:off x="737547" y="3891356"/>
-            <a:ext cx="3191657" cy="641350"/>
+            <a:off x="706986" y="1596915"/>
+            <a:ext cx="3374011" cy="812846"/>
           </a:xfrm>
           <a:prstGeom prst="rect">
             <a:avLst/>
@@ -10301,7 +11292,7 @@
                 </a:solidFill>
                 <a:cs typeface="Segoe UI"/>
               </a:rPr>
-              <a:t>FL,UT,TX,TN,SD,SC,MS,IL,MN,IA,ND,NC,MI,NE,WI,MO,GA,AL</a:t>
+              <a:t>TN,SD,NC,SC,ND,NE,WI,AL, MS,MN,MI,UT,IA,GA,FL,MO</a:t>
             </a:r>
           </a:p>
         </p:txBody>
@@ -10322,7 +11313,7 @@
         </p:nvSpPr>
         <p:spPr>
           <a:xfrm>
-            <a:off x="737547" y="3516157"/>
+            <a:off x="726835" y="1261721"/>
             <a:ext cx="1118413" cy="375199"/>
           </a:xfrm>
           <a:prstGeom prst="rect">
@@ -10537,62 +11528,15 @@
             <a:r>
               <a:rPr lang="en-US" sz="1800" dirty="0">
                 <a:solidFill>
-                  <a:srgbClr val="FF0000"/>
+                  <a:schemeClr val="accent6"/>
                 </a:solidFill>
                 <a:cs typeface="Segoe UI"/>
               </a:rPr>
-              <a:t>Cluster 3</a:t>
+              <a:t>Cluster 1</a:t>
             </a:r>
           </a:p>
         </p:txBody>
       </p:sp>
-      <p:pic>
-        <p:nvPicPr>
-          <p:cNvPr id="3074" name="Picture 2">
-            <a:extLst>
-              <a:ext uri="{FF2B5EF4-FFF2-40B4-BE49-F238E27FC236}">
-                <a16:creationId xmlns:a16="http://schemas.microsoft.com/office/drawing/2014/main" id="{C6E5EFF1-2A71-4945-B8FC-89BA1A6A1317}"/>
-              </a:ext>
-            </a:extLst>
-          </p:cNvPr>
-          <p:cNvPicPr>
-            <a:picLocks noChangeAspect="1" noChangeArrowheads="1"/>
-          </p:cNvPicPr>
-          <p:nvPr/>
-        </p:nvPicPr>
-        <p:blipFill>
-          <a:blip r:embed="rId2">
-            <a:extLst>
-              <a:ext uri="{28A0092B-C50C-407E-A947-70E740481C1C}">
-                <a14:useLocalDpi xmlns:a14="http://schemas.microsoft.com/office/drawing/2010/main" val="0"/>
-              </a:ext>
-            </a:extLst>
-          </a:blip>
-          <a:srcRect/>
-          <a:stretch>
-            <a:fillRect/>
-          </a:stretch>
-        </p:blipFill>
-        <p:spPr bwMode="auto">
-          <a:xfrm>
-            <a:off x="4270221" y="1412340"/>
-            <a:ext cx="7408750" cy="4725909"/>
-          </a:xfrm>
-          <a:prstGeom prst="rect">
-            <a:avLst/>
-          </a:prstGeom>
-          <a:noFill/>
-          <a:extLst>
-            <a:ext uri="{909E8E84-426E-40DD-AFC4-6F175D3DCCD1}">
-              <a14:hiddenFill xmlns:a14="http://schemas.microsoft.com/office/drawing/2010/main">
-                <a:solidFill>
-                  <a:srgbClr val="FFFFFF"/>
-                </a:solidFill>
-              </a14:hiddenFill>
-            </a:ext>
-          </a:extLst>
-        </p:spPr>
-      </p:pic>
       <p:sp>
         <p:nvSpPr>
           <p:cNvPr id="11" name="Content Placeholder 17">
@@ -10609,8 +11553,8 @@
         </p:nvSpPr>
         <p:spPr>
           <a:xfrm>
-            <a:off x="737547" y="4587230"/>
-            <a:ext cx="3191657" cy="962024"/>
+            <a:off x="752382" y="4745485"/>
+            <a:ext cx="3060200" cy="850794"/>
           </a:xfrm>
           <a:prstGeom prst="rect">
             <a:avLst/>
@@ -10831,7 +11775,520 @@
                 </a:solidFill>
                 <a:cs typeface="Segoe UI"/>
               </a:rPr>
-              <a:t>Maryland (MD), Idaho (ID), and Oklahoma (OK) fall into K-Means red states.</a:t>
+              <a:t>IL,MD,TX,OK,KS,ID, WY moved to different clusters.</a:t>
+            </a:r>
+          </a:p>
+        </p:txBody>
+      </p:sp>
+      <p:pic>
+        <p:nvPicPr>
+          <p:cNvPr id="2" name="Picture 1">
+            <a:extLst>
+              <a:ext uri="{FF2B5EF4-FFF2-40B4-BE49-F238E27FC236}">
+                <a16:creationId xmlns:a16="http://schemas.microsoft.com/office/drawing/2014/main" id="{AD583985-B060-45F0-B3CE-E84164523606}"/>
+              </a:ext>
+            </a:extLst>
+          </p:cNvPr>
+          <p:cNvPicPr>
+            <a:picLocks noChangeAspect="1"/>
+          </p:cNvPicPr>
+          <p:nvPr/>
+        </p:nvPicPr>
+        <p:blipFill>
+          <a:blip r:embed="rId2"/>
+          <a:stretch>
+            <a:fillRect/>
+          </a:stretch>
+        </p:blipFill>
+        <p:spPr>
+          <a:xfrm>
+            <a:off x="4300396" y="1514475"/>
+            <a:ext cx="7022600" cy="3829050"/>
+          </a:xfrm>
+          <a:prstGeom prst="rect">
+            <a:avLst/>
+          </a:prstGeom>
+        </p:spPr>
+      </p:pic>
+      <p:sp>
+        <p:nvSpPr>
+          <p:cNvPr id="18" name="Content Placeholder 17">
+            <a:extLst>
+              <a:ext uri="{FF2B5EF4-FFF2-40B4-BE49-F238E27FC236}">
+                <a16:creationId xmlns:a16="http://schemas.microsoft.com/office/drawing/2014/main" id="{78ADCCDC-701B-4C25-925B-9059100C3335}"/>
+              </a:ext>
+            </a:extLst>
+          </p:cNvPr>
+          <p:cNvSpPr txBox="1">
+            <a:spLocks/>
+          </p:cNvSpPr>
+          <p:nvPr/>
+        </p:nvSpPr>
+        <p:spPr>
+          <a:xfrm>
+            <a:off x="752382" y="2730436"/>
+            <a:ext cx="3328615" cy="641350"/>
+          </a:xfrm>
+          <a:prstGeom prst="rect">
+            <a:avLst/>
+          </a:prstGeom>
+        </p:spPr>
+        <p:txBody>
+          <a:bodyPr vert="horz" lIns="91440" tIns="45720" rIns="91440" bIns="45720" rtlCol="0">
+            <a:normAutofit/>
+          </a:bodyPr>
+          <a:lstStyle>
+            <a:lvl1pPr marL="228600" indent="-228600" algn="l" defTabSz="914400" rtl="0" eaLnBrk="1" latinLnBrk="0" hangingPunct="1">
+              <a:lnSpc>
+                <a:spcPts val="1800"/>
+              </a:lnSpc>
+              <a:spcBef>
+                <a:spcPts val="1000"/>
+              </a:spcBef>
+              <a:spcAft>
+                <a:spcPts val="1000"/>
+              </a:spcAft>
+              <a:buFont typeface="Arial" panose="020B0604020202020204" pitchFamily="34" charset="0"/>
+              <a:buChar char="•"/>
+              <a:defRPr lang="en-US" sz="1200" kern="1200" smtClean="0">
+                <a:solidFill>
+                  <a:schemeClr val="tx1">
+                    <a:lumMod val="75000"/>
+                    <a:lumOff val="25000"/>
+                  </a:schemeClr>
+                </a:solidFill>
+                <a:latin typeface="+mn-lt"/>
+                <a:ea typeface="+mn-ea"/>
+                <a:cs typeface="+mn-cs"/>
+              </a:defRPr>
+            </a:lvl1pPr>
+            <a:lvl2pPr marL="685800" indent="-228600" algn="l" defTabSz="914400" rtl="0" eaLnBrk="1" latinLnBrk="0" hangingPunct="1">
+              <a:lnSpc>
+                <a:spcPts val="1800"/>
+              </a:lnSpc>
+              <a:spcBef>
+                <a:spcPts val="1000"/>
+              </a:spcBef>
+              <a:spcAft>
+                <a:spcPts val="1000"/>
+              </a:spcAft>
+              <a:buFont typeface="Arial" panose="020B0604020202020204" pitchFamily="34" charset="0"/>
+              <a:buChar char="•"/>
+              <a:defRPr lang="en-US" sz="1200" kern="1200" smtClean="0">
+                <a:solidFill>
+                  <a:schemeClr val="tx1">
+                    <a:lumMod val="75000"/>
+                    <a:lumOff val="25000"/>
+                  </a:schemeClr>
+                </a:solidFill>
+                <a:latin typeface="+mn-lt"/>
+                <a:ea typeface="+mn-ea"/>
+                <a:cs typeface="+mn-cs"/>
+              </a:defRPr>
+            </a:lvl2pPr>
+            <a:lvl3pPr marL="1143000" indent="-228600" algn="l" defTabSz="914400" rtl="0" eaLnBrk="1" latinLnBrk="0" hangingPunct="1">
+              <a:lnSpc>
+                <a:spcPts val="1800"/>
+              </a:lnSpc>
+              <a:spcBef>
+                <a:spcPts val="1000"/>
+              </a:spcBef>
+              <a:spcAft>
+                <a:spcPts val="1000"/>
+              </a:spcAft>
+              <a:buFont typeface="Arial" panose="020B0604020202020204" pitchFamily="34" charset="0"/>
+              <a:buChar char="•"/>
+              <a:defRPr lang="en-US" sz="1200" kern="1200" smtClean="0">
+                <a:solidFill>
+                  <a:schemeClr val="tx1">
+                    <a:lumMod val="75000"/>
+                    <a:lumOff val="25000"/>
+                  </a:schemeClr>
+                </a:solidFill>
+                <a:latin typeface="+mn-lt"/>
+                <a:ea typeface="+mn-ea"/>
+                <a:cs typeface="+mn-cs"/>
+              </a:defRPr>
+            </a:lvl3pPr>
+            <a:lvl4pPr marL="1600200" indent="-228600" algn="l" defTabSz="914400" rtl="0" eaLnBrk="1" latinLnBrk="0" hangingPunct="1">
+              <a:lnSpc>
+                <a:spcPts val="1800"/>
+              </a:lnSpc>
+              <a:spcBef>
+                <a:spcPts val="1000"/>
+              </a:spcBef>
+              <a:spcAft>
+                <a:spcPts val="1000"/>
+              </a:spcAft>
+              <a:buFont typeface="Arial" panose="020B0604020202020204" pitchFamily="34" charset="0"/>
+              <a:buChar char="•"/>
+              <a:defRPr lang="en-US" sz="1200" kern="1200" smtClean="0">
+                <a:solidFill>
+                  <a:schemeClr val="tx1">
+                    <a:lumMod val="75000"/>
+                    <a:lumOff val="25000"/>
+                  </a:schemeClr>
+                </a:solidFill>
+                <a:latin typeface="+mn-lt"/>
+                <a:ea typeface="+mn-ea"/>
+                <a:cs typeface="+mn-cs"/>
+              </a:defRPr>
+            </a:lvl4pPr>
+            <a:lvl5pPr marL="2057400" indent="-228600" algn="l" defTabSz="914400" rtl="0" eaLnBrk="1" latinLnBrk="0" hangingPunct="1">
+              <a:lnSpc>
+                <a:spcPts val="1800"/>
+              </a:lnSpc>
+              <a:spcBef>
+                <a:spcPts val="1000"/>
+              </a:spcBef>
+              <a:spcAft>
+                <a:spcPts val="1000"/>
+              </a:spcAft>
+              <a:buFont typeface="Arial" panose="020B0604020202020204" pitchFamily="34" charset="0"/>
+              <a:buChar char="•"/>
+              <a:defRPr lang="en-US" sz="1200" kern="1200">
+                <a:solidFill>
+                  <a:schemeClr val="tx1">
+                    <a:lumMod val="75000"/>
+                    <a:lumOff val="25000"/>
+                  </a:schemeClr>
+                </a:solidFill>
+                <a:latin typeface="+mn-lt"/>
+                <a:ea typeface="+mn-ea"/>
+                <a:cs typeface="+mn-cs"/>
+              </a:defRPr>
+            </a:lvl5pPr>
+            <a:lvl6pPr marL="2514600" indent="-228600" algn="l" defTabSz="914400" rtl="0" eaLnBrk="1" latinLnBrk="0" hangingPunct="1">
+              <a:lnSpc>
+                <a:spcPct val="90000"/>
+              </a:lnSpc>
+              <a:spcBef>
+                <a:spcPct val="30000"/>
+              </a:spcBef>
+              <a:buFont typeface="Arial" panose="020B0604020202020204" pitchFamily="34" charset="0"/>
+              <a:buChar char="•"/>
+              <a:defRPr sz="1800" kern="1200">
+                <a:solidFill>
+                  <a:schemeClr val="tx1"/>
+                </a:solidFill>
+                <a:latin typeface="+mn-lt"/>
+                <a:ea typeface="+mn-ea"/>
+                <a:cs typeface="+mn-cs"/>
+              </a:defRPr>
+            </a:lvl6pPr>
+            <a:lvl7pPr marL="2971800" indent="-228600" algn="l" defTabSz="914400" rtl="0" eaLnBrk="1" latinLnBrk="0" hangingPunct="1">
+              <a:lnSpc>
+                <a:spcPct val="90000"/>
+              </a:lnSpc>
+              <a:spcBef>
+                <a:spcPct val="30000"/>
+              </a:spcBef>
+              <a:buFont typeface="Arial" panose="020B0604020202020204" pitchFamily="34" charset="0"/>
+              <a:buChar char="•"/>
+              <a:defRPr sz="1800" kern="1200">
+                <a:solidFill>
+                  <a:schemeClr val="tx1"/>
+                </a:solidFill>
+                <a:latin typeface="+mn-lt"/>
+                <a:ea typeface="+mn-ea"/>
+                <a:cs typeface="+mn-cs"/>
+              </a:defRPr>
+            </a:lvl7pPr>
+            <a:lvl8pPr marL="3429000" indent="-228600" algn="l" defTabSz="914400" rtl="0" eaLnBrk="1" latinLnBrk="0" hangingPunct="1">
+              <a:lnSpc>
+                <a:spcPct val="90000"/>
+              </a:lnSpc>
+              <a:spcBef>
+                <a:spcPct val="30000"/>
+              </a:spcBef>
+              <a:buFont typeface="Arial" panose="020B0604020202020204" pitchFamily="34" charset="0"/>
+              <a:buChar char="•"/>
+              <a:defRPr sz="1800" kern="1200">
+                <a:solidFill>
+                  <a:schemeClr val="tx1"/>
+                </a:solidFill>
+                <a:latin typeface="+mn-lt"/>
+                <a:ea typeface="+mn-ea"/>
+                <a:cs typeface="+mn-cs"/>
+              </a:defRPr>
+            </a:lvl8pPr>
+            <a:lvl9pPr marL="3886200" indent="-228600" algn="l" defTabSz="914400" rtl="0" eaLnBrk="1" latinLnBrk="0" hangingPunct="1">
+              <a:lnSpc>
+                <a:spcPct val="90000"/>
+              </a:lnSpc>
+              <a:spcBef>
+                <a:spcPct val="30000"/>
+              </a:spcBef>
+              <a:buFont typeface="Arial" panose="020B0604020202020204" pitchFamily="34" charset="0"/>
+              <a:buChar char="•"/>
+              <a:defRPr sz="1800" kern="1200">
+                <a:solidFill>
+                  <a:schemeClr val="tx1"/>
+                </a:solidFill>
+                <a:latin typeface="+mn-lt"/>
+                <a:ea typeface="+mn-ea"/>
+                <a:cs typeface="+mn-cs"/>
+              </a:defRPr>
+            </a:lvl9pPr>
+          </a:lstStyle>
+          <a:p>
+            <a:pPr marL="0" indent="0">
+              <a:spcAft>
+                <a:spcPts val="2000"/>
+              </a:spcAft>
+              <a:buNone/>
+            </a:pPr>
+            <a:r>
+              <a:rPr lang="en-US" sz="1800" dirty="0">
+                <a:solidFill>
+                  <a:prstClr val="black">
+                    <a:lumMod val="75000"/>
+                    <a:lumOff val="25000"/>
+                  </a:prstClr>
+                </a:solidFill>
+                <a:cs typeface="Segoe UI"/>
+              </a:rPr>
+              <a:t>VT,VA,WA,MT,NM,NV,OR,TX, IL,CO,CA,AZ</a:t>
+            </a:r>
+          </a:p>
+        </p:txBody>
+      </p:sp>
+      <p:sp>
+        <p:nvSpPr>
+          <p:cNvPr id="19" name="Content Placeholder 17">
+            <a:extLst>
+              <a:ext uri="{FF2B5EF4-FFF2-40B4-BE49-F238E27FC236}">
+                <a16:creationId xmlns:a16="http://schemas.microsoft.com/office/drawing/2014/main" id="{B3790E1E-14B8-4976-8737-9D1FAF92B692}"/>
+              </a:ext>
+            </a:extLst>
+          </p:cNvPr>
+          <p:cNvSpPr txBox="1">
+            <a:spLocks/>
+          </p:cNvSpPr>
+          <p:nvPr/>
+        </p:nvSpPr>
+        <p:spPr>
+          <a:xfrm>
+            <a:off x="737547" y="2409761"/>
+            <a:ext cx="1118413" cy="375199"/>
+          </a:xfrm>
+          <a:prstGeom prst="rect">
+            <a:avLst/>
+          </a:prstGeom>
+        </p:spPr>
+        <p:txBody>
+          <a:bodyPr vert="horz" lIns="91440" tIns="45720" rIns="91440" bIns="45720" rtlCol="0">
+            <a:noAutofit/>
+          </a:bodyPr>
+          <a:lstStyle>
+            <a:lvl1pPr marL="228600" indent="-228600" algn="l" defTabSz="914400" rtl="0" eaLnBrk="1" latinLnBrk="0" hangingPunct="1">
+              <a:lnSpc>
+                <a:spcPts val="1800"/>
+              </a:lnSpc>
+              <a:spcBef>
+                <a:spcPts val="1000"/>
+              </a:spcBef>
+              <a:spcAft>
+                <a:spcPts val="1000"/>
+              </a:spcAft>
+              <a:buFont typeface="Arial" panose="020B0604020202020204" pitchFamily="34" charset="0"/>
+              <a:buChar char="•"/>
+              <a:defRPr lang="en-US" sz="1200" kern="1200" smtClean="0">
+                <a:solidFill>
+                  <a:schemeClr val="tx1">
+                    <a:lumMod val="75000"/>
+                    <a:lumOff val="25000"/>
+                  </a:schemeClr>
+                </a:solidFill>
+                <a:latin typeface="+mn-lt"/>
+                <a:ea typeface="+mn-ea"/>
+                <a:cs typeface="+mn-cs"/>
+              </a:defRPr>
+            </a:lvl1pPr>
+            <a:lvl2pPr marL="685800" indent="-228600" algn="l" defTabSz="914400" rtl="0" eaLnBrk="1" latinLnBrk="0" hangingPunct="1">
+              <a:lnSpc>
+                <a:spcPts val="1800"/>
+              </a:lnSpc>
+              <a:spcBef>
+                <a:spcPts val="1000"/>
+              </a:spcBef>
+              <a:spcAft>
+                <a:spcPts val="1000"/>
+              </a:spcAft>
+              <a:buFont typeface="Arial" panose="020B0604020202020204" pitchFamily="34" charset="0"/>
+              <a:buChar char="•"/>
+              <a:defRPr lang="en-US" sz="1200" kern="1200" smtClean="0">
+                <a:solidFill>
+                  <a:schemeClr val="tx1">
+                    <a:lumMod val="75000"/>
+                    <a:lumOff val="25000"/>
+                  </a:schemeClr>
+                </a:solidFill>
+                <a:latin typeface="+mn-lt"/>
+                <a:ea typeface="+mn-ea"/>
+                <a:cs typeface="+mn-cs"/>
+              </a:defRPr>
+            </a:lvl2pPr>
+            <a:lvl3pPr marL="1143000" indent="-228600" algn="l" defTabSz="914400" rtl="0" eaLnBrk="1" latinLnBrk="0" hangingPunct="1">
+              <a:lnSpc>
+                <a:spcPts val="1800"/>
+              </a:lnSpc>
+              <a:spcBef>
+                <a:spcPts val="1000"/>
+              </a:spcBef>
+              <a:spcAft>
+                <a:spcPts val="1000"/>
+              </a:spcAft>
+              <a:buFont typeface="Arial" panose="020B0604020202020204" pitchFamily="34" charset="0"/>
+              <a:buChar char="•"/>
+              <a:defRPr lang="en-US" sz="1200" kern="1200" smtClean="0">
+                <a:solidFill>
+                  <a:schemeClr val="tx1">
+                    <a:lumMod val="75000"/>
+                    <a:lumOff val="25000"/>
+                  </a:schemeClr>
+                </a:solidFill>
+                <a:latin typeface="+mn-lt"/>
+                <a:ea typeface="+mn-ea"/>
+                <a:cs typeface="+mn-cs"/>
+              </a:defRPr>
+            </a:lvl3pPr>
+            <a:lvl4pPr marL="1600200" indent="-228600" algn="l" defTabSz="914400" rtl="0" eaLnBrk="1" latinLnBrk="0" hangingPunct="1">
+              <a:lnSpc>
+                <a:spcPts val="1800"/>
+              </a:lnSpc>
+              <a:spcBef>
+                <a:spcPts val="1000"/>
+              </a:spcBef>
+              <a:spcAft>
+                <a:spcPts val="1000"/>
+              </a:spcAft>
+              <a:buFont typeface="Arial" panose="020B0604020202020204" pitchFamily="34" charset="0"/>
+              <a:buChar char="•"/>
+              <a:defRPr lang="en-US" sz="1200" kern="1200" smtClean="0">
+                <a:solidFill>
+                  <a:schemeClr val="tx1">
+                    <a:lumMod val="75000"/>
+                    <a:lumOff val="25000"/>
+                  </a:schemeClr>
+                </a:solidFill>
+                <a:latin typeface="+mn-lt"/>
+                <a:ea typeface="+mn-ea"/>
+                <a:cs typeface="+mn-cs"/>
+              </a:defRPr>
+            </a:lvl4pPr>
+            <a:lvl5pPr marL="2057400" indent="-228600" algn="l" defTabSz="914400" rtl="0" eaLnBrk="1" latinLnBrk="0" hangingPunct="1">
+              <a:lnSpc>
+                <a:spcPts val="1800"/>
+              </a:lnSpc>
+              <a:spcBef>
+                <a:spcPts val="1000"/>
+              </a:spcBef>
+              <a:spcAft>
+                <a:spcPts val="1000"/>
+              </a:spcAft>
+              <a:buFont typeface="Arial" panose="020B0604020202020204" pitchFamily="34" charset="0"/>
+              <a:buChar char="•"/>
+              <a:defRPr lang="en-US" sz="1200" kern="1200">
+                <a:solidFill>
+                  <a:schemeClr val="tx1">
+                    <a:lumMod val="75000"/>
+                    <a:lumOff val="25000"/>
+                  </a:schemeClr>
+                </a:solidFill>
+                <a:latin typeface="+mn-lt"/>
+                <a:ea typeface="+mn-ea"/>
+                <a:cs typeface="+mn-cs"/>
+              </a:defRPr>
+            </a:lvl5pPr>
+            <a:lvl6pPr marL="2514600" indent="-228600" algn="l" defTabSz="914400" rtl="0" eaLnBrk="1" latinLnBrk="0" hangingPunct="1">
+              <a:lnSpc>
+                <a:spcPct val="90000"/>
+              </a:lnSpc>
+              <a:spcBef>
+                <a:spcPct val="30000"/>
+              </a:spcBef>
+              <a:buFont typeface="Arial" panose="020B0604020202020204" pitchFamily="34" charset="0"/>
+              <a:buChar char="•"/>
+              <a:defRPr sz="1800" kern="1200">
+                <a:solidFill>
+                  <a:schemeClr val="tx1"/>
+                </a:solidFill>
+                <a:latin typeface="+mn-lt"/>
+                <a:ea typeface="+mn-ea"/>
+                <a:cs typeface="+mn-cs"/>
+              </a:defRPr>
+            </a:lvl6pPr>
+            <a:lvl7pPr marL="2971800" indent="-228600" algn="l" defTabSz="914400" rtl="0" eaLnBrk="1" latinLnBrk="0" hangingPunct="1">
+              <a:lnSpc>
+                <a:spcPct val="90000"/>
+              </a:lnSpc>
+              <a:spcBef>
+                <a:spcPct val="30000"/>
+              </a:spcBef>
+              <a:buFont typeface="Arial" panose="020B0604020202020204" pitchFamily="34" charset="0"/>
+              <a:buChar char="•"/>
+              <a:defRPr sz="1800" kern="1200">
+                <a:solidFill>
+                  <a:schemeClr val="tx1"/>
+                </a:solidFill>
+                <a:latin typeface="+mn-lt"/>
+                <a:ea typeface="+mn-ea"/>
+                <a:cs typeface="+mn-cs"/>
+              </a:defRPr>
+            </a:lvl7pPr>
+            <a:lvl8pPr marL="3429000" indent="-228600" algn="l" defTabSz="914400" rtl="0" eaLnBrk="1" latinLnBrk="0" hangingPunct="1">
+              <a:lnSpc>
+                <a:spcPct val="90000"/>
+              </a:lnSpc>
+              <a:spcBef>
+                <a:spcPct val="30000"/>
+              </a:spcBef>
+              <a:buFont typeface="Arial" panose="020B0604020202020204" pitchFamily="34" charset="0"/>
+              <a:buChar char="•"/>
+              <a:defRPr sz="1800" kern="1200">
+                <a:solidFill>
+                  <a:schemeClr val="tx1"/>
+                </a:solidFill>
+                <a:latin typeface="+mn-lt"/>
+                <a:ea typeface="+mn-ea"/>
+                <a:cs typeface="+mn-cs"/>
+              </a:defRPr>
+            </a:lvl8pPr>
+            <a:lvl9pPr marL="3886200" indent="-228600" algn="l" defTabSz="914400" rtl="0" eaLnBrk="1" latinLnBrk="0" hangingPunct="1">
+              <a:lnSpc>
+                <a:spcPct val="90000"/>
+              </a:lnSpc>
+              <a:spcBef>
+                <a:spcPct val="30000"/>
+              </a:spcBef>
+              <a:buFont typeface="Arial" panose="020B0604020202020204" pitchFamily="34" charset="0"/>
+              <a:buChar char="•"/>
+              <a:defRPr sz="1800" kern="1200">
+                <a:solidFill>
+                  <a:schemeClr val="tx1"/>
+                </a:solidFill>
+                <a:latin typeface="+mn-lt"/>
+                <a:ea typeface="+mn-ea"/>
+                <a:cs typeface="+mn-cs"/>
+              </a:defRPr>
+            </a:lvl9pPr>
+          </a:lstStyle>
+          <a:p>
+            <a:pPr marL="0" indent="0">
+              <a:spcAft>
+                <a:spcPts val="2000"/>
+              </a:spcAft>
+              <a:buNone/>
+            </a:pPr>
+            <a:r>
+              <a:rPr lang="en-US" sz="1800" dirty="0">
+                <a:solidFill>
+                  <a:srgbClr val="FF0000"/>
+                </a:solidFill>
+                <a:cs typeface="Segoe UI"/>
+              </a:rPr>
+              <a:t>Cluster 2</a:t>
             </a:r>
           </a:p>
         </p:txBody>

--- a/PyschRegionsUS.pptx
+++ b/PyschRegionsUS.pptx
@@ -5,7 +5,7 @@
     <p:sldMasterId id="2147483660" r:id="rId1"/>
   </p:sldMasterIdLst>
   <p:notesMasterIdLst>
-    <p:notesMasterId r:id="rId16"/>
+    <p:notesMasterId r:id="rId15"/>
   </p:notesMasterIdLst>
   <p:sldIdLst>
     <p:sldId id="256" r:id="rId2"/>
@@ -20,8 +20,7 @@
     <p:sldId id="287" r:id="rId11"/>
     <p:sldId id="288" r:id="rId12"/>
     <p:sldId id="284" r:id="rId13"/>
-    <p:sldId id="285" r:id="rId14"/>
-    <p:sldId id="263" r:id="rId15"/>
+    <p:sldId id="263" r:id="rId14"/>
   </p:sldIdLst>
   <p:sldSz cx="12192000" cy="6858000"/>
   <p:notesSz cx="6858000" cy="9144000"/>
@@ -141,7 +140,6 @@
             <p14:sldId id="287"/>
             <p14:sldId id="288"/>
             <p14:sldId id="284"/>
-            <p14:sldId id="285"/>
           </p14:sldIdLst>
         </p14:section>
         <p14:section name="Learn More" id="{2CC34DB2-6590-42C0-AD4B-A04C6060184E}">
@@ -257,7 +255,7 @@
           <a:p>
             <a:fld id="{EC13577B-6902-467D-A26C-08A0DD5E4E03}" type="datetimeFigureOut">
               <a:rPr lang="en-US" smtClean="0"/>
-              <a:t>7/23/2019</a:t>
+              <a:t>7/24/2019</a:t>
             </a:fld>
             <a:endParaRPr lang="en-US" dirty="0"/>
           </a:p>
@@ -691,7 +689,7 @@
           <a:p>
             <a:fld id="{DF61EA0F-A667-4B49-8422-0062BC55E249}" type="slidenum">
               <a:rPr lang="en-US" smtClean="0"/>
-              <a:t>14</a:t>
+              <a:t>13</a:t>
             </a:fld>
             <a:endParaRPr lang="en-US" dirty="0"/>
           </a:p>
@@ -790,7 +788,7 @@
           <a:p>
             <a:fld id="{8BEEBAAA-29B5-4AF5-BC5F-7E580C29002D}" type="datetimeFigureOut">
               <a:rPr lang="en-US" smtClean="0"/>
-              <a:t>7/23/2019</a:t>
+              <a:t>7/24/2019</a:t>
             </a:fld>
             <a:endParaRPr lang="en-US" dirty="0"/>
           </a:p>
@@ -1579,7 +1577,7 @@
           <a:p>
             <a:fld id="{8BEEBAAA-29B5-4AF5-BC5F-7E580C29002D}" type="datetimeFigureOut">
               <a:rPr lang="en-US" smtClean="0"/>
-              <a:t>7/23/2019</a:t>
+              <a:t>7/24/2019</a:t>
             </a:fld>
             <a:endParaRPr lang="en-US" dirty="0"/>
           </a:p>
@@ -2124,7 +2122,7 @@
           <a:p>
             <a:fld id="{8BEEBAAA-29B5-4AF5-BC5F-7E580C29002D}" type="datetimeFigureOut">
               <a:rPr lang="en-US" smtClean="0"/>
-              <a:t>7/23/2019</a:t>
+              <a:t>7/24/2019</a:t>
             </a:fld>
             <a:endParaRPr lang="en-US" dirty="0"/>
           </a:p>
@@ -2638,13 +2636,17 @@
         </p:spPr>
         <p:txBody>
           <a:bodyPr>
-            <a:normAutofit fontScale="92500"/>
+            <a:normAutofit/>
           </a:bodyPr>
           <a:lstStyle/>
           <a:p>
             <a:r>
+              <a:rPr lang="en-US" sz="2600" dirty="0"/>
+              <a:t>How about K-Nearest Neighbors</a:t>
+            </a:r>
+            <a:r>
               <a:rPr lang="en-US" sz="2800" dirty="0"/>
-              <a:t>How about K-Nearest Neighbors?</a:t>
+              <a:t>?</a:t>
             </a:r>
           </a:p>
         </p:txBody>
@@ -3400,8 +3402,8 @@
         </p:blipFill>
         <p:spPr>
           <a:xfrm>
-            <a:off x="5303094" y="1317255"/>
-            <a:ext cx="2733675" cy="1685925"/>
+            <a:off x="5359489" y="1437398"/>
+            <a:ext cx="3239762" cy="1685925"/>
           </a:xfrm>
           <a:prstGeom prst="rect">
             <a:avLst/>
@@ -3524,8 +3526,8 @@
           <a:lstStyle/>
           <a:p>
             <a:r>
-              <a:rPr lang="en-US" sz="2800" dirty="0"/>
-              <a:t>K-Means Clustered Regions</a:t>
+              <a:rPr lang="en-US" dirty="0"/>
+              <a:t>K-Nearest Neighbor Regions</a:t>
             </a:r>
           </a:p>
         </p:txBody>
@@ -4040,8 +4042,8 @@
         </p:nvSpPr>
         <p:spPr>
           <a:xfrm>
-            <a:off x="737547" y="2966644"/>
-            <a:ext cx="3348070" cy="641350"/>
+            <a:off x="737547" y="2880648"/>
+            <a:ext cx="3348070" cy="595431"/>
           </a:xfrm>
           <a:prstGeom prst="rect">
             <a:avLst/>
@@ -4292,7 +4294,7 @@
         </p:nvSpPr>
         <p:spPr>
           <a:xfrm>
-            <a:off x="737547" y="2591445"/>
+            <a:off x="737547" y="2545527"/>
             <a:ext cx="1118413" cy="375199"/>
           </a:xfrm>
           <a:prstGeom prst="rect">
@@ -4532,7 +4534,7 @@
         </p:nvSpPr>
         <p:spPr>
           <a:xfrm>
-            <a:off x="737547" y="3891356"/>
+            <a:off x="755734" y="3704870"/>
             <a:ext cx="3532896" cy="515274"/>
           </a:xfrm>
           <a:prstGeom prst="rect">
@@ -4784,7 +4786,7 @@
         </p:nvSpPr>
         <p:spPr>
           <a:xfrm>
-            <a:off x="737547" y="3516157"/>
+            <a:off x="735792" y="3328557"/>
             <a:ext cx="1118413" cy="375199"/>
           </a:xfrm>
           <a:prstGeom prst="rect">
@@ -5038,6 +5040,249 @@
           </a:prstGeom>
         </p:spPr>
       </p:pic>
+      <p:sp>
+        <p:nvSpPr>
+          <p:cNvPr id="10" name="Content Placeholder 17">
+            <a:extLst>
+              <a:ext uri="{FF2B5EF4-FFF2-40B4-BE49-F238E27FC236}">
+                <a16:creationId xmlns:a16="http://schemas.microsoft.com/office/drawing/2014/main" id="{919D793F-86BD-4676-9E53-954A432D7A6C}"/>
+              </a:ext>
+            </a:extLst>
+          </p:cNvPr>
+          <p:cNvSpPr txBox="1">
+            <a:spLocks/>
+          </p:cNvSpPr>
+          <p:nvPr/>
+        </p:nvSpPr>
+        <p:spPr>
+          <a:xfrm>
+            <a:off x="788739" y="4448935"/>
+            <a:ext cx="3245686" cy="838147"/>
+          </a:xfrm>
+          <a:prstGeom prst="rect">
+            <a:avLst/>
+          </a:prstGeom>
+        </p:spPr>
+        <p:txBody>
+          <a:bodyPr vert="horz" lIns="91440" tIns="45720" rIns="91440" bIns="45720" rtlCol="0">
+            <a:noAutofit/>
+          </a:bodyPr>
+          <a:lstStyle>
+            <a:lvl1pPr marL="228600" indent="-228600" algn="l" defTabSz="914400" rtl="0" eaLnBrk="1" latinLnBrk="0" hangingPunct="1">
+              <a:lnSpc>
+                <a:spcPts val="1800"/>
+              </a:lnSpc>
+              <a:spcBef>
+                <a:spcPts val="1000"/>
+              </a:spcBef>
+              <a:spcAft>
+                <a:spcPts val="1000"/>
+              </a:spcAft>
+              <a:buFont typeface="Arial" panose="020B0604020202020204" pitchFamily="34" charset="0"/>
+              <a:buChar char="•"/>
+              <a:defRPr lang="en-US" sz="1200" kern="1200" smtClean="0">
+                <a:solidFill>
+                  <a:schemeClr val="tx1">
+                    <a:lumMod val="75000"/>
+                    <a:lumOff val="25000"/>
+                  </a:schemeClr>
+                </a:solidFill>
+                <a:latin typeface="+mn-lt"/>
+                <a:ea typeface="+mn-ea"/>
+                <a:cs typeface="+mn-cs"/>
+              </a:defRPr>
+            </a:lvl1pPr>
+            <a:lvl2pPr marL="685800" indent="-228600" algn="l" defTabSz="914400" rtl="0" eaLnBrk="1" latinLnBrk="0" hangingPunct="1">
+              <a:lnSpc>
+                <a:spcPts val="1800"/>
+              </a:lnSpc>
+              <a:spcBef>
+                <a:spcPts val="1000"/>
+              </a:spcBef>
+              <a:spcAft>
+                <a:spcPts val="1000"/>
+              </a:spcAft>
+              <a:buFont typeface="Arial" panose="020B0604020202020204" pitchFamily="34" charset="0"/>
+              <a:buChar char="•"/>
+              <a:defRPr lang="en-US" sz="1200" kern="1200" smtClean="0">
+                <a:solidFill>
+                  <a:schemeClr val="tx1">
+                    <a:lumMod val="75000"/>
+                    <a:lumOff val="25000"/>
+                  </a:schemeClr>
+                </a:solidFill>
+                <a:latin typeface="+mn-lt"/>
+                <a:ea typeface="+mn-ea"/>
+                <a:cs typeface="+mn-cs"/>
+              </a:defRPr>
+            </a:lvl2pPr>
+            <a:lvl3pPr marL="1143000" indent="-228600" algn="l" defTabSz="914400" rtl="0" eaLnBrk="1" latinLnBrk="0" hangingPunct="1">
+              <a:lnSpc>
+                <a:spcPts val="1800"/>
+              </a:lnSpc>
+              <a:spcBef>
+                <a:spcPts val="1000"/>
+              </a:spcBef>
+              <a:spcAft>
+                <a:spcPts val="1000"/>
+              </a:spcAft>
+              <a:buFont typeface="Arial" panose="020B0604020202020204" pitchFamily="34" charset="0"/>
+              <a:buChar char="•"/>
+              <a:defRPr lang="en-US" sz="1200" kern="1200" smtClean="0">
+                <a:solidFill>
+                  <a:schemeClr val="tx1">
+                    <a:lumMod val="75000"/>
+                    <a:lumOff val="25000"/>
+                  </a:schemeClr>
+                </a:solidFill>
+                <a:latin typeface="+mn-lt"/>
+                <a:ea typeface="+mn-ea"/>
+                <a:cs typeface="+mn-cs"/>
+              </a:defRPr>
+            </a:lvl3pPr>
+            <a:lvl4pPr marL="1600200" indent="-228600" algn="l" defTabSz="914400" rtl="0" eaLnBrk="1" latinLnBrk="0" hangingPunct="1">
+              <a:lnSpc>
+                <a:spcPts val="1800"/>
+              </a:lnSpc>
+              <a:spcBef>
+                <a:spcPts val="1000"/>
+              </a:spcBef>
+              <a:spcAft>
+                <a:spcPts val="1000"/>
+              </a:spcAft>
+              <a:buFont typeface="Arial" panose="020B0604020202020204" pitchFamily="34" charset="0"/>
+              <a:buChar char="•"/>
+              <a:defRPr lang="en-US" sz="1200" kern="1200" smtClean="0">
+                <a:solidFill>
+                  <a:schemeClr val="tx1">
+                    <a:lumMod val="75000"/>
+                    <a:lumOff val="25000"/>
+                  </a:schemeClr>
+                </a:solidFill>
+                <a:latin typeface="+mn-lt"/>
+                <a:ea typeface="+mn-ea"/>
+                <a:cs typeface="+mn-cs"/>
+              </a:defRPr>
+            </a:lvl4pPr>
+            <a:lvl5pPr marL="2057400" indent="-228600" algn="l" defTabSz="914400" rtl="0" eaLnBrk="1" latinLnBrk="0" hangingPunct="1">
+              <a:lnSpc>
+                <a:spcPts val="1800"/>
+              </a:lnSpc>
+              <a:spcBef>
+                <a:spcPts val="1000"/>
+              </a:spcBef>
+              <a:spcAft>
+                <a:spcPts val="1000"/>
+              </a:spcAft>
+              <a:buFont typeface="Arial" panose="020B0604020202020204" pitchFamily="34" charset="0"/>
+              <a:buChar char="•"/>
+              <a:defRPr lang="en-US" sz="1200" kern="1200">
+                <a:solidFill>
+                  <a:schemeClr val="tx1">
+                    <a:lumMod val="75000"/>
+                    <a:lumOff val="25000"/>
+                  </a:schemeClr>
+                </a:solidFill>
+                <a:latin typeface="+mn-lt"/>
+                <a:ea typeface="+mn-ea"/>
+                <a:cs typeface="+mn-cs"/>
+              </a:defRPr>
+            </a:lvl5pPr>
+            <a:lvl6pPr marL="2514600" indent="-228600" algn="l" defTabSz="914400" rtl="0" eaLnBrk="1" latinLnBrk="0" hangingPunct="1">
+              <a:lnSpc>
+                <a:spcPct val="90000"/>
+              </a:lnSpc>
+              <a:spcBef>
+                <a:spcPct val="30000"/>
+              </a:spcBef>
+              <a:buFont typeface="Arial" panose="020B0604020202020204" pitchFamily="34" charset="0"/>
+              <a:buChar char="•"/>
+              <a:defRPr sz="1800" kern="1200">
+                <a:solidFill>
+                  <a:schemeClr val="tx1"/>
+                </a:solidFill>
+                <a:latin typeface="+mn-lt"/>
+                <a:ea typeface="+mn-ea"/>
+                <a:cs typeface="+mn-cs"/>
+              </a:defRPr>
+            </a:lvl6pPr>
+            <a:lvl7pPr marL="2971800" indent="-228600" algn="l" defTabSz="914400" rtl="0" eaLnBrk="1" latinLnBrk="0" hangingPunct="1">
+              <a:lnSpc>
+                <a:spcPct val="90000"/>
+              </a:lnSpc>
+              <a:spcBef>
+                <a:spcPct val="30000"/>
+              </a:spcBef>
+              <a:buFont typeface="Arial" panose="020B0604020202020204" pitchFamily="34" charset="0"/>
+              <a:buChar char="•"/>
+              <a:defRPr sz="1800" kern="1200">
+                <a:solidFill>
+                  <a:schemeClr val="tx1"/>
+                </a:solidFill>
+                <a:latin typeface="+mn-lt"/>
+                <a:ea typeface="+mn-ea"/>
+                <a:cs typeface="+mn-cs"/>
+              </a:defRPr>
+            </a:lvl7pPr>
+            <a:lvl8pPr marL="3429000" indent="-228600" algn="l" defTabSz="914400" rtl="0" eaLnBrk="1" latinLnBrk="0" hangingPunct="1">
+              <a:lnSpc>
+                <a:spcPct val="90000"/>
+              </a:lnSpc>
+              <a:spcBef>
+                <a:spcPct val="30000"/>
+              </a:spcBef>
+              <a:buFont typeface="Arial" panose="020B0604020202020204" pitchFamily="34" charset="0"/>
+              <a:buChar char="•"/>
+              <a:defRPr sz="1800" kern="1200">
+                <a:solidFill>
+                  <a:schemeClr val="tx1"/>
+                </a:solidFill>
+                <a:latin typeface="+mn-lt"/>
+                <a:ea typeface="+mn-ea"/>
+                <a:cs typeface="+mn-cs"/>
+              </a:defRPr>
+            </a:lvl8pPr>
+            <a:lvl9pPr marL="3886200" indent="-228600" algn="l" defTabSz="914400" rtl="0" eaLnBrk="1" latinLnBrk="0" hangingPunct="1">
+              <a:lnSpc>
+                <a:spcPct val="90000"/>
+              </a:lnSpc>
+              <a:spcBef>
+                <a:spcPct val="30000"/>
+              </a:spcBef>
+              <a:buFont typeface="Arial" panose="020B0604020202020204" pitchFamily="34" charset="0"/>
+              <a:buChar char="•"/>
+              <a:defRPr sz="1800" kern="1200">
+                <a:solidFill>
+                  <a:schemeClr val="tx1"/>
+                </a:solidFill>
+                <a:latin typeface="+mn-lt"/>
+                <a:ea typeface="+mn-ea"/>
+                <a:cs typeface="+mn-cs"/>
+              </a:defRPr>
+            </a:lvl9pPr>
+          </a:lstStyle>
+          <a:p>
+            <a:pPr marL="0" indent="0">
+              <a:spcAft>
+                <a:spcPts val="2000"/>
+              </a:spcAft>
+              <a:buNone/>
+            </a:pPr>
+            <a:r>
+              <a:rPr lang="en-US" sz="1800" dirty="0">
+                <a:solidFill>
+                  <a:prstClr val="black">
+                    <a:lumMod val="75000"/>
+                    <a:lumOff val="25000"/>
+                  </a:prstClr>
+                </a:solidFill>
+                <a:cs typeface="Segoe UI"/>
+              </a:rPr>
+              <a:t>Most of Mountain, Central, and South East states are nearest neighbors in Cluster 1</a:t>
+            </a:r>
+          </a:p>
+        </p:txBody>
+      </p:sp>
     </p:spTree>
     <p:extLst>
       <p:ext uri="{BB962C8B-B14F-4D97-AF65-F5344CB8AC3E}">
@@ -5122,14 +5367,56 @@
           <a:p>
             <a:r>
               <a:rPr lang="en-US" sz="1800" dirty="0"/>
-              <a:t>K-Means indicates Big Five personalities contributing to the cluster of psychological regions</a:t>
+              <a:t>K-Means clusters m</a:t>
+            </a:r>
+            <a:r>
+              <a:rPr lang="en-US" sz="1800" dirty="0">
+                <a:solidFill>
+                  <a:prstClr val="black">
+                    <a:lumMod val="75000"/>
+                    <a:lumOff val="25000"/>
+                  </a:prstClr>
+                </a:solidFill>
+                <a:cs typeface="Segoe UI"/>
+              </a:rPr>
+              <a:t>ost of Mountain, West coast, and Central states closer</a:t>
             </a:r>
           </a:p>
           <a:p>
             <a:r>
               <a:rPr lang="en-US" sz="1800" dirty="0"/>
-              <a:t>Dendogram linkage matrix clusters on similar lines of K-Means except MD,ID,OK move to red states</a:t>
+              <a:t>Dendogram clusters m</a:t>
             </a:r>
+            <a:r>
+              <a:rPr lang="en-US" sz="1800" dirty="0">
+                <a:solidFill>
+                  <a:prstClr val="black">
+                    <a:lumMod val="75000"/>
+                    <a:lumOff val="25000"/>
+                  </a:prstClr>
+                </a:solidFill>
+                <a:cs typeface="Segoe UI"/>
+              </a:rPr>
+              <a:t>ost of Mountain, West coast, and North East states closer</a:t>
+            </a:r>
+          </a:p>
+          <a:p>
+            <a:r>
+              <a:rPr lang="en-US" sz="1800" dirty="0">
+                <a:solidFill>
+                  <a:prstClr val="black">
+                    <a:lumMod val="75000"/>
+                    <a:lumOff val="25000"/>
+                  </a:prstClr>
+                </a:solidFill>
+                <a:cs typeface="Segoe UI"/>
+              </a:rPr>
+              <a:t>K-Nearest Neighbors classifies most of Mountain, Central, and South East states as nearest neighbors</a:t>
+            </a:r>
+            <a:endParaRPr lang="en-US" sz="1800" dirty="0"/>
+          </a:p>
+          <a:p>
+            <a:endParaRPr lang="en-US" sz="1800" dirty="0"/>
           </a:p>
           <a:p>
             <a:endParaRPr lang="en-US" sz="1800" dirty="0"/>
@@ -5168,87 +5455,6 @@
       </p:grpSpPr>
       <p:sp>
         <p:nvSpPr>
-          <p:cNvPr id="2" name="Text Placeholder 1"/>
-          <p:cNvSpPr>
-            <a:spLocks noGrp="1"/>
-          </p:cNvSpPr>
-          <p:nvPr>
-            <p:ph type="body" idx="1"/>
-          </p:nvPr>
-        </p:nvSpPr>
-        <p:spPr/>
-        <p:txBody>
-          <a:bodyPr/>
-          <a:lstStyle/>
-          <a:p>
-            <a:r>
-              <a:rPr lang="en-US" dirty="0"/>
-              <a:t>Conclusions</a:t>
-            </a:r>
-          </a:p>
-        </p:txBody>
-      </p:sp>
-      <p:sp>
-        <p:nvSpPr>
-          <p:cNvPr id="3" name="Content Placeholder 2"/>
-          <p:cNvSpPr>
-            <a:spLocks noGrp="1"/>
-          </p:cNvSpPr>
-          <p:nvPr>
-            <p:ph sz="half" idx="2"/>
-          </p:nvPr>
-        </p:nvSpPr>
-        <p:spPr>
-          <a:xfrm>
-            <a:off x="541611" y="1431010"/>
-            <a:ext cx="4413626" cy="443057"/>
-          </a:xfrm>
-        </p:spPr>
-        <p:txBody>
-          <a:bodyPr>
-            <a:normAutofit/>
-          </a:bodyPr>
-          <a:lstStyle/>
-          <a:p>
-            <a:r>
-              <a:rPr lang="en-US" sz="1800" dirty="0"/>
-              <a:t>For future exploration I would like to…</a:t>
-            </a:r>
-          </a:p>
-        </p:txBody>
-      </p:sp>
-    </p:spTree>
-    <p:extLst>
-      <p:ext uri="{BB962C8B-B14F-4D97-AF65-F5344CB8AC3E}">
-        <p14:creationId xmlns:p14="http://schemas.microsoft.com/office/powerpoint/2010/main" val="1179366839"/>
-      </p:ext>
-    </p:extLst>
-  </p:cSld>
-  <p:clrMapOvr>
-    <a:masterClrMapping/>
-  </p:clrMapOvr>
-</p:sld>
-</file>
-
-<file path=ppt/slides/slide14.xml><?xml version="1.0" encoding="utf-8"?>
-<p:sld xmlns:a="http://schemas.openxmlformats.org/drawingml/2006/main" xmlns:r="http://schemas.openxmlformats.org/officeDocument/2006/relationships" xmlns:p="http://schemas.openxmlformats.org/presentationml/2006/main">
-  <p:cSld>
-    <p:spTree>
-      <p:nvGrpSpPr>
-        <p:cNvPr id="1" name=""/>
-        <p:cNvGrpSpPr/>
-        <p:nvPr/>
-      </p:nvGrpSpPr>
-      <p:grpSpPr>
-        <a:xfrm>
-          <a:off x="0" y="0"/>
-          <a:ext cx="0" cy="0"/>
-          <a:chOff x="0" y="0"/>
-          <a:chExt cx="0" cy="0"/>
-        </a:xfrm>
-      </p:grpSpPr>
-      <p:sp>
-        <p:nvSpPr>
           <p:cNvPr id="6" name="Text Placeholder 5"/>
           <p:cNvSpPr>
             <a:spLocks noGrp="1"/>
@@ -5269,7 +5475,7 @@
           <a:p>
             <a:r>
               <a:rPr lang="en-US" dirty="0"/>
-              <a:t>More questions about our Dashboard?</a:t>
+              <a:t>Questions?</a:t>
             </a:r>
           </a:p>
         </p:txBody>
@@ -5518,13 +5724,6 @@
             <a:pPr fontAlgn="base"/>
             <a:r>
               <a:rPr lang="en-US" sz="1800" dirty="0"/>
-              <a:t>How additional factors contribute to the Psychological clusters?</a:t>
-            </a:r>
-          </a:p>
-          <a:p>
-            <a:pPr fontAlgn="base"/>
-            <a:r>
-              <a:rPr lang="en-US" sz="1800" dirty="0"/>
               <a:t>How different clusters compare with each other?</a:t>
             </a:r>
           </a:p>
@@ -6461,7 +6660,7 @@
         </p:blipFill>
         <p:spPr>
           <a:xfrm>
-            <a:off x="4955237" y="1528554"/>
+            <a:off x="4410488" y="1341801"/>
             <a:ext cx="5395747" cy="4381915"/>
           </a:xfrm>
           <a:prstGeom prst="rect">
@@ -6517,7 +6716,7 @@
           <a:lstStyle/>
           <a:p>
             <a:r>
-              <a:rPr lang="en-US" sz="2800" dirty="0"/>
+              <a:rPr lang="en-US" dirty="0"/>
               <a:t>K-Means Clustering</a:t>
             </a:r>
           </a:p>
@@ -7530,7 +7729,7 @@
         </p:blipFill>
         <p:spPr>
           <a:xfrm>
-            <a:off x="5420139" y="2057887"/>
+            <a:off x="4620631" y="1834026"/>
             <a:ext cx="5112735" cy="3521277"/>
           </a:xfrm>
           <a:prstGeom prst="rect">
@@ -8578,8 +8777,8 @@
         </p:nvSpPr>
         <p:spPr>
           <a:xfrm>
-            <a:off x="593289" y="1482547"/>
-            <a:ext cx="2025335" cy="989049"/>
+            <a:off x="959616" y="1482548"/>
+            <a:ext cx="1773754" cy="822908"/>
           </a:xfrm>
           <a:prstGeom prst="rect">
             <a:avLst/>
@@ -8790,7 +8989,7 @@
             </a:pPr>
             <a:r>
               <a:rPr lang="en-US" sz="1800" dirty="0"/>
-              <a:t>Big Five personalities in the clusters</a:t>
+              <a:t>Predicted clusters in scatter plots</a:t>
             </a:r>
           </a:p>
         </p:txBody>
@@ -8945,6 +9144,473 @@
           </a:prstGeom>
         </p:spPr>
       </p:pic>
+      <p:grpSp>
+        <p:nvGrpSpPr>
+          <p:cNvPr id="15" name="Group 14">
+            <a:extLst>
+              <a:ext uri="{FF2B5EF4-FFF2-40B4-BE49-F238E27FC236}">
+                <a16:creationId xmlns:a16="http://schemas.microsoft.com/office/drawing/2014/main" id="{A24F9B0B-246B-4010-8713-735ADC190074}"/>
+              </a:ext>
+            </a:extLst>
+          </p:cNvPr>
+          <p:cNvGrpSpPr/>
+          <p:nvPr/>
+        </p:nvGrpSpPr>
+        <p:grpSpPr>
+          <a:xfrm>
+            <a:off x="519351" y="1494069"/>
+            <a:ext cx="558179" cy="409838"/>
+            <a:chOff x="6953426" y="711274"/>
+            <a:chExt cx="558179" cy="409838"/>
+          </a:xfrm>
+        </p:grpSpPr>
+        <p:sp>
+          <p:nvSpPr>
+            <p:cNvPr id="18" name="Oval 17">
+              <a:extLst>
+                <a:ext uri="{FF2B5EF4-FFF2-40B4-BE49-F238E27FC236}">
+                  <a16:creationId xmlns:a16="http://schemas.microsoft.com/office/drawing/2014/main" id="{0907337B-1060-4481-8CC9-4B75B22497CF}"/>
+                </a:ext>
+              </a:extLst>
+            </p:cNvPr>
+            <p:cNvSpPr/>
+            <p:nvPr/>
+          </p:nvSpPr>
+          <p:spPr>
+            <a:xfrm>
+              <a:off x="7025069" y="711274"/>
+              <a:ext cx="409838" cy="409838"/>
+            </a:xfrm>
+            <a:prstGeom prst="ellipse">
+              <a:avLst/>
+            </a:prstGeom>
+            <a:solidFill>
+              <a:srgbClr val="D24726"/>
+            </a:solidFill>
+            <a:ln>
+              <a:noFill/>
+            </a:ln>
+          </p:spPr>
+          <p:style>
+            <a:lnRef idx="2">
+              <a:schemeClr val="accent1">
+                <a:shade val="50000"/>
+              </a:schemeClr>
+            </a:lnRef>
+            <a:fillRef idx="1">
+              <a:schemeClr val="accent1"/>
+            </a:fillRef>
+            <a:effectRef idx="0">
+              <a:schemeClr val="accent1"/>
+            </a:effectRef>
+            <a:fontRef idx="minor">
+              <a:schemeClr val="lt1"/>
+            </a:fontRef>
+          </p:style>
+          <p:txBody>
+            <a:bodyPr rtlCol="0" anchor="ctr"/>
+            <a:lstStyle/>
+            <a:p>
+              <a:pPr algn="ctr"/>
+              <a:endParaRPr lang="en-US" dirty="0"/>
+            </a:p>
+          </p:txBody>
+        </p:sp>
+        <p:sp>
+          <p:nvSpPr>
+            <p:cNvPr id="19" name="TextBox 18">
+              <a:extLst>
+                <a:ext uri="{FF2B5EF4-FFF2-40B4-BE49-F238E27FC236}">
+                  <a16:creationId xmlns:a16="http://schemas.microsoft.com/office/drawing/2014/main" id="{7FF769A6-36F1-42D1-B82F-7D5F9AABAD5F}"/>
+                </a:ext>
+              </a:extLst>
+            </p:cNvPr>
+            <p:cNvSpPr txBox="1">
+              <a:spLocks noChangeAspect="1"/>
+            </p:cNvSpPr>
+            <p:nvPr/>
+          </p:nvSpPr>
+          <p:spPr>
+            <a:xfrm>
+              <a:off x="6953426" y="727564"/>
+              <a:ext cx="558179" cy="369332"/>
+            </a:xfrm>
+            <a:prstGeom prst="rect">
+              <a:avLst/>
+            </a:prstGeom>
+            <a:noFill/>
+          </p:spPr>
+          <p:txBody>
+            <a:bodyPr wrap="square" rtlCol="0">
+              <a:spAutoFit/>
+            </a:bodyPr>
+            <a:lstStyle/>
+            <a:p>
+              <a:pPr algn="ctr"/>
+              <a:r>
+                <a:rPr lang="en-US" dirty="0">
+                  <a:solidFill>
+                    <a:schemeClr val="bg1"/>
+                  </a:solidFill>
+                  <a:latin typeface="Segoe UI Semibold" panose="020B0702040204020203" pitchFamily="34" charset="0"/>
+                  <a:cs typeface="Segoe UI Semibold" panose="020B0702040204020203" pitchFamily="34" charset="0"/>
+                </a:rPr>
+                <a:t>1</a:t>
+              </a:r>
+            </a:p>
+          </p:txBody>
+        </p:sp>
+      </p:grpSp>
+      <p:sp>
+        <p:nvSpPr>
+          <p:cNvPr id="20" name="Content Placeholder 2">
+            <a:extLst>
+              <a:ext uri="{FF2B5EF4-FFF2-40B4-BE49-F238E27FC236}">
+                <a16:creationId xmlns:a16="http://schemas.microsoft.com/office/drawing/2014/main" id="{2930C2D9-9C0D-4CD9-B469-1EA3A1693189}"/>
+              </a:ext>
+            </a:extLst>
+          </p:cNvPr>
+          <p:cNvSpPr txBox="1">
+            <a:spLocks/>
+          </p:cNvSpPr>
+          <p:nvPr/>
+        </p:nvSpPr>
+        <p:spPr>
+          <a:xfrm>
+            <a:off x="952153" y="2355925"/>
+            <a:ext cx="1773754" cy="822908"/>
+          </a:xfrm>
+          <a:prstGeom prst="rect">
+            <a:avLst/>
+          </a:prstGeom>
+        </p:spPr>
+        <p:txBody>
+          <a:bodyPr vert="horz" lIns="91440" tIns="45720" rIns="91440" bIns="45720" rtlCol="0">
+            <a:noAutofit/>
+          </a:bodyPr>
+          <a:lstStyle>
+            <a:lvl1pPr marL="228600" indent="-228600" algn="l" defTabSz="914400" rtl="0" eaLnBrk="1" latinLnBrk="0" hangingPunct="1">
+              <a:lnSpc>
+                <a:spcPts val="1800"/>
+              </a:lnSpc>
+              <a:spcBef>
+                <a:spcPts val="1000"/>
+              </a:spcBef>
+              <a:spcAft>
+                <a:spcPts val="1000"/>
+              </a:spcAft>
+              <a:buFont typeface="Arial" panose="020B0604020202020204" pitchFamily="34" charset="0"/>
+              <a:buChar char="•"/>
+              <a:defRPr lang="en-US" sz="1200" kern="1200" smtClean="0">
+                <a:solidFill>
+                  <a:schemeClr val="tx1">
+                    <a:lumMod val="75000"/>
+                    <a:lumOff val="25000"/>
+                  </a:schemeClr>
+                </a:solidFill>
+                <a:latin typeface="+mn-lt"/>
+                <a:ea typeface="+mn-ea"/>
+                <a:cs typeface="+mn-cs"/>
+              </a:defRPr>
+            </a:lvl1pPr>
+            <a:lvl2pPr marL="685800" indent="-228600" algn="l" defTabSz="914400" rtl="0" eaLnBrk="1" latinLnBrk="0" hangingPunct="1">
+              <a:lnSpc>
+                <a:spcPts val="1800"/>
+              </a:lnSpc>
+              <a:spcBef>
+                <a:spcPts val="1000"/>
+              </a:spcBef>
+              <a:spcAft>
+                <a:spcPts val="1000"/>
+              </a:spcAft>
+              <a:buFont typeface="Arial" panose="020B0604020202020204" pitchFamily="34" charset="0"/>
+              <a:buChar char="•"/>
+              <a:defRPr lang="en-US" sz="1200" kern="1200" smtClean="0">
+                <a:solidFill>
+                  <a:schemeClr val="tx1">
+                    <a:lumMod val="75000"/>
+                    <a:lumOff val="25000"/>
+                  </a:schemeClr>
+                </a:solidFill>
+                <a:latin typeface="+mn-lt"/>
+                <a:ea typeface="+mn-ea"/>
+                <a:cs typeface="+mn-cs"/>
+              </a:defRPr>
+            </a:lvl2pPr>
+            <a:lvl3pPr marL="1143000" indent="-228600" algn="l" defTabSz="914400" rtl="0" eaLnBrk="1" latinLnBrk="0" hangingPunct="1">
+              <a:lnSpc>
+                <a:spcPts val="1800"/>
+              </a:lnSpc>
+              <a:spcBef>
+                <a:spcPts val="1000"/>
+              </a:spcBef>
+              <a:spcAft>
+                <a:spcPts val="1000"/>
+              </a:spcAft>
+              <a:buFont typeface="Arial" panose="020B0604020202020204" pitchFamily="34" charset="0"/>
+              <a:buChar char="•"/>
+              <a:defRPr lang="en-US" sz="1200" kern="1200" smtClean="0">
+                <a:solidFill>
+                  <a:schemeClr val="tx1">
+                    <a:lumMod val="75000"/>
+                    <a:lumOff val="25000"/>
+                  </a:schemeClr>
+                </a:solidFill>
+                <a:latin typeface="+mn-lt"/>
+                <a:ea typeface="+mn-ea"/>
+                <a:cs typeface="+mn-cs"/>
+              </a:defRPr>
+            </a:lvl3pPr>
+            <a:lvl4pPr marL="1600200" indent="-228600" algn="l" defTabSz="914400" rtl="0" eaLnBrk="1" latinLnBrk="0" hangingPunct="1">
+              <a:lnSpc>
+                <a:spcPts val="1800"/>
+              </a:lnSpc>
+              <a:spcBef>
+                <a:spcPts val="1000"/>
+              </a:spcBef>
+              <a:spcAft>
+                <a:spcPts val="1000"/>
+              </a:spcAft>
+              <a:buFont typeface="Arial" panose="020B0604020202020204" pitchFamily="34" charset="0"/>
+              <a:buChar char="•"/>
+              <a:defRPr lang="en-US" sz="1200" kern="1200" smtClean="0">
+                <a:solidFill>
+                  <a:schemeClr val="tx1">
+                    <a:lumMod val="75000"/>
+                    <a:lumOff val="25000"/>
+                  </a:schemeClr>
+                </a:solidFill>
+                <a:latin typeface="+mn-lt"/>
+                <a:ea typeface="+mn-ea"/>
+                <a:cs typeface="+mn-cs"/>
+              </a:defRPr>
+            </a:lvl4pPr>
+            <a:lvl5pPr marL="2057400" indent="-228600" algn="l" defTabSz="914400" rtl="0" eaLnBrk="1" latinLnBrk="0" hangingPunct="1">
+              <a:lnSpc>
+                <a:spcPts val="1800"/>
+              </a:lnSpc>
+              <a:spcBef>
+                <a:spcPts val="1000"/>
+              </a:spcBef>
+              <a:spcAft>
+                <a:spcPts val="1000"/>
+              </a:spcAft>
+              <a:buFont typeface="Arial" panose="020B0604020202020204" pitchFamily="34" charset="0"/>
+              <a:buChar char="•"/>
+              <a:defRPr lang="en-US" sz="1200" kern="1200">
+                <a:solidFill>
+                  <a:schemeClr val="tx1">
+                    <a:lumMod val="75000"/>
+                    <a:lumOff val="25000"/>
+                  </a:schemeClr>
+                </a:solidFill>
+                <a:latin typeface="+mn-lt"/>
+                <a:ea typeface="+mn-ea"/>
+                <a:cs typeface="+mn-cs"/>
+              </a:defRPr>
+            </a:lvl5pPr>
+            <a:lvl6pPr marL="2514600" indent="-228600" algn="l" defTabSz="914400" rtl="0" eaLnBrk="1" latinLnBrk="0" hangingPunct="1">
+              <a:lnSpc>
+                <a:spcPct val="90000"/>
+              </a:lnSpc>
+              <a:spcBef>
+                <a:spcPct val="30000"/>
+              </a:spcBef>
+              <a:buFont typeface="Arial" panose="020B0604020202020204" pitchFamily="34" charset="0"/>
+              <a:buChar char="•"/>
+              <a:defRPr sz="1800" kern="1200">
+                <a:solidFill>
+                  <a:schemeClr val="tx1"/>
+                </a:solidFill>
+                <a:latin typeface="+mn-lt"/>
+                <a:ea typeface="+mn-ea"/>
+                <a:cs typeface="+mn-cs"/>
+              </a:defRPr>
+            </a:lvl6pPr>
+            <a:lvl7pPr marL="2971800" indent="-228600" algn="l" defTabSz="914400" rtl="0" eaLnBrk="1" latinLnBrk="0" hangingPunct="1">
+              <a:lnSpc>
+                <a:spcPct val="90000"/>
+              </a:lnSpc>
+              <a:spcBef>
+                <a:spcPct val="30000"/>
+              </a:spcBef>
+              <a:buFont typeface="Arial" panose="020B0604020202020204" pitchFamily="34" charset="0"/>
+              <a:buChar char="•"/>
+              <a:defRPr sz="1800" kern="1200">
+                <a:solidFill>
+                  <a:schemeClr val="tx1"/>
+                </a:solidFill>
+                <a:latin typeface="+mn-lt"/>
+                <a:ea typeface="+mn-ea"/>
+                <a:cs typeface="+mn-cs"/>
+              </a:defRPr>
+            </a:lvl7pPr>
+            <a:lvl8pPr marL="3429000" indent="-228600" algn="l" defTabSz="914400" rtl="0" eaLnBrk="1" latinLnBrk="0" hangingPunct="1">
+              <a:lnSpc>
+                <a:spcPct val="90000"/>
+              </a:lnSpc>
+              <a:spcBef>
+                <a:spcPct val="30000"/>
+              </a:spcBef>
+              <a:buFont typeface="Arial" panose="020B0604020202020204" pitchFamily="34" charset="0"/>
+              <a:buChar char="•"/>
+              <a:defRPr sz="1800" kern="1200">
+                <a:solidFill>
+                  <a:schemeClr val="tx1"/>
+                </a:solidFill>
+                <a:latin typeface="+mn-lt"/>
+                <a:ea typeface="+mn-ea"/>
+                <a:cs typeface="+mn-cs"/>
+              </a:defRPr>
+            </a:lvl8pPr>
+            <a:lvl9pPr marL="3886200" indent="-228600" algn="l" defTabSz="914400" rtl="0" eaLnBrk="1" latinLnBrk="0" hangingPunct="1">
+              <a:lnSpc>
+                <a:spcPct val="90000"/>
+              </a:lnSpc>
+              <a:spcBef>
+                <a:spcPct val="30000"/>
+              </a:spcBef>
+              <a:buFont typeface="Arial" panose="020B0604020202020204" pitchFamily="34" charset="0"/>
+              <a:buChar char="•"/>
+              <a:defRPr sz="1800" kern="1200">
+                <a:solidFill>
+                  <a:schemeClr val="tx1"/>
+                </a:solidFill>
+                <a:latin typeface="+mn-lt"/>
+                <a:ea typeface="+mn-ea"/>
+                <a:cs typeface="+mn-cs"/>
+              </a:defRPr>
+            </a:lvl9pPr>
+          </a:lstStyle>
+          <a:p>
+            <a:pPr marL="0" indent="0">
+              <a:buFont typeface="Arial" panose="020B0604020202020204" pitchFamily="34" charset="0"/>
+              <a:buNone/>
+            </a:pPr>
+            <a:r>
+              <a:rPr lang="en-US" sz="1800" dirty="0"/>
+              <a:t>Big five personalities in each plot</a:t>
+            </a:r>
+          </a:p>
+        </p:txBody>
+      </p:sp>
+      <p:grpSp>
+        <p:nvGrpSpPr>
+          <p:cNvPr id="21" name="Group 20">
+            <a:extLst>
+              <a:ext uri="{FF2B5EF4-FFF2-40B4-BE49-F238E27FC236}">
+                <a16:creationId xmlns:a16="http://schemas.microsoft.com/office/drawing/2014/main" id="{7C48BD52-8119-433C-99FC-1CB43769C39D}"/>
+              </a:ext>
+            </a:extLst>
+          </p:cNvPr>
+          <p:cNvGrpSpPr/>
+          <p:nvPr/>
+        </p:nvGrpSpPr>
+        <p:grpSpPr>
+          <a:xfrm>
+            <a:off x="511888" y="2367446"/>
+            <a:ext cx="558179" cy="409838"/>
+            <a:chOff x="6953426" y="711274"/>
+            <a:chExt cx="558179" cy="409838"/>
+          </a:xfrm>
+        </p:grpSpPr>
+        <p:sp>
+          <p:nvSpPr>
+            <p:cNvPr id="22" name="Oval 21">
+              <a:extLst>
+                <a:ext uri="{FF2B5EF4-FFF2-40B4-BE49-F238E27FC236}">
+                  <a16:creationId xmlns:a16="http://schemas.microsoft.com/office/drawing/2014/main" id="{45AAC1B5-5FB0-4B33-8CC4-2E0D41BFC03F}"/>
+                </a:ext>
+              </a:extLst>
+            </p:cNvPr>
+            <p:cNvSpPr/>
+            <p:nvPr/>
+          </p:nvSpPr>
+          <p:spPr>
+            <a:xfrm>
+              <a:off x="7025069" y="711274"/>
+              <a:ext cx="409838" cy="409838"/>
+            </a:xfrm>
+            <a:prstGeom prst="ellipse">
+              <a:avLst/>
+            </a:prstGeom>
+            <a:solidFill>
+              <a:srgbClr val="D24726"/>
+            </a:solidFill>
+            <a:ln>
+              <a:noFill/>
+            </a:ln>
+          </p:spPr>
+          <p:style>
+            <a:lnRef idx="2">
+              <a:schemeClr val="accent1">
+                <a:shade val="50000"/>
+              </a:schemeClr>
+            </a:lnRef>
+            <a:fillRef idx="1">
+              <a:schemeClr val="accent1"/>
+            </a:fillRef>
+            <a:effectRef idx="0">
+              <a:schemeClr val="accent1"/>
+            </a:effectRef>
+            <a:fontRef idx="minor">
+              <a:schemeClr val="lt1"/>
+            </a:fontRef>
+          </p:style>
+          <p:txBody>
+            <a:bodyPr rtlCol="0" anchor="ctr"/>
+            <a:lstStyle/>
+            <a:p>
+              <a:pPr algn="ctr"/>
+              <a:endParaRPr lang="en-US" dirty="0"/>
+            </a:p>
+          </p:txBody>
+        </p:sp>
+        <p:sp>
+          <p:nvSpPr>
+            <p:cNvPr id="23" name="TextBox 22">
+              <a:extLst>
+                <a:ext uri="{FF2B5EF4-FFF2-40B4-BE49-F238E27FC236}">
+                  <a16:creationId xmlns:a16="http://schemas.microsoft.com/office/drawing/2014/main" id="{5365D0C8-C715-4942-9D72-B89337BCA3E2}"/>
+                </a:ext>
+              </a:extLst>
+            </p:cNvPr>
+            <p:cNvSpPr txBox="1">
+              <a:spLocks noChangeAspect="1"/>
+            </p:cNvSpPr>
+            <p:nvPr/>
+          </p:nvSpPr>
+          <p:spPr>
+            <a:xfrm>
+              <a:off x="6953426" y="727564"/>
+              <a:ext cx="558179" cy="369332"/>
+            </a:xfrm>
+            <a:prstGeom prst="rect">
+              <a:avLst/>
+            </a:prstGeom>
+            <a:noFill/>
+          </p:spPr>
+          <p:txBody>
+            <a:bodyPr wrap="square" rtlCol="0">
+              <a:spAutoFit/>
+            </a:bodyPr>
+            <a:lstStyle/>
+            <a:p>
+              <a:pPr algn="ctr"/>
+              <a:r>
+                <a:rPr lang="en-US" dirty="0">
+                  <a:solidFill>
+                    <a:schemeClr val="bg1"/>
+                  </a:solidFill>
+                  <a:latin typeface="Segoe UI Semibold" panose="020B0702040204020203" pitchFamily="34" charset="0"/>
+                  <a:cs typeface="Segoe UI Semibold" panose="020B0702040204020203" pitchFamily="34" charset="0"/>
+                </a:rPr>
+                <a:t>2</a:t>
+              </a:r>
+            </a:p>
+          </p:txBody>
+        </p:sp>
+      </p:grpSp>
     </p:spTree>
     <p:extLst>
       <p:ext uri="{BB962C8B-B14F-4D97-AF65-F5344CB8AC3E}">
@@ -8993,7 +9659,7 @@
           <a:lstStyle/>
           <a:p>
             <a:r>
-              <a:rPr lang="en-US" sz="2800" dirty="0"/>
+              <a:rPr lang="en-US" dirty="0"/>
               <a:t>K-Means Clustered Regions</a:t>
             </a:r>
           </a:p>
@@ -9015,8 +9681,8 @@
         </p:nvSpPr>
         <p:spPr>
           <a:xfrm>
-            <a:off x="737547" y="1683945"/>
-            <a:ext cx="3121671" cy="641350"/>
+            <a:off x="737548" y="1683945"/>
+            <a:ext cx="3017330" cy="641350"/>
           </a:xfrm>
           <a:prstGeom prst="rect">
             <a:avLst/>
@@ -9482,7 +10148,7 @@
             <a:r>
               <a:rPr lang="en-US" sz="1800" dirty="0">
                 <a:solidFill>
-                  <a:schemeClr val="bg1">
+                  <a:schemeClr val="accent3">
                     <a:lumMod val="50000"/>
                   </a:schemeClr>
                 </a:solidFill>
@@ -10459,7 +11125,7 @@
             <a:r>
               <a:rPr lang="en-US" sz="1800" dirty="0">
                 <a:solidFill>
-                  <a:srgbClr val="D24726"/>
+                  <a:srgbClr val="C00000"/>
                 </a:solidFill>
                 <a:cs typeface="Segoe UI"/>
               </a:rPr>
@@ -10498,6 +11164,249 @@
           </a:prstGeom>
         </p:spPr>
       </p:pic>
+      <p:sp>
+        <p:nvSpPr>
+          <p:cNvPr id="10" name="Content Placeholder 17">
+            <a:extLst>
+              <a:ext uri="{FF2B5EF4-FFF2-40B4-BE49-F238E27FC236}">
+                <a16:creationId xmlns:a16="http://schemas.microsoft.com/office/drawing/2014/main" id="{1C8ED0A3-4CC0-4882-B919-C26E26CC24BA}"/>
+              </a:ext>
+            </a:extLst>
+          </p:cNvPr>
+          <p:cNvSpPr txBox="1">
+            <a:spLocks/>
+          </p:cNvSpPr>
+          <p:nvPr/>
+        </p:nvSpPr>
+        <p:spPr>
+          <a:xfrm>
+            <a:off x="752382" y="4573178"/>
+            <a:ext cx="3060200" cy="838147"/>
+          </a:xfrm>
+          <a:prstGeom prst="rect">
+            <a:avLst/>
+          </a:prstGeom>
+        </p:spPr>
+        <p:txBody>
+          <a:bodyPr vert="horz" lIns="91440" tIns="45720" rIns="91440" bIns="45720" rtlCol="0">
+            <a:noAutofit/>
+          </a:bodyPr>
+          <a:lstStyle>
+            <a:lvl1pPr marL="228600" indent="-228600" algn="l" defTabSz="914400" rtl="0" eaLnBrk="1" latinLnBrk="0" hangingPunct="1">
+              <a:lnSpc>
+                <a:spcPts val="1800"/>
+              </a:lnSpc>
+              <a:spcBef>
+                <a:spcPts val="1000"/>
+              </a:spcBef>
+              <a:spcAft>
+                <a:spcPts val="1000"/>
+              </a:spcAft>
+              <a:buFont typeface="Arial" panose="020B0604020202020204" pitchFamily="34" charset="0"/>
+              <a:buChar char="•"/>
+              <a:defRPr lang="en-US" sz="1200" kern="1200" smtClean="0">
+                <a:solidFill>
+                  <a:schemeClr val="tx1">
+                    <a:lumMod val="75000"/>
+                    <a:lumOff val="25000"/>
+                  </a:schemeClr>
+                </a:solidFill>
+                <a:latin typeface="+mn-lt"/>
+                <a:ea typeface="+mn-ea"/>
+                <a:cs typeface="+mn-cs"/>
+              </a:defRPr>
+            </a:lvl1pPr>
+            <a:lvl2pPr marL="685800" indent="-228600" algn="l" defTabSz="914400" rtl="0" eaLnBrk="1" latinLnBrk="0" hangingPunct="1">
+              <a:lnSpc>
+                <a:spcPts val="1800"/>
+              </a:lnSpc>
+              <a:spcBef>
+                <a:spcPts val="1000"/>
+              </a:spcBef>
+              <a:spcAft>
+                <a:spcPts val="1000"/>
+              </a:spcAft>
+              <a:buFont typeface="Arial" panose="020B0604020202020204" pitchFamily="34" charset="0"/>
+              <a:buChar char="•"/>
+              <a:defRPr lang="en-US" sz="1200" kern="1200" smtClean="0">
+                <a:solidFill>
+                  <a:schemeClr val="tx1">
+                    <a:lumMod val="75000"/>
+                    <a:lumOff val="25000"/>
+                  </a:schemeClr>
+                </a:solidFill>
+                <a:latin typeface="+mn-lt"/>
+                <a:ea typeface="+mn-ea"/>
+                <a:cs typeface="+mn-cs"/>
+              </a:defRPr>
+            </a:lvl2pPr>
+            <a:lvl3pPr marL="1143000" indent="-228600" algn="l" defTabSz="914400" rtl="0" eaLnBrk="1" latinLnBrk="0" hangingPunct="1">
+              <a:lnSpc>
+                <a:spcPts val="1800"/>
+              </a:lnSpc>
+              <a:spcBef>
+                <a:spcPts val="1000"/>
+              </a:spcBef>
+              <a:spcAft>
+                <a:spcPts val="1000"/>
+              </a:spcAft>
+              <a:buFont typeface="Arial" panose="020B0604020202020204" pitchFamily="34" charset="0"/>
+              <a:buChar char="•"/>
+              <a:defRPr lang="en-US" sz="1200" kern="1200" smtClean="0">
+                <a:solidFill>
+                  <a:schemeClr val="tx1">
+                    <a:lumMod val="75000"/>
+                    <a:lumOff val="25000"/>
+                  </a:schemeClr>
+                </a:solidFill>
+                <a:latin typeface="+mn-lt"/>
+                <a:ea typeface="+mn-ea"/>
+                <a:cs typeface="+mn-cs"/>
+              </a:defRPr>
+            </a:lvl3pPr>
+            <a:lvl4pPr marL="1600200" indent="-228600" algn="l" defTabSz="914400" rtl="0" eaLnBrk="1" latinLnBrk="0" hangingPunct="1">
+              <a:lnSpc>
+                <a:spcPts val="1800"/>
+              </a:lnSpc>
+              <a:spcBef>
+                <a:spcPts val="1000"/>
+              </a:spcBef>
+              <a:spcAft>
+                <a:spcPts val="1000"/>
+              </a:spcAft>
+              <a:buFont typeface="Arial" panose="020B0604020202020204" pitchFamily="34" charset="0"/>
+              <a:buChar char="•"/>
+              <a:defRPr lang="en-US" sz="1200" kern="1200" smtClean="0">
+                <a:solidFill>
+                  <a:schemeClr val="tx1">
+                    <a:lumMod val="75000"/>
+                    <a:lumOff val="25000"/>
+                  </a:schemeClr>
+                </a:solidFill>
+                <a:latin typeface="+mn-lt"/>
+                <a:ea typeface="+mn-ea"/>
+                <a:cs typeface="+mn-cs"/>
+              </a:defRPr>
+            </a:lvl4pPr>
+            <a:lvl5pPr marL="2057400" indent="-228600" algn="l" defTabSz="914400" rtl="0" eaLnBrk="1" latinLnBrk="0" hangingPunct="1">
+              <a:lnSpc>
+                <a:spcPts val="1800"/>
+              </a:lnSpc>
+              <a:spcBef>
+                <a:spcPts val="1000"/>
+              </a:spcBef>
+              <a:spcAft>
+                <a:spcPts val="1000"/>
+              </a:spcAft>
+              <a:buFont typeface="Arial" panose="020B0604020202020204" pitchFamily="34" charset="0"/>
+              <a:buChar char="•"/>
+              <a:defRPr lang="en-US" sz="1200" kern="1200">
+                <a:solidFill>
+                  <a:schemeClr val="tx1">
+                    <a:lumMod val="75000"/>
+                    <a:lumOff val="25000"/>
+                  </a:schemeClr>
+                </a:solidFill>
+                <a:latin typeface="+mn-lt"/>
+                <a:ea typeface="+mn-ea"/>
+                <a:cs typeface="+mn-cs"/>
+              </a:defRPr>
+            </a:lvl5pPr>
+            <a:lvl6pPr marL="2514600" indent="-228600" algn="l" defTabSz="914400" rtl="0" eaLnBrk="1" latinLnBrk="0" hangingPunct="1">
+              <a:lnSpc>
+                <a:spcPct val="90000"/>
+              </a:lnSpc>
+              <a:spcBef>
+                <a:spcPct val="30000"/>
+              </a:spcBef>
+              <a:buFont typeface="Arial" panose="020B0604020202020204" pitchFamily="34" charset="0"/>
+              <a:buChar char="•"/>
+              <a:defRPr sz="1800" kern="1200">
+                <a:solidFill>
+                  <a:schemeClr val="tx1"/>
+                </a:solidFill>
+                <a:latin typeface="+mn-lt"/>
+                <a:ea typeface="+mn-ea"/>
+                <a:cs typeface="+mn-cs"/>
+              </a:defRPr>
+            </a:lvl6pPr>
+            <a:lvl7pPr marL="2971800" indent="-228600" algn="l" defTabSz="914400" rtl="0" eaLnBrk="1" latinLnBrk="0" hangingPunct="1">
+              <a:lnSpc>
+                <a:spcPct val="90000"/>
+              </a:lnSpc>
+              <a:spcBef>
+                <a:spcPct val="30000"/>
+              </a:spcBef>
+              <a:buFont typeface="Arial" panose="020B0604020202020204" pitchFamily="34" charset="0"/>
+              <a:buChar char="•"/>
+              <a:defRPr sz="1800" kern="1200">
+                <a:solidFill>
+                  <a:schemeClr val="tx1"/>
+                </a:solidFill>
+                <a:latin typeface="+mn-lt"/>
+                <a:ea typeface="+mn-ea"/>
+                <a:cs typeface="+mn-cs"/>
+              </a:defRPr>
+            </a:lvl7pPr>
+            <a:lvl8pPr marL="3429000" indent="-228600" algn="l" defTabSz="914400" rtl="0" eaLnBrk="1" latinLnBrk="0" hangingPunct="1">
+              <a:lnSpc>
+                <a:spcPct val="90000"/>
+              </a:lnSpc>
+              <a:spcBef>
+                <a:spcPct val="30000"/>
+              </a:spcBef>
+              <a:buFont typeface="Arial" panose="020B0604020202020204" pitchFamily="34" charset="0"/>
+              <a:buChar char="•"/>
+              <a:defRPr sz="1800" kern="1200">
+                <a:solidFill>
+                  <a:schemeClr val="tx1"/>
+                </a:solidFill>
+                <a:latin typeface="+mn-lt"/>
+                <a:ea typeface="+mn-ea"/>
+                <a:cs typeface="+mn-cs"/>
+              </a:defRPr>
+            </a:lvl8pPr>
+            <a:lvl9pPr marL="3886200" indent="-228600" algn="l" defTabSz="914400" rtl="0" eaLnBrk="1" latinLnBrk="0" hangingPunct="1">
+              <a:lnSpc>
+                <a:spcPct val="90000"/>
+              </a:lnSpc>
+              <a:spcBef>
+                <a:spcPct val="30000"/>
+              </a:spcBef>
+              <a:buFont typeface="Arial" panose="020B0604020202020204" pitchFamily="34" charset="0"/>
+              <a:buChar char="•"/>
+              <a:defRPr sz="1800" kern="1200">
+                <a:solidFill>
+                  <a:schemeClr val="tx1"/>
+                </a:solidFill>
+                <a:latin typeface="+mn-lt"/>
+                <a:ea typeface="+mn-ea"/>
+                <a:cs typeface="+mn-cs"/>
+              </a:defRPr>
+            </a:lvl9pPr>
+          </a:lstStyle>
+          <a:p>
+            <a:pPr marL="0" indent="0">
+              <a:spcAft>
+                <a:spcPts val="2000"/>
+              </a:spcAft>
+              <a:buNone/>
+            </a:pPr>
+            <a:r>
+              <a:rPr lang="en-US" sz="1800" dirty="0">
+                <a:solidFill>
+                  <a:prstClr val="black">
+                    <a:lumMod val="75000"/>
+                    <a:lumOff val="25000"/>
+                  </a:prstClr>
+                </a:solidFill>
+                <a:cs typeface="Segoe UI"/>
+              </a:rPr>
+              <a:t>Most of Mountain, West, and Central states are closer in two clusters</a:t>
+            </a:r>
+          </a:p>
+        </p:txBody>
+      </p:sp>
     </p:spTree>
     <p:extLst>
       <p:ext uri="{BB962C8B-B14F-4D97-AF65-F5344CB8AC3E}">
@@ -10554,13 +11463,13 @@
         </p:spPr>
         <p:txBody>
           <a:bodyPr>
-            <a:normAutofit fontScale="85000" lnSpcReduction="10000"/>
+            <a:normAutofit/>
           </a:bodyPr>
           <a:lstStyle/>
           <a:p>
             <a:r>
-              <a:rPr lang="en-US" sz="2800" dirty="0"/>
-              <a:t>Dendogram Clusters - Linkage Matrix</a:t>
+              <a:rPr lang="en-US" dirty="0"/>
+              <a:t>Dendogram Clusters - Hierarchical</a:t>
             </a:r>
           </a:p>
         </p:txBody>
@@ -10581,8 +11490,8 @@
         </p:nvSpPr>
         <p:spPr>
           <a:xfrm>
-            <a:off x="737547" y="3863957"/>
-            <a:ext cx="3180945" cy="641350"/>
+            <a:off x="746007" y="1607233"/>
+            <a:ext cx="3157960" cy="790173"/>
           </a:xfrm>
           <a:prstGeom prst="rect">
             <a:avLst/>
@@ -10803,7 +11712,7 @@
                 </a:solidFill>
                 <a:cs typeface="Segoe UI"/>
               </a:rPr>
-              <a:t>PA,WV,AR,OH,CT,DE,MA,RI, ME,NY,LA,KY,IN,NJ,NH, OK,KS,ID,WY, MD</a:t>
+              <a:t>PA,WV,AR,OH,CT,DE,MA,RI, NY,ME,IN,NJ,NH,KY,LA, OK,KS,ID,WY,MD</a:t>
             </a:r>
             <a:endParaRPr lang="en-US" sz="1800" dirty="0">
               <a:solidFill>
@@ -10830,7 +11739,7 @@
         </p:nvSpPr>
         <p:spPr>
           <a:xfrm>
-            <a:off x="737547" y="3488758"/>
+            <a:off x="724025" y="1305929"/>
             <a:ext cx="1118413" cy="375199"/>
           </a:xfrm>
           <a:prstGeom prst="rect">
@@ -11046,489 +11955,6 @@
               <a:rPr lang="en-US" sz="1800" dirty="0">
                 <a:solidFill>
                   <a:srgbClr val="FF0000"/>
-                </a:solidFill>
-                <a:cs typeface="Segoe UI"/>
-              </a:rPr>
-              <a:t>Cluster 3</a:t>
-            </a:r>
-          </a:p>
-        </p:txBody>
-      </p:sp>
-      <p:sp>
-        <p:nvSpPr>
-          <p:cNvPr id="26" name="Content Placeholder 17">
-            <a:extLst>
-              <a:ext uri="{FF2B5EF4-FFF2-40B4-BE49-F238E27FC236}">
-                <a16:creationId xmlns:a16="http://schemas.microsoft.com/office/drawing/2014/main" id="{D43529F9-0CA5-4D99-BBEF-5EE84B555188}"/>
-              </a:ext>
-            </a:extLst>
-          </p:cNvPr>
-          <p:cNvSpPr txBox="1">
-            <a:spLocks/>
-          </p:cNvSpPr>
-          <p:nvPr/>
-        </p:nvSpPr>
-        <p:spPr>
-          <a:xfrm>
-            <a:off x="706986" y="1596915"/>
-            <a:ext cx="3374011" cy="812846"/>
-          </a:xfrm>
-          <a:prstGeom prst="rect">
-            <a:avLst/>
-          </a:prstGeom>
-        </p:spPr>
-        <p:txBody>
-          <a:bodyPr vert="horz" lIns="91440" tIns="45720" rIns="91440" bIns="45720" rtlCol="0">
-            <a:noAutofit/>
-          </a:bodyPr>
-          <a:lstStyle>
-            <a:lvl1pPr marL="228600" indent="-228600" algn="l" defTabSz="914400" rtl="0" eaLnBrk="1" latinLnBrk="0" hangingPunct="1">
-              <a:lnSpc>
-                <a:spcPts val="1800"/>
-              </a:lnSpc>
-              <a:spcBef>
-                <a:spcPts val="1000"/>
-              </a:spcBef>
-              <a:spcAft>
-                <a:spcPts val="1000"/>
-              </a:spcAft>
-              <a:buFont typeface="Arial" panose="020B0604020202020204" pitchFamily="34" charset="0"/>
-              <a:buChar char="•"/>
-              <a:defRPr lang="en-US" sz="1200" kern="1200" smtClean="0">
-                <a:solidFill>
-                  <a:schemeClr val="tx1">
-                    <a:lumMod val="75000"/>
-                    <a:lumOff val="25000"/>
-                  </a:schemeClr>
-                </a:solidFill>
-                <a:latin typeface="+mn-lt"/>
-                <a:ea typeface="+mn-ea"/>
-                <a:cs typeface="+mn-cs"/>
-              </a:defRPr>
-            </a:lvl1pPr>
-            <a:lvl2pPr marL="685800" indent="-228600" algn="l" defTabSz="914400" rtl="0" eaLnBrk="1" latinLnBrk="0" hangingPunct="1">
-              <a:lnSpc>
-                <a:spcPts val="1800"/>
-              </a:lnSpc>
-              <a:spcBef>
-                <a:spcPts val="1000"/>
-              </a:spcBef>
-              <a:spcAft>
-                <a:spcPts val="1000"/>
-              </a:spcAft>
-              <a:buFont typeface="Arial" panose="020B0604020202020204" pitchFamily="34" charset="0"/>
-              <a:buChar char="•"/>
-              <a:defRPr lang="en-US" sz="1200" kern="1200" smtClean="0">
-                <a:solidFill>
-                  <a:schemeClr val="tx1">
-                    <a:lumMod val="75000"/>
-                    <a:lumOff val="25000"/>
-                  </a:schemeClr>
-                </a:solidFill>
-                <a:latin typeface="+mn-lt"/>
-                <a:ea typeface="+mn-ea"/>
-                <a:cs typeface="+mn-cs"/>
-              </a:defRPr>
-            </a:lvl2pPr>
-            <a:lvl3pPr marL="1143000" indent="-228600" algn="l" defTabSz="914400" rtl="0" eaLnBrk="1" latinLnBrk="0" hangingPunct="1">
-              <a:lnSpc>
-                <a:spcPts val="1800"/>
-              </a:lnSpc>
-              <a:spcBef>
-                <a:spcPts val="1000"/>
-              </a:spcBef>
-              <a:spcAft>
-                <a:spcPts val="1000"/>
-              </a:spcAft>
-              <a:buFont typeface="Arial" panose="020B0604020202020204" pitchFamily="34" charset="0"/>
-              <a:buChar char="•"/>
-              <a:defRPr lang="en-US" sz="1200" kern="1200" smtClean="0">
-                <a:solidFill>
-                  <a:schemeClr val="tx1">
-                    <a:lumMod val="75000"/>
-                    <a:lumOff val="25000"/>
-                  </a:schemeClr>
-                </a:solidFill>
-                <a:latin typeface="+mn-lt"/>
-                <a:ea typeface="+mn-ea"/>
-                <a:cs typeface="+mn-cs"/>
-              </a:defRPr>
-            </a:lvl3pPr>
-            <a:lvl4pPr marL="1600200" indent="-228600" algn="l" defTabSz="914400" rtl="0" eaLnBrk="1" latinLnBrk="0" hangingPunct="1">
-              <a:lnSpc>
-                <a:spcPts val="1800"/>
-              </a:lnSpc>
-              <a:spcBef>
-                <a:spcPts val="1000"/>
-              </a:spcBef>
-              <a:spcAft>
-                <a:spcPts val="1000"/>
-              </a:spcAft>
-              <a:buFont typeface="Arial" panose="020B0604020202020204" pitchFamily="34" charset="0"/>
-              <a:buChar char="•"/>
-              <a:defRPr lang="en-US" sz="1200" kern="1200" smtClean="0">
-                <a:solidFill>
-                  <a:schemeClr val="tx1">
-                    <a:lumMod val="75000"/>
-                    <a:lumOff val="25000"/>
-                  </a:schemeClr>
-                </a:solidFill>
-                <a:latin typeface="+mn-lt"/>
-                <a:ea typeface="+mn-ea"/>
-                <a:cs typeface="+mn-cs"/>
-              </a:defRPr>
-            </a:lvl4pPr>
-            <a:lvl5pPr marL="2057400" indent="-228600" algn="l" defTabSz="914400" rtl="0" eaLnBrk="1" latinLnBrk="0" hangingPunct="1">
-              <a:lnSpc>
-                <a:spcPts val="1800"/>
-              </a:lnSpc>
-              <a:spcBef>
-                <a:spcPts val="1000"/>
-              </a:spcBef>
-              <a:spcAft>
-                <a:spcPts val="1000"/>
-              </a:spcAft>
-              <a:buFont typeface="Arial" panose="020B0604020202020204" pitchFamily="34" charset="0"/>
-              <a:buChar char="•"/>
-              <a:defRPr lang="en-US" sz="1200" kern="1200">
-                <a:solidFill>
-                  <a:schemeClr val="tx1">
-                    <a:lumMod val="75000"/>
-                    <a:lumOff val="25000"/>
-                  </a:schemeClr>
-                </a:solidFill>
-                <a:latin typeface="+mn-lt"/>
-                <a:ea typeface="+mn-ea"/>
-                <a:cs typeface="+mn-cs"/>
-              </a:defRPr>
-            </a:lvl5pPr>
-            <a:lvl6pPr marL="2514600" indent="-228600" algn="l" defTabSz="914400" rtl="0" eaLnBrk="1" latinLnBrk="0" hangingPunct="1">
-              <a:lnSpc>
-                <a:spcPct val="90000"/>
-              </a:lnSpc>
-              <a:spcBef>
-                <a:spcPct val="30000"/>
-              </a:spcBef>
-              <a:buFont typeface="Arial" panose="020B0604020202020204" pitchFamily="34" charset="0"/>
-              <a:buChar char="•"/>
-              <a:defRPr sz="1800" kern="1200">
-                <a:solidFill>
-                  <a:schemeClr val="tx1"/>
-                </a:solidFill>
-                <a:latin typeface="+mn-lt"/>
-                <a:ea typeface="+mn-ea"/>
-                <a:cs typeface="+mn-cs"/>
-              </a:defRPr>
-            </a:lvl6pPr>
-            <a:lvl7pPr marL="2971800" indent="-228600" algn="l" defTabSz="914400" rtl="0" eaLnBrk="1" latinLnBrk="0" hangingPunct="1">
-              <a:lnSpc>
-                <a:spcPct val="90000"/>
-              </a:lnSpc>
-              <a:spcBef>
-                <a:spcPct val="30000"/>
-              </a:spcBef>
-              <a:buFont typeface="Arial" panose="020B0604020202020204" pitchFamily="34" charset="0"/>
-              <a:buChar char="•"/>
-              <a:defRPr sz="1800" kern="1200">
-                <a:solidFill>
-                  <a:schemeClr val="tx1"/>
-                </a:solidFill>
-                <a:latin typeface="+mn-lt"/>
-                <a:ea typeface="+mn-ea"/>
-                <a:cs typeface="+mn-cs"/>
-              </a:defRPr>
-            </a:lvl7pPr>
-            <a:lvl8pPr marL="3429000" indent="-228600" algn="l" defTabSz="914400" rtl="0" eaLnBrk="1" latinLnBrk="0" hangingPunct="1">
-              <a:lnSpc>
-                <a:spcPct val="90000"/>
-              </a:lnSpc>
-              <a:spcBef>
-                <a:spcPct val="30000"/>
-              </a:spcBef>
-              <a:buFont typeface="Arial" panose="020B0604020202020204" pitchFamily="34" charset="0"/>
-              <a:buChar char="•"/>
-              <a:defRPr sz="1800" kern="1200">
-                <a:solidFill>
-                  <a:schemeClr val="tx1"/>
-                </a:solidFill>
-                <a:latin typeface="+mn-lt"/>
-                <a:ea typeface="+mn-ea"/>
-                <a:cs typeface="+mn-cs"/>
-              </a:defRPr>
-            </a:lvl8pPr>
-            <a:lvl9pPr marL="3886200" indent="-228600" algn="l" defTabSz="914400" rtl="0" eaLnBrk="1" latinLnBrk="0" hangingPunct="1">
-              <a:lnSpc>
-                <a:spcPct val="90000"/>
-              </a:lnSpc>
-              <a:spcBef>
-                <a:spcPct val="30000"/>
-              </a:spcBef>
-              <a:buFont typeface="Arial" panose="020B0604020202020204" pitchFamily="34" charset="0"/>
-              <a:buChar char="•"/>
-              <a:defRPr sz="1800" kern="1200">
-                <a:solidFill>
-                  <a:schemeClr val="tx1"/>
-                </a:solidFill>
-                <a:latin typeface="+mn-lt"/>
-                <a:ea typeface="+mn-ea"/>
-                <a:cs typeface="+mn-cs"/>
-              </a:defRPr>
-            </a:lvl9pPr>
-          </a:lstStyle>
-          <a:p>
-            <a:pPr marL="0" indent="0">
-              <a:spcAft>
-                <a:spcPts val="2000"/>
-              </a:spcAft>
-              <a:buNone/>
-            </a:pPr>
-            <a:r>
-              <a:rPr lang="en-US" sz="1800" dirty="0">
-                <a:solidFill>
-                  <a:prstClr val="black">
-                    <a:lumMod val="75000"/>
-                    <a:lumOff val="25000"/>
-                  </a:prstClr>
-                </a:solidFill>
-                <a:cs typeface="Segoe UI"/>
-              </a:rPr>
-              <a:t>TN,SD,NC,SC,ND,NE,WI,AL, MS,MN,MI,UT,IA,GA,FL,MO</a:t>
-            </a:r>
-          </a:p>
-        </p:txBody>
-      </p:sp>
-      <p:sp>
-        <p:nvSpPr>
-          <p:cNvPr id="27" name="Content Placeholder 17">
-            <a:extLst>
-              <a:ext uri="{FF2B5EF4-FFF2-40B4-BE49-F238E27FC236}">
-                <a16:creationId xmlns:a16="http://schemas.microsoft.com/office/drawing/2014/main" id="{7ADD7735-1BCD-496A-95B2-FE50995FDEF3}"/>
-              </a:ext>
-            </a:extLst>
-          </p:cNvPr>
-          <p:cNvSpPr txBox="1">
-            <a:spLocks/>
-          </p:cNvSpPr>
-          <p:nvPr/>
-        </p:nvSpPr>
-        <p:spPr>
-          <a:xfrm>
-            <a:off x="726835" y="1261721"/>
-            <a:ext cx="1118413" cy="375199"/>
-          </a:xfrm>
-          <a:prstGeom prst="rect">
-            <a:avLst/>
-          </a:prstGeom>
-        </p:spPr>
-        <p:txBody>
-          <a:bodyPr vert="horz" lIns="91440" tIns="45720" rIns="91440" bIns="45720" rtlCol="0">
-            <a:noAutofit/>
-          </a:bodyPr>
-          <a:lstStyle>
-            <a:lvl1pPr marL="228600" indent="-228600" algn="l" defTabSz="914400" rtl="0" eaLnBrk="1" latinLnBrk="0" hangingPunct="1">
-              <a:lnSpc>
-                <a:spcPts val="1800"/>
-              </a:lnSpc>
-              <a:spcBef>
-                <a:spcPts val="1000"/>
-              </a:spcBef>
-              <a:spcAft>
-                <a:spcPts val="1000"/>
-              </a:spcAft>
-              <a:buFont typeface="Arial" panose="020B0604020202020204" pitchFamily="34" charset="0"/>
-              <a:buChar char="•"/>
-              <a:defRPr lang="en-US" sz="1200" kern="1200" smtClean="0">
-                <a:solidFill>
-                  <a:schemeClr val="tx1">
-                    <a:lumMod val="75000"/>
-                    <a:lumOff val="25000"/>
-                  </a:schemeClr>
-                </a:solidFill>
-                <a:latin typeface="+mn-lt"/>
-                <a:ea typeface="+mn-ea"/>
-                <a:cs typeface="+mn-cs"/>
-              </a:defRPr>
-            </a:lvl1pPr>
-            <a:lvl2pPr marL="685800" indent="-228600" algn="l" defTabSz="914400" rtl="0" eaLnBrk="1" latinLnBrk="0" hangingPunct="1">
-              <a:lnSpc>
-                <a:spcPts val="1800"/>
-              </a:lnSpc>
-              <a:spcBef>
-                <a:spcPts val="1000"/>
-              </a:spcBef>
-              <a:spcAft>
-                <a:spcPts val="1000"/>
-              </a:spcAft>
-              <a:buFont typeface="Arial" panose="020B0604020202020204" pitchFamily="34" charset="0"/>
-              <a:buChar char="•"/>
-              <a:defRPr lang="en-US" sz="1200" kern="1200" smtClean="0">
-                <a:solidFill>
-                  <a:schemeClr val="tx1">
-                    <a:lumMod val="75000"/>
-                    <a:lumOff val="25000"/>
-                  </a:schemeClr>
-                </a:solidFill>
-                <a:latin typeface="+mn-lt"/>
-                <a:ea typeface="+mn-ea"/>
-                <a:cs typeface="+mn-cs"/>
-              </a:defRPr>
-            </a:lvl2pPr>
-            <a:lvl3pPr marL="1143000" indent="-228600" algn="l" defTabSz="914400" rtl="0" eaLnBrk="1" latinLnBrk="0" hangingPunct="1">
-              <a:lnSpc>
-                <a:spcPts val="1800"/>
-              </a:lnSpc>
-              <a:spcBef>
-                <a:spcPts val="1000"/>
-              </a:spcBef>
-              <a:spcAft>
-                <a:spcPts val="1000"/>
-              </a:spcAft>
-              <a:buFont typeface="Arial" panose="020B0604020202020204" pitchFamily="34" charset="0"/>
-              <a:buChar char="•"/>
-              <a:defRPr lang="en-US" sz="1200" kern="1200" smtClean="0">
-                <a:solidFill>
-                  <a:schemeClr val="tx1">
-                    <a:lumMod val="75000"/>
-                    <a:lumOff val="25000"/>
-                  </a:schemeClr>
-                </a:solidFill>
-                <a:latin typeface="+mn-lt"/>
-                <a:ea typeface="+mn-ea"/>
-                <a:cs typeface="+mn-cs"/>
-              </a:defRPr>
-            </a:lvl3pPr>
-            <a:lvl4pPr marL="1600200" indent="-228600" algn="l" defTabSz="914400" rtl="0" eaLnBrk="1" latinLnBrk="0" hangingPunct="1">
-              <a:lnSpc>
-                <a:spcPts val="1800"/>
-              </a:lnSpc>
-              <a:spcBef>
-                <a:spcPts val="1000"/>
-              </a:spcBef>
-              <a:spcAft>
-                <a:spcPts val="1000"/>
-              </a:spcAft>
-              <a:buFont typeface="Arial" panose="020B0604020202020204" pitchFamily="34" charset="0"/>
-              <a:buChar char="•"/>
-              <a:defRPr lang="en-US" sz="1200" kern="1200" smtClean="0">
-                <a:solidFill>
-                  <a:schemeClr val="tx1">
-                    <a:lumMod val="75000"/>
-                    <a:lumOff val="25000"/>
-                  </a:schemeClr>
-                </a:solidFill>
-                <a:latin typeface="+mn-lt"/>
-                <a:ea typeface="+mn-ea"/>
-                <a:cs typeface="+mn-cs"/>
-              </a:defRPr>
-            </a:lvl4pPr>
-            <a:lvl5pPr marL="2057400" indent="-228600" algn="l" defTabSz="914400" rtl="0" eaLnBrk="1" latinLnBrk="0" hangingPunct="1">
-              <a:lnSpc>
-                <a:spcPts val="1800"/>
-              </a:lnSpc>
-              <a:spcBef>
-                <a:spcPts val="1000"/>
-              </a:spcBef>
-              <a:spcAft>
-                <a:spcPts val="1000"/>
-              </a:spcAft>
-              <a:buFont typeface="Arial" panose="020B0604020202020204" pitchFamily="34" charset="0"/>
-              <a:buChar char="•"/>
-              <a:defRPr lang="en-US" sz="1200" kern="1200">
-                <a:solidFill>
-                  <a:schemeClr val="tx1">
-                    <a:lumMod val="75000"/>
-                    <a:lumOff val="25000"/>
-                  </a:schemeClr>
-                </a:solidFill>
-                <a:latin typeface="+mn-lt"/>
-                <a:ea typeface="+mn-ea"/>
-                <a:cs typeface="+mn-cs"/>
-              </a:defRPr>
-            </a:lvl5pPr>
-            <a:lvl6pPr marL="2514600" indent="-228600" algn="l" defTabSz="914400" rtl="0" eaLnBrk="1" latinLnBrk="0" hangingPunct="1">
-              <a:lnSpc>
-                <a:spcPct val="90000"/>
-              </a:lnSpc>
-              <a:spcBef>
-                <a:spcPct val="30000"/>
-              </a:spcBef>
-              <a:buFont typeface="Arial" panose="020B0604020202020204" pitchFamily="34" charset="0"/>
-              <a:buChar char="•"/>
-              <a:defRPr sz="1800" kern="1200">
-                <a:solidFill>
-                  <a:schemeClr val="tx1"/>
-                </a:solidFill>
-                <a:latin typeface="+mn-lt"/>
-                <a:ea typeface="+mn-ea"/>
-                <a:cs typeface="+mn-cs"/>
-              </a:defRPr>
-            </a:lvl6pPr>
-            <a:lvl7pPr marL="2971800" indent="-228600" algn="l" defTabSz="914400" rtl="0" eaLnBrk="1" latinLnBrk="0" hangingPunct="1">
-              <a:lnSpc>
-                <a:spcPct val="90000"/>
-              </a:lnSpc>
-              <a:spcBef>
-                <a:spcPct val="30000"/>
-              </a:spcBef>
-              <a:buFont typeface="Arial" panose="020B0604020202020204" pitchFamily="34" charset="0"/>
-              <a:buChar char="•"/>
-              <a:defRPr sz="1800" kern="1200">
-                <a:solidFill>
-                  <a:schemeClr val="tx1"/>
-                </a:solidFill>
-                <a:latin typeface="+mn-lt"/>
-                <a:ea typeface="+mn-ea"/>
-                <a:cs typeface="+mn-cs"/>
-              </a:defRPr>
-            </a:lvl7pPr>
-            <a:lvl8pPr marL="3429000" indent="-228600" algn="l" defTabSz="914400" rtl="0" eaLnBrk="1" latinLnBrk="0" hangingPunct="1">
-              <a:lnSpc>
-                <a:spcPct val="90000"/>
-              </a:lnSpc>
-              <a:spcBef>
-                <a:spcPct val="30000"/>
-              </a:spcBef>
-              <a:buFont typeface="Arial" panose="020B0604020202020204" pitchFamily="34" charset="0"/>
-              <a:buChar char="•"/>
-              <a:defRPr sz="1800" kern="1200">
-                <a:solidFill>
-                  <a:schemeClr val="tx1"/>
-                </a:solidFill>
-                <a:latin typeface="+mn-lt"/>
-                <a:ea typeface="+mn-ea"/>
-                <a:cs typeface="+mn-cs"/>
-              </a:defRPr>
-            </a:lvl8pPr>
-            <a:lvl9pPr marL="3886200" indent="-228600" algn="l" defTabSz="914400" rtl="0" eaLnBrk="1" latinLnBrk="0" hangingPunct="1">
-              <a:lnSpc>
-                <a:spcPct val="90000"/>
-              </a:lnSpc>
-              <a:spcBef>
-                <a:spcPct val="30000"/>
-              </a:spcBef>
-              <a:buFont typeface="Arial" panose="020B0604020202020204" pitchFamily="34" charset="0"/>
-              <a:buChar char="•"/>
-              <a:defRPr sz="1800" kern="1200">
-                <a:solidFill>
-                  <a:schemeClr val="tx1"/>
-                </a:solidFill>
-                <a:latin typeface="+mn-lt"/>
-                <a:ea typeface="+mn-ea"/>
-                <a:cs typeface="+mn-cs"/>
-              </a:defRPr>
-            </a:lvl9pPr>
-          </a:lstStyle>
-          <a:p>
-            <a:pPr marL="0" indent="0">
-              <a:spcAft>
-                <a:spcPts val="2000"/>
-              </a:spcAft>
-              <a:buNone/>
-            </a:pPr>
-            <a:r>
-              <a:rPr lang="en-US" sz="1800" dirty="0">
-                <a:solidFill>
-                  <a:schemeClr val="accent6"/>
                 </a:solidFill>
                 <a:cs typeface="Segoe UI"/>
               </a:rPr>
@@ -11553,8 +11979,8 @@
         </p:nvSpPr>
         <p:spPr>
           <a:xfrm>
-            <a:off x="752382" y="4745485"/>
-            <a:ext cx="3060200" cy="850794"/>
+            <a:off x="752382" y="4573178"/>
+            <a:ext cx="3060200" cy="838147"/>
           </a:xfrm>
           <a:prstGeom prst="rect">
             <a:avLst/>
@@ -11775,7 +12201,7 @@
                 </a:solidFill>
                 <a:cs typeface="Segoe UI"/>
               </a:rPr>
-              <a:t>IL,MD,TX,OK,KS,ID, WY moved to different clusters.</a:t>
+              <a:t>Most of North East, Mountain, West coast states are closer in Cluster 1 and 2</a:t>
             </a:r>
           </a:p>
         </p:txBody>
@@ -11802,8 +12228,8 @@
         </p:blipFill>
         <p:spPr>
           <a:xfrm>
-            <a:off x="4300396" y="1514475"/>
-            <a:ext cx="7022600" cy="3829050"/>
+            <a:off x="3812582" y="1514475"/>
+            <a:ext cx="7510414" cy="3829050"/>
           </a:xfrm>
           <a:prstGeom prst="rect">
             <a:avLst/>
@@ -11826,8 +12252,8 @@
         </p:nvSpPr>
         <p:spPr>
           <a:xfrm>
-            <a:off x="752382" y="2730436"/>
-            <a:ext cx="3328615" cy="641350"/>
+            <a:off x="752382" y="2820210"/>
+            <a:ext cx="3335320" cy="641350"/>
           </a:xfrm>
           <a:prstGeom prst="rect">
             <a:avLst/>
@@ -12069,7 +12495,7 @@
         </p:nvSpPr>
         <p:spPr>
           <a:xfrm>
-            <a:off x="737547" y="2409761"/>
+            <a:off x="724024" y="2457903"/>
             <a:ext cx="1118413" cy="375199"/>
           </a:xfrm>
           <a:prstGeom prst="rect">
@@ -12289,6 +12715,489 @@
                 <a:cs typeface="Segoe UI"/>
               </a:rPr>
               <a:t>Cluster 2</a:t>
+            </a:r>
+          </a:p>
+        </p:txBody>
+      </p:sp>
+      <p:sp>
+        <p:nvSpPr>
+          <p:cNvPr id="12" name="Content Placeholder 17">
+            <a:extLst>
+              <a:ext uri="{FF2B5EF4-FFF2-40B4-BE49-F238E27FC236}">
+                <a16:creationId xmlns:a16="http://schemas.microsoft.com/office/drawing/2014/main" id="{AF7B3DB0-2F08-4283-93E1-11F6A7A7D2F2}"/>
+              </a:ext>
+            </a:extLst>
+          </p:cNvPr>
+          <p:cNvSpPr txBox="1">
+            <a:spLocks/>
+          </p:cNvSpPr>
+          <p:nvPr/>
+        </p:nvSpPr>
+        <p:spPr>
+          <a:xfrm>
+            <a:off x="746007" y="3825373"/>
+            <a:ext cx="3374011" cy="812846"/>
+          </a:xfrm>
+          <a:prstGeom prst="rect">
+            <a:avLst/>
+          </a:prstGeom>
+        </p:spPr>
+        <p:txBody>
+          <a:bodyPr vert="horz" lIns="91440" tIns="45720" rIns="91440" bIns="45720" rtlCol="0">
+            <a:noAutofit/>
+          </a:bodyPr>
+          <a:lstStyle>
+            <a:lvl1pPr marL="228600" indent="-228600" algn="l" defTabSz="914400" rtl="0" eaLnBrk="1" latinLnBrk="0" hangingPunct="1">
+              <a:lnSpc>
+                <a:spcPts val="1800"/>
+              </a:lnSpc>
+              <a:spcBef>
+                <a:spcPts val="1000"/>
+              </a:spcBef>
+              <a:spcAft>
+                <a:spcPts val="1000"/>
+              </a:spcAft>
+              <a:buFont typeface="Arial" panose="020B0604020202020204" pitchFamily="34" charset="0"/>
+              <a:buChar char="•"/>
+              <a:defRPr lang="en-US" sz="1200" kern="1200" smtClean="0">
+                <a:solidFill>
+                  <a:schemeClr val="tx1">
+                    <a:lumMod val="75000"/>
+                    <a:lumOff val="25000"/>
+                  </a:schemeClr>
+                </a:solidFill>
+                <a:latin typeface="+mn-lt"/>
+                <a:ea typeface="+mn-ea"/>
+                <a:cs typeface="+mn-cs"/>
+              </a:defRPr>
+            </a:lvl1pPr>
+            <a:lvl2pPr marL="685800" indent="-228600" algn="l" defTabSz="914400" rtl="0" eaLnBrk="1" latinLnBrk="0" hangingPunct="1">
+              <a:lnSpc>
+                <a:spcPts val="1800"/>
+              </a:lnSpc>
+              <a:spcBef>
+                <a:spcPts val="1000"/>
+              </a:spcBef>
+              <a:spcAft>
+                <a:spcPts val="1000"/>
+              </a:spcAft>
+              <a:buFont typeface="Arial" panose="020B0604020202020204" pitchFamily="34" charset="0"/>
+              <a:buChar char="•"/>
+              <a:defRPr lang="en-US" sz="1200" kern="1200" smtClean="0">
+                <a:solidFill>
+                  <a:schemeClr val="tx1">
+                    <a:lumMod val="75000"/>
+                    <a:lumOff val="25000"/>
+                  </a:schemeClr>
+                </a:solidFill>
+                <a:latin typeface="+mn-lt"/>
+                <a:ea typeface="+mn-ea"/>
+                <a:cs typeface="+mn-cs"/>
+              </a:defRPr>
+            </a:lvl2pPr>
+            <a:lvl3pPr marL="1143000" indent="-228600" algn="l" defTabSz="914400" rtl="0" eaLnBrk="1" latinLnBrk="0" hangingPunct="1">
+              <a:lnSpc>
+                <a:spcPts val="1800"/>
+              </a:lnSpc>
+              <a:spcBef>
+                <a:spcPts val="1000"/>
+              </a:spcBef>
+              <a:spcAft>
+                <a:spcPts val="1000"/>
+              </a:spcAft>
+              <a:buFont typeface="Arial" panose="020B0604020202020204" pitchFamily="34" charset="0"/>
+              <a:buChar char="•"/>
+              <a:defRPr lang="en-US" sz="1200" kern="1200" smtClean="0">
+                <a:solidFill>
+                  <a:schemeClr val="tx1">
+                    <a:lumMod val="75000"/>
+                    <a:lumOff val="25000"/>
+                  </a:schemeClr>
+                </a:solidFill>
+                <a:latin typeface="+mn-lt"/>
+                <a:ea typeface="+mn-ea"/>
+                <a:cs typeface="+mn-cs"/>
+              </a:defRPr>
+            </a:lvl3pPr>
+            <a:lvl4pPr marL="1600200" indent="-228600" algn="l" defTabSz="914400" rtl="0" eaLnBrk="1" latinLnBrk="0" hangingPunct="1">
+              <a:lnSpc>
+                <a:spcPts val="1800"/>
+              </a:lnSpc>
+              <a:spcBef>
+                <a:spcPts val="1000"/>
+              </a:spcBef>
+              <a:spcAft>
+                <a:spcPts val="1000"/>
+              </a:spcAft>
+              <a:buFont typeface="Arial" panose="020B0604020202020204" pitchFamily="34" charset="0"/>
+              <a:buChar char="•"/>
+              <a:defRPr lang="en-US" sz="1200" kern="1200" smtClean="0">
+                <a:solidFill>
+                  <a:schemeClr val="tx1">
+                    <a:lumMod val="75000"/>
+                    <a:lumOff val="25000"/>
+                  </a:schemeClr>
+                </a:solidFill>
+                <a:latin typeface="+mn-lt"/>
+                <a:ea typeface="+mn-ea"/>
+                <a:cs typeface="+mn-cs"/>
+              </a:defRPr>
+            </a:lvl4pPr>
+            <a:lvl5pPr marL="2057400" indent="-228600" algn="l" defTabSz="914400" rtl="0" eaLnBrk="1" latinLnBrk="0" hangingPunct="1">
+              <a:lnSpc>
+                <a:spcPts val="1800"/>
+              </a:lnSpc>
+              <a:spcBef>
+                <a:spcPts val="1000"/>
+              </a:spcBef>
+              <a:spcAft>
+                <a:spcPts val="1000"/>
+              </a:spcAft>
+              <a:buFont typeface="Arial" panose="020B0604020202020204" pitchFamily="34" charset="0"/>
+              <a:buChar char="•"/>
+              <a:defRPr lang="en-US" sz="1200" kern="1200">
+                <a:solidFill>
+                  <a:schemeClr val="tx1">
+                    <a:lumMod val="75000"/>
+                    <a:lumOff val="25000"/>
+                  </a:schemeClr>
+                </a:solidFill>
+                <a:latin typeface="+mn-lt"/>
+                <a:ea typeface="+mn-ea"/>
+                <a:cs typeface="+mn-cs"/>
+              </a:defRPr>
+            </a:lvl5pPr>
+            <a:lvl6pPr marL="2514600" indent="-228600" algn="l" defTabSz="914400" rtl="0" eaLnBrk="1" latinLnBrk="0" hangingPunct="1">
+              <a:lnSpc>
+                <a:spcPct val="90000"/>
+              </a:lnSpc>
+              <a:spcBef>
+                <a:spcPct val="30000"/>
+              </a:spcBef>
+              <a:buFont typeface="Arial" panose="020B0604020202020204" pitchFamily="34" charset="0"/>
+              <a:buChar char="•"/>
+              <a:defRPr sz="1800" kern="1200">
+                <a:solidFill>
+                  <a:schemeClr val="tx1"/>
+                </a:solidFill>
+                <a:latin typeface="+mn-lt"/>
+                <a:ea typeface="+mn-ea"/>
+                <a:cs typeface="+mn-cs"/>
+              </a:defRPr>
+            </a:lvl6pPr>
+            <a:lvl7pPr marL="2971800" indent="-228600" algn="l" defTabSz="914400" rtl="0" eaLnBrk="1" latinLnBrk="0" hangingPunct="1">
+              <a:lnSpc>
+                <a:spcPct val="90000"/>
+              </a:lnSpc>
+              <a:spcBef>
+                <a:spcPct val="30000"/>
+              </a:spcBef>
+              <a:buFont typeface="Arial" panose="020B0604020202020204" pitchFamily="34" charset="0"/>
+              <a:buChar char="•"/>
+              <a:defRPr sz="1800" kern="1200">
+                <a:solidFill>
+                  <a:schemeClr val="tx1"/>
+                </a:solidFill>
+                <a:latin typeface="+mn-lt"/>
+                <a:ea typeface="+mn-ea"/>
+                <a:cs typeface="+mn-cs"/>
+              </a:defRPr>
+            </a:lvl7pPr>
+            <a:lvl8pPr marL="3429000" indent="-228600" algn="l" defTabSz="914400" rtl="0" eaLnBrk="1" latinLnBrk="0" hangingPunct="1">
+              <a:lnSpc>
+                <a:spcPct val="90000"/>
+              </a:lnSpc>
+              <a:spcBef>
+                <a:spcPct val="30000"/>
+              </a:spcBef>
+              <a:buFont typeface="Arial" panose="020B0604020202020204" pitchFamily="34" charset="0"/>
+              <a:buChar char="•"/>
+              <a:defRPr sz="1800" kern="1200">
+                <a:solidFill>
+                  <a:schemeClr val="tx1"/>
+                </a:solidFill>
+                <a:latin typeface="+mn-lt"/>
+                <a:ea typeface="+mn-ea"/>
+                <a:cs typeface="+mn-cs"/>
+              </a:defRPr>
+            </a:lvl8pPr>
+            <a:lvl9pPr marL="3886200" indent="-228600" algn="l" defTabSz="914400" rtl="0" eaLnBrk="1" latinLnBrk="0" hangingPunct="1">
+              <a:lnSpc>
+                <a:spcPct val="90000"/>
+              </a:lnSpc>
+              <a:spcBef>
+                <a:spcPct val="30000"/>
+              </a:spcBef>
+              <a:buFont typeface="Arial" panose="020B0604020202020204" pitchFamily="34" charset="0"/>
+              <a:buChar char="•"/>
+              <a:defRPr sz="1800" kern="1200">
+                <a:solidFill>
+                  <a:schemeClr val="tx1"/>
+                </a:solidFill>
+                <a:latin typeface="+mn-lt"/>
+                <a:ea typeface="+mn-ea"/>
+                <a:cs typeface="+mn-cs"/>
+              </a:defRPr>
+            </a:lvl9pPr>
+          </a:lstStyle>
+          <a:p>
+            <a:pPr marL="0" indent="0">
+              <a:spcAft>
+                <a:spcPts val="2000"/>
+              </a:spcAft>
+              <a:buNone/>
+            </a:pPr>
+            <a:r>
+              <a:rPr lang="en-US" sz="1800" dirty="0">
+                <a:solidFill>
+                  <a:prstClr val="black">
+                    <a:lumMod val="75000"/>
+                    <a:lumOff val="25000"/>
+                  </a:prstClr>
+                </a:solidFill>
+                <a:cs typeface="Segoe UI"/>
+              </a:rPr>
+              <a:t>TN,SD,NC,SC,ND,NE,WI,AL, MS,MN,MI,UT,IA,GA,FL,MO</a:t>
+            </a:r>
+          </a:p>
+        </p:txBody>
+      </p:sp>
+      <p:sp>
+        <p:nvSpPr>
+          <p:cNvPr id="13" name="Content Placeholder 17">
+            <a:extLst>
+              <a:ext uri="{FF2B5EF4-FFF2-40B4-BE49-F238E27FC236}">
+                <a16:creationId xmlns:a16="http://schemas.microsoft.com/office/drawing/2014/main" id="{47A14A00-BD68-40C0-9569-58DC34069840}"/>
+              </a:ext>
+            </a:extLst>
+          </p:cNvPr>
+          <p:cNvSpPr txBox="1">
+            <a:spLocks/>
+          </p:cNvSpPr>
+          <p:nvPr/>
+        </p:nvSpPr>
+        <p:spPr>
+          <a:xfrm>
+            <a:off x="746007" y="3515541"/>
+            <a:ext cx="1118413" cy="375199"/>
+          </a:xfrm>
+          <a:prstGeom prst="rect">
+            <a:avLst/>
+          </a:prstGeom>
+        </p:spPr>
+        <p:txBody>
+          <a:bodyPr vert="horz" lIns="91440" tIns="45720" rIns="91440" bIns="45720" rtlCol="0">
+            <a:noAutofit/>
+          </a:bodyPr>
+          <a:lstStyle>
+            <a:lvl1pPr marL="228600" indent="-228600" algn="l" defTabSz="914400" rtl="0" eaLnBrk="1" latinLnBrk="0" hangingPunct="1">
+              <a:lnSpc>
+                <a:spcPts val="1800"/>
+              </a:lnSpc>
+              <a:spcBef>
+                <a:spcPts val="1000"/>
+              </a:spcBef>
+              <a:spcAft>
+                <a:spcPts val="1000"/>
+              </a:spcAft>
+              <a:buFont typeface="Arial" panose="020B0604020202020204" pitchFamily="34" charset="0"/>
+              <a:buChar char="•"/>
+              <a:defRPr lang="en-US" sz="1200" kern="1200" smtClean="0">
+                <a:solidFill>
+                  <a:schemeClr val="tx1">
+                    <a:lumMod val="75000"/>
+                    <a:lumOff val="25000"/>
+                  </a:schemeClr>
+                </a:solidFill>
+                <a:latin typeface="+mn-lt"/>
+                <a:ea typeface="+mn-ea"/>
+                <a:cs typeface="+mn-cs"/>
+              </a:defRPr>
+            </a:lvl1pPr>
+            <a:lvl2pPr marL="685800" indent="-228600" algn="l" defTabSz="914400" rtl="0" eaLnBrk="1" latinLnBrk="0" hangingPunct="1">
+              <a:lnSpc>
+                <a:spcPts val="1800"/>
+              </a:lnSpc>
+              <a:spcBef>
+                <a:spcPts val="1000"/>
+              </a:spcBef>
+              <a:spcAft>
+                <a:spcPts val="1000"/>
+              </a:spcAft>
+              <a:buFont typeface="Arial" panose="020B0604020202020204" pitchFamily="34" charset="0"/>
+              <a:buChar char="•"/>
+              <a:defRPr lang="en-US" sz="1200" kern="1200" smtClean="0">
+                <a:solidFill>
+                  <a:schemeClr val="tx1">
+                    <a:lumMod val="75000"/>
+                    <a:lumOff val="25000"/>
+                  </a:schemeClr>
+                </a:solidFill>
+                <a:latin typeface="+mn-lt"/>
+                <a:ea typeface="+mn-ea"/>
+                <a:cs typeface="+mn-cs"/>
+              </a:defRPr>
+            </a:lvl2pPr>
+            <a:lvl3pPr marL="1143000" indent="-228600" algn="l" defTabSz="914400" rtl="0" eaLnBrk="1" latinLnBrk="0" hangingPunct="1">
+              <a:lnSpc>
+                <a:spcPts val="1800"/>
+              </a:lnSpc>
+              <a:spcBef>
+                <a:spcPts val="1000"/>
+              </a:spcBef>
+              <a:spcAft>
+                <a:spcPts val="1000"/>
+              </a:spcAft>
+              <a:buFont typeface="Arial" panose="020B0604020202020204" pitchFamily="34" charset="0"/>
+              <a:buChar char="•"/>
+              <a:defRPr lang="en-US" sz="1200" kern="1200" smtClean="0">
+                <a:solidFill>
+                  <a:schemeClr val="tx1">
+                    <a:lumMod val="75000"/>
+                    <a:lumOff val="25000"/>
+                  </a:schemeClr>
+                </a:solidFill>
+                <a:latin typeface="+mn-lt"/>
+                <a:ea typeface="+mn-ea"/>
+                <a:cs typeface="+mn-cs"/>
+              </a:defRPr>
+            </a:lvl3pPr>
+            <a:lvl4pPr marL="1600200" indent="-228600" algn="l" defTabSz="914400" rtl="0" eaLnBrk="1" latinLnBrk="0" hangingPunct="1">
+              <a:lnSpc>
+                <a:spcPts val="1800"/>
+              </a:lnSpc>
+              <a:spcBef>
+                <a:spcPts val="1000"/>
+              </a:spcBef>
+              <a:spcAft>
+                <a:spcPts val="1000"/>
+              </a:spcAft>
+              <a:buFont typeface="Arial" panose="020B0604020202020204" pitchFamily="34" charset="0"/>
+              <a:buChar char="•"/>
+              <a:defRPr lang="en-US" sz="1200" kern="1200" smtClean="0">
+                <a:solidFill>
+                  <a:schemeClr val="tx1">
+                    <a:lumMod val="75000"/>
+                    <a:lumOff val="25000"/>
+                  </a:schemeClr>
+                </a:solidFill>
+                <a:latin typeface="+mn-lt"/>
+                <a:ea typeface="+mn-ea"/>
+                <a:cs typeface="+mn-cs"/>
+              </a:defRPr>
+            </a:lvl4pPr>
+            <a:lvl5pPr marL="2057400" indent="-228600" algn="l" defTabSz="914400" rtl="0" eaLnBrk="1" latinLnBrk="0" hangingPunct="1">
+              <a:lnSpc>
+                <a:spcPts val="1800"/>
+              </a:lnSpc>
+              <a:spcBef>
+                <a:spcPts val="1000"/>
+              </a:spcBef>
+              <a:spcAft>
+                <a:spcPts val="1000"/>
+              </a:spcAft>
+              <a:buFont typeface="Arial" panose="020B0604020202020204" pitchFamily="34" charset="0"/>
+              <a:buChar char="•"/>
+              <a:defRPr lang="en-US" sz="1200" kern="1200">
+                <a:solidFill>
+                  <a:schemeClr val="tx1">
+                    <a:lumMod val="75000"/>
+                    <a:lumOff val="25000"/>
+                  </a:schemeClr>
+                </a:solidFill>
+                <a:latin typeface="+mn-lt"/>
+                <a:ea typeface="+mn-ea"/>
+                <a:cs typeface="+mn-cs"/>
+              </a:defRPr>
+            </a:lvl5pPr>
+            <a:lvl6pPr marL="2514600" indent="-228600" algn="l" defTabSz="914400" rtl="0" eaLnBrk="1" latinLnBrk="0" hangingPunct="1">
+              <a:lnSpc>
+                <a:spcPct val="90000"/>
+              </a:lnSpc>
+              <a:spcBef>
+                <a:spcPct val="30000"/>
+              </a:spcBef>
+              <a:buFont typeface="Arial" panose="020B0604020202020204" pitchFamily="34" charset="0"/>
+              <a:buChar char="•"/>
+              <a:defRPr sz="1800" kern="1200">
+                <a:solidFill>
+                  <a:schemeClr val="tx1"/>
+                </a:solidFill>
+                <a:latin typeface="+mn-lt"/>
+                <a:ea typeface="+mn-ea"/>
+                <a:cs typeface="+mn-cs"/>
+              </a:defRPr>
+            </a:lvl6pPr>
+            <a:lvl7pPr marL="2971800" indent="-228600" algn="l" defTabSz="914400" rtl="0" eaLnBrk="1" latinLnBrk="0" hangingPunct="1">
+              <a:lnSpc>
+                <a:spcPct val="90000"/>
+              </a:lnSpc>
+              <a:spcBef>
+                <a:spcPct val="30000"/>
+              </a:spcBef>
+              <a:buFont typeface="Arial" panose="020B0604020202020204" pitchFamily="34" charset="0"/>
+              <a:buChar char="•"/>
+              <a:defRPr sz="1800" kern="1200">
+                <a:solidFill>
+                  <a:schemeClr val="tx1"/>
+                </a:solidFill>
+                <a:latin typeface="+mn-lt"/>
+                <a:ea typeface="+mn-ea"/>
+                <a:cs typeface="+mn-cs"/>
+              </a:defRPr>
+            </a:lvl7pPr>
+            <a:lvl8pPr marL="3429000" indent="-228600" algn="l" defTabSz="914400" rtl="0" eaLnBrk="1" latinLnBrk="0" hangingPunct="1">
+              <a:lnSpc>
+                <a:spcPct val="90000"/>
+              </a:lnSpc>
+              <a:spcBef>
+                <a:spcPct val="30000"/>
+              </a:spcBef>
+              <a:buFont typeface="Arial" panose="020B0604020202020204" pitchFamily="34" charset="0"/>
+              <a:buChar char="•"/>
+              <a:defRPr sz="1800" kern="1200">
+                <a:solidFill>
+                  <a:schemeClr val="tx1"/>
+                </a:solidFill>
+                <a:latin typeface="+mn-lt"/>
+                <a:ea typeface="+mn-ea"/>
+                <a:cs typeface="+mn-cs"/>
+              </a:defRPr>
+            </a:lvl8pPr>
+            <a:lvl9pPr marL="3886200" indent="-228600" algn="l" defTabSz="914400" rtl="0" eaLnBrk="1" latinLnBrk="0" hangingPunct="1">
+              <a:lnSpc>
+                <a:spcPct val="90000"/>
+              </a:lnSpc>
+              <a:spcBef>
+                <a:spcPct val="30000"/>
+              </a:spcBef>
+              <a:buFont typeface="Arial" panose="020B0604020202020204" pitchFamily="34" charset="0"/>
+              <a:buChar char="•"/>
+              <a:defRPr sz="1800" kern="1200">
+                <a:solidFill>
+                  <a:schemeClr val="tx1"/>
+                </a:solidFill>
+                <a:latin typeface="+mn-lt"/>
+                <a:ea typeface="+mn-ea"/>
+                <a:cs typeface="+mn-cs"/>
+              </a:defRPr>
+            </a:lvl9pPr>
+          </a:lstStyle>
+          <a:p>
+            <a:pPr marL="0" indent="0">
+              <a:spcAft>
+                <a:spcPts val="2000"/>
+              </a:spcAft>
+              <a:buNone/>
+            </a:pPr>
+            <a:r>
+              <a:rPr lang="en-US" sz="1800" dirty="0">
+                <a:solidFill>
+                  <a:schemeClr val="accent6"/>
+                </a:solidFill>
+                <a:cs typeface="Segoe UI"/>
+              </a:rPr>
+              <a:t>Cluster 3</a:t>
             </a:r>
           </a:p>
         </p:txBody>

--- a/PyschRegionsUS.pptx
+++ b/PyschRegionsUS.pptx
@@ -255,7 +255,7 @@
           <a:p>
             <a:fld id="{EC13577B-6902-467D-A26C-08A0DD5E4E03}" type="datetimeFigureOut">
               <a:rPr lang="en-US" smtClean="0"/>
-              <a:t>7/24/2019</a:t>
+              <a:t>7/27/2019</a:t>
             </a:fld>
             <a:endParaRPr lang="en-US" dirty="0"/>
           </a:p>
@@ -788,7 +788,7 @@
           <a:p>
             <a:fld id="{8BEEBAAA-29B5-4AF5-BC5F-7E580C29002D}" type="datetimeFigureOut">
               <a:rPr lang="en-US" smtClean="0"/>
-              <a:t>7/24/2019</a:t>
+              <a:t>7/27/2019</a:t>
             </a:fld>
             <a:endParaRPr lang="en-US" dirty="0"/>
           </a:p>
@@ -1577,7 +1577,7 @@
           <a:p>
             <a:fld id="{8BEEBAAA-29B5-4AF5-BC5F-7E580C29002D}" type="datetimeFigureOut">
               <a:rPr lang="en-US" smtClean="0"/>
-              <a:t>7/24/2019</a:t>
+              <a:t>7/27/2019</a:t>
             </a:fld>
             <a:endParaRPr lang="en-US" dirty="0"/>
           </a:p>
@@ -2122,7 +2122,7 @@
           <a:p>
             <a:fld id="{8BEEBAAA-29B5-4AF5-BC5F-7E580C29002D}" type="datetimeFigureOut">
               <a:rPr lang="en-US" smtClean="0"/>
-              <a:t>7/24/2019</a:t>
+              <a:t>7/27/2019</a:t>
             </a:fld>
             <a:endParaRPr lang="en-US" dirty="0"/>
           </a:p>
@@ -2910,7 +2910,7 @@
         </p:nvSpPr>
         <p:spPr>
           <a:xfrm>
-            <a:off x="517374" y="2289466"/>
+            <a:off x="508128" y="2227426"/>
             <a:ext cx="3191657" cy="641350"/>
           </a:xfrm>
           <a:prstGeom prst="rect">
@@ -3132,7 +3132,7 @@
                 </a:solidFill>
                 <a:cs typeface="Segoe UI"/>
               </a:rPr>
-              <a:t>Best accuracy of 0.82 when fitting on the original data</a:t>
+              <a:t>Best accuracy of 0.82 when fitting on the original data and 0.5 on training data</a:t>
             </a:r>
           </a:p>
         </p:txBody>
@@ -3153,7 +3153,7 @@
         </p:nvSpPr>
         <p:spPr>
           <a:xfrm>
-            <a:off x="516711" y="3003180"/>
+            <a:off x="516711" y="3170314"/>
             <a:ext cx="3191657" cy="853595"/>
           </a:xfrm>
           <a:prstGeom prst="rect">
@@ -3462,7 +3462,7 @@
         </p:blipFill>
         <p:spPr>
           <a:xfrm>
-            <a:off x="653172" y="3943287"/>
+            <a:off x="633716" y="4227681"/>
             <a:ext cx="4095750" cy="1647825"/>
           </a:xfrm>
           <a:prstGeom prst="rect">
@@ -5057,7 +5057,7 @@
         <p:spPr>
           <a:xfrm>
             <a:off x="788739" y="4448935"/>
-            <a:ext cx="3245686" cy="838147"/>
+            <a:ext cx="3245686" cy="1498900"/>
           </a:xfrm>
           <a:prstGeom prst="rect">
             <a:avLst/>
@@ -5278,7 +5278,7 @@
                 </a:solidFill>
                 <a:cs typeface="Segoe UI"/>
               </a:rPr>
-              <a:t>Most of Mountain, Central, and South East states are nearest neighbors in Cluster 1</a:t>
+              <a:t>Most of Mountain, Central, and South East states are nearest neighbors in one cluster. Only a few from West, and few others in North east are in two clusters</a:t>
             </a:r>
           </a:p>
         </p:txBody>
@@ -5379,13 +5379,13 @@
                 </a:solidFill>
                 <a:cs typeface="Segoe UI"/>
               </a:rPr>
-              <a:t>ost of Mountain, West coast, and Central states closer</a:t>
+              <a:t>ost of Mountain, West coast, and Central states in two clusters</a:t>
             </a:r>
           </a:p>
           <a:p>
             <a:r>
               <a:rPr lang="en-US" sz="1800" dirty="0"/>
-              <a:t>Dendogram clusters m</a:t>
+              <a:t>Dendogram clusters similar to K-Means m</a:t>
             </a:r>
             <a:r>
               <a:rPr lang="en-US" sz="1800" dirty="0">
@@ -5397,7 +5397,7 @@
                 </a:solidFill>
                 <a:cs typeface="Segoe UI"/>
               </a:rPr>
-              <a:t>ost of Mountain, West coast, and North East states closer</a:t>
+              <a:t>ost of Mountain, West coast, but some North East states into two clusters</a:t>
             </a:r>
           </a:p>
           <a:p>
@@ -5411,11 +5411,8 @@
                 </a:solidFill>
                 <a:cs typeface="Segoe UI"/>
               </a:rPr>
-              <a:t>K-Nearest Neighbors classifies most of Mountain, Central, and South East states as nearest neighbors</a:t>
+              <a:t>K-Nearest Neighbors (KNN) classifies most of the states from Mountain, Central, and South East states into one cluster</a:t>
             </a:r>
-            <a:endParaRPr lang="en-US" sz="1800" dirty="0"/>
-          </a:p>
-          <a:p>
             <a:endParaRPr lang="en-US" sz="1800" dirty="0"/>
           </a:p>
           <a:p>
@@ -11181,7 +11178,7 @@
         <p:spPr>
           <a:xfrm>
             <a:off x="752382" y="4573178"/>
-            <a:ext cx="3060200" cy="838147"/>
+            <a:ext cx="3060200" cy="1078592"/>
           </a:xfrm>
           <a:prstGeom prst="rect">
             <a:avLst/>
@@ -11402,7 +11399,7 @@
                 </a:solidFill>
                 <a:cs typeface="Segoe UI"/>
               </a:rPr>
-              <a:t>Most of Mountain, West, and Central states are closer in two clusters</a:t>
+              <a:t>Most of Mountain, West, and Central, and a few North east states are in two clusters</a:t>
             </a:r>
           </a:p>
         </p:txBody>
@@ -11980,7 +11977,7 @@
         <p:spPr>
           <a:xfrm>
             <a:off x="752382" y="4573178"/>
-            <a:ext cx="3060200" cy="838147"/>
+            <a:ext cx="3060200" cy="1071651"/>
           </a:xfrm>
           <a:prstGeom prst="rect">
             <a:avLst/>
@@ -12201,7 +12198,7 @@
                 </a:solidFill>
                 <a:cs typeface="Segoe UI"/>
               </a:rPr>
-              <a:t>Most of North East, Mountain, West coast states are closer in Cluster 1 and 2</a:t>
+              <a:t>Most of Mountain, West, and some North East states are together in two clusters</a:t>
             </a:r>
           </a:p>
         </p:txBody>
